--- a/docs_projet/Maquette app.pptx
+++ b/docs_projet/Maquette app.pptx
@@ -6,6 +6,11 @@
   </p:sldMasterIdLst>
   <p:sldIdLst>
     <p:sldId id="256" r:id="rId2"/>
+    <p:sldId id="274" r:id="rId3"/>
+    <p:sldId id="257" r:id="rId4"/>
+    <p:sldId id="275" r:id="rId5"/>
+    <p:sldId id="277" r:id="rId6"/>
+    <p:sldId id="276" r:id="rId7"/>
   </p:sldIdLst>
   <p:sldSz cx="12192000" cy="6858000"/>
   <p:notesSz cx="6858000" cy="9144000"/>
@@ -104,6 +109,11 @@
       </a:defRPr>
     </a:lvl9pPr>
   </p:defaultTextStyle>
+  <p:extLst>
+    <p:ext uri="{EFAFB233-063F-42B5-8137-9DF3F51BA10A}">
+      <p15:sldGuideLst xmlns:p15="http://schemas.microsoft.com/office/powerpoint/2012/main"/>
+    </p:ext>
+  </p:extLst>
 </p:presentation>
 </file>
 
@@ -254,7 +264,7 @@
           <a:p>
             <a:fld id="{7452FE57-4E4A-4E61-9D46-EB0E0F15F3FA}" type="datetimeFigureOut">
               <a:rPr lang="fr-FR" smtClean="0"/>
-              <a:t>06/05/2021</a:t>
+              <a:t>25/05/2021</a:t>
             </a:fld>
             <a:endParaRPr lang="fr-FR"/>
           </a:p>
@@ -452,7 +462,7 @@
           <a:p>
             <a:fld id="{7452FE57-4E4A-4E61-9D46-EB0E0F15F3FA}" type="datetimeFigureOut">
               <a:rPr lang="fr-FR" smtClean="0"/>
-              <a:t>06/05/2021</a:t>
+              <a:t>25/05/2021</a:t>
             </a:fld>
             <a:endParaRPr lang="fr-FR"/>
           </a:p>
@@ -660,7 +670,7 @@
           <a:p>
             <a:fld id="{7452FE57-4E4A-4E61-9D46-EB0E0F15F3FA}" type="datetimeFigureOut">
               <a:rPr lang="fr-FR" smtClean="0"/>
-              <a:t>06/05/2021</a:t>
+              <a:t>25/05/2021</a:t>
             </a:fld>
             <a:endParaRPr lang="fr-FR"/>
           </a:p>
@@ -724,6 +734,135 @@
     <p:extLst>
       <p:ext uri="{BB962C8B-B14F-4D97-AF65-F5344CB8AC3E}">
         <p14:creationId xmlns:p14="http://schemas.microsoft.com/office/powerpoint/2010/main" val="557852438"/>
+      </p:ext>
+    </p:extLst>
+  </p:cSld>
+  <p:clrMapOvr>
+    <a:masterClrMapping/>
+  </p:clrMapOvr>
+</p:sldLayout>
+</file>
+
+<file path=ppt/slideLayouts/slideLayout12.xml><?xml version="1.0" encoding="utf-8"?>
+<p:sldLayout xmlns:a="http://schemas.openxmlformats.org/drawingml/2006/main" xmlns:r="http://schemas.openxmlformats.org/officeDocument/2006/relationships" xmlns:p="http://schemas.openxmlformats.org/presentationml/2006/main" userDrawn="1">
+  <p:cSld name="1_Custom Layout">
+    <p:spTree>
+      <p:nvGrpSpPr>
+        <p:cNvPr id="1" name=""/>
+        <p:cNvGrpSpPr/>
+        <p:nvPr/>
+      </p:nvGrpSpPr>
+      <p:grpSpPr>
+        <a:xfrm>
+          <a:off x="0" y="0"/>
+          <a:ext cx="0" cy="0"/>
+          <a:chOff x="0" y="0"/>
+          <a:chExt cx="0" cy="0"/>
+        </a:xfrm>
+      </p:grpSpPr>
+      <p:sp>
+        <p:nvSpPr>
+          <p:cNvPr id="3" name="Slide Number Placeholder 2"/>
+          <p:cNvSpPr>
+            <a:spLocks noGrp="1"/>
+          </p:cNvSpPr>
+          <p:nvPr>
+            <p:ph type="sldNum" sz="quarter" idx="10"/>
+          </p:nvPr>
+        </p:nvSpPr>
+        <p:spPr/>
+        <p:txBody>
+          <a:bodyPr/>
+          <a:lstStyle>
+            <a:lvl1pPr>
+              <a:defRPr>
+                <a:latin typeface="Segoe UI" panose="020B0502040204020203" pitchFamily="34" charset="0"/>
+                <a:cs typeface="Segoe UI" panose="020B0502040204020203" pitchFamily="34" charset="0"/>
+              </a:defRPr>
+            </a:lvl1pPr>
+          </a:lstStyle>
+          <a:p>
+            <a:fld id="{67776335-61A7-4279-8620-AB18457F87A7}" type="slidenum">
+              <a:rPr lang="fr-FR" smtClean="0"/>
+              <a:pPr/>
+              <a:t>‹N°›</a:t>
+            </a:fld>
+            <a:endParaRPr lang="fr-FR"/>
+          </a:p>
+        </p:txBody>
+      </p:sp>
+      <p:sp>
+        <p:nvSpPr>
+          <p:cNvPr id="7" name="Rectangle 6"/>
+          <p:cNvSpPr/>
+          <p:nvPr userDrawn="1"/>
+        </p:nvSpPr>
+        <p:spPr>
+          <a:xfrm>
+            <a:off x="0" y="0"/>
+            <a:ext cx="12192000" cy="276225"/>
+          </a:xfrm>
+          <a:prstGeom prst="rect">
+            <a:avLst/>
+          </a:prstGeom>
+          <a:solidFill>
+            <a:schemeClr val="tx1">
+              <a:lumMod val="50000"/>
+              <a:lumOff val="50000"/>
+            </a:schemeClr>
+          </a:solidFill>
+          <a:ln w="12700" cap="flat" cmpd="sng" algn="ctr">
+            <a:noFill/>
+            <a:prstDash val="solid"/>
+            <a:miter lim="800000"/>
+          </a:ln>
+          <a:effectLst/>
+        </p:spPr>
+        <p:txBody>
+          <a:bodyPr anchor="ctr"/>
+          <a:lstStyle/>
+          <a:p>
+            <a:pPr marL="0" marR="0" lvl="0" indent="0" algn="ctr" defTabSz="457200" eaLnBrk="1" fontAlgn="auto" latinLnBrk="0" hangingPunct="1">
+              <a:lnSpc>
+                <a:spcPct val="100000"/>
+              </a:lnSpc>
+              <a:spcBef>
+                <a:spcPts val="0"/>
+              </a:spcBef>
+              <a:spcAft>
+                <a:spcPts val="0"/>
+              </a:spcAft>
+              <a:buClrTx/>
+              <a:buSzTx/>
+              <a:buFontTx/>
+              <a:buNone/>
+              <a:tabLst/>
+              <a:defRPr/>
+            </a:pPr>
+            <a:r>
+              <a:rPr kumimoji="0" lang="fr-FR" sz="1350" b="0" i="0" u="none" strike="noStrike" kern="0" cap="none" spc="0" normalizeH="0" baseline="0" noProof="0">
+                <a:ln>
+                  <a:noFill/>
+                </a:ln>
+                <a:solidFill>
+                  <a:srgbClr val="FFFFFF"/>
+                </a:solidFill>
+                <a:effectLst/>
+                <a:uLnTx/>
+                <a:uFillTx/>
+                <a:latin typeface="Segoe UI" panose="020B0502040204020203" pitchFamily="34" charset="0"/>
+                <a:ea typeface="+mn-ea"/>
+                <a:cs typeface="Segoe UI" panose="020B0502040204020203" pitchFamily="34" charset="0"/>
+              </a:rPr>
+              <a:t>FICHE DE COMMANDE D’UN NOUVEAU PROJET NUMERIQUE</a:t>
+            </a:r>
+          </a:p>
+        </p:txBody>
+      </p:sp>
+    </p:spTree>
+    <p:extLst>
+      <p:ext uri="{BB962C8B-B14F-4D97-AF65-F5344CB8AC3E}">
+        <p14:creationId xmlns:p14="http://schemas.microsoft.com/office/powerpoint/2010/main" val="2919552480"/>
       </p:ext>
     </p:extLst>
   </p:cSld>
@@ -858,7 +997,7 @@
           <a:p>
             <a:fld id="{7452FE57-4E4A-4E61-9D46-EB0E0F15F3FA}" type="datetimeFigureOut">
               <a:rPr lang="fr-FR" smtClean="0"/>
-              <a:t>06/05/2021</a:t>
+              <a:t>25/05/2021</a:t>
             </a:fld>
             <a:endParaRPr lang="fr-FR"/>
           </a:p>
@@ -1133,7 +1272,7 @@
           <a:p>
             <a:fld id="{7452FE57-4E4A-4E61-9D46-EB0E0F15F3FA}" type="datetimeFigureOut">
               <a:rPr lang="fr-FR" smtClean="0"/>
-              <a:t>06/05/2021</a:t>
+              <a:t>25/05/2021</a:t>
             </a:fld>
             <a:endParaRPr lang="fr-FR"/>
           </a:p>
@@ -1398,7 +1537,7 @@
           <a:p>
             <a:fld id="{7452FE57-4E4A-4E61-9D46-EB0E0F15F3FA}" type="datetimeFigureOut">
               <a:rPr lang="fr-FR" smtClean="0"/>
-              <a:t>06/05/2021</a:t>
+              <a:t>25/05/2021</a:t>
             </a:fld>
             <a:endParaRPr lang="fr-FR"/>
           </a:p>
@@ -1810,7 +1949,7 @@
           <a:p>
             <a:fld id="{7452FE57-4E4A-4E61-9D46-EB0E0F15F3FA}" type="datetimeFigureOut">
               <a:rPr lang="fr-FR" smtClean="0"/>
-              <a:t>06/05/2021</a:t>
+              <a:t>25/05/2021</a:t>
             </a:fld>
             <a:endParaRPr lang="fr-FR"/>
           </a:p>
@@ -1951,7 +2090,7 @@
           <a:p>
             <a:fld id="{7452FE57-4E4A-4E61-9D46-EB0E0F15F3FA}" type="datetimeFigureOut">
               <a:rPr lang="fr-FR" smtClean="0"/>
-              <a:t>06/05/2021</a:t>
+              <a:t>25/05/2021</a:t>
             </a:fld>
             <a:endParaRPr lang="fr-FR"/>
           </a:p>
@@ -2064,7 +2203,7 @@
           <a:p>
             <a:fld id="{7452FE57-4E4A-4E61-9D46-EB0E0F15F3FA}" type="datetimeFigureOut">
               <a:rPr lang="fr-FR" smtClean="0"/>
-              <a:t>06/05/2021</a:t>
+              <a:t>25/05/2021</a:t>
             </a:fld>
             <a:endParaRPr lang="fr-FR"/>
           </a:p>
@@ -2375,7 +2514,7 @@
           <a:p>
             <a:fld id="{7452FE57-4E4A-4E61-9D46-EB0E0F15F3FA}" type="datetimeFigureOut">
               <a:rPr lang="fr-FR" smtClean="0"/>
-              <a:t>06/05/2021</a:t>
+              <a:t>25/05/2021</a:t>
             </a:fld>
             <a:endParaRPr lang="fr-FR"/>
           </a:p>
@@ -2663,7 +2802,7 @@
           <a:p>
             <a:fld id="{7452FE57-4E4A-4E61-9D46-EB0E0F15F3FA}" type="datetimeFigureOut">
               <a:rPr lang="fr-FR" smtClean="0"/>
-              <a:t>06/05/2021</a:t>
+              <a:t>25/05/2021</a:t>
             </a:fld>
             <a:endParaRPr lang="fr-FR"/>
           </a:p>
@@ -2904,7 +3043,7 @@
           <a:p>
             <a:fld id="{7452FE57-4E4A-4E61-9D46-EB0E0F15F3FA}" type="datetimeFigureOut">
               <a:rPr lang="fr-FR" smtClean="0"/>
-              <a:t>06/05/2021</a:t>
+              <a:t>25/05/2021</a:t>
             </a:fld>
             <a:endParaRPr lang="fr-FR"/>
           </a:p>
@@ -3020,6 +3159,7 @@
     <p:sldLayoutId id="2147483657" r:id="rId9"/>
     <p:sldLayoutId id="2147483658" r:id="rId10"/>
     <p:sldLayoutId id="2147483659" r:id="rId11"/>
+    <p:sldLayoutId id="2147483660" r:id="rId12"/>
   </p:sldLayoutIdLst>
   <p:txStyles>
     <p:titleStyle>
@@ -3337,21 +3477,5445 @@
             <p:ph type="ctrTitle"/>
           </p:nvPr>
         </p:nvSpPr>
+        <p:spPr>
+          <a:xfrm>
+            <a:off x="1524000" y="2556881"/>
+            <a:ext cx="9144000" cy="2387600"/>
+          </a:xfrm>
+        </p:spPr>
+        <p:txBody>
+          <a:bodyPr>
+            <a:normAutofit fontScale="90000"/>
+          </a:bodyPr>
+          <a:lstStyle/>
+          <a:p>
+            <a:r>
+              <a:rPr lang="fr-FR" b="1" kern="0" dirty="0">
+                <a:ea typeface="+mn-lt"/>
+                <a:cs typeface="+mn-lt"/>
+              </a:rPr>
+              <a:t>Suivi saturation/disponibilité dans les parkings et parcs relais dans le </a:t>
+            </a:r>
+            <a:r>
+              <a:rPr lang="fr-FR" b="1" kern="0" dirty="0" err="1">
+                <a:ea typeface="+mn-lt"/>
+                <a:cs typeface="+mn-lt"/>
+              </a:rPr>
+              <a:t>DataLab</a:t>
+            </a:r>
+            <a:r>
+              <a:rPr lang="fr-FR" b="1" kern="0" dirty="0">
+                <a:ea typeface="+mn-lt"/>
+                <a:cs typeface="+mn-lt"/>
+              </a:rPr>
+              <a:t> de Bordeaux Métropole</a:t>
+            </a:r>
+            <a:br>
+              <a:rPr lang="fr-FR" dirty="0"/>
+            </a:br>
+            <a:endParaRPr lang="fr-FR" dirty="0"/>
+          </a:p>
+        </p:txBody>
+      </p:sp>
+    </p:spTree>
+    <p:extLst>
+      <p:ext uri="{BB962C8B-B14F-4D97-AF65-F5344CB8AC3E}">
+        <p14:creationId xmlns:p14="http://schemas.microsoft.com/office/powerpoint/2010/main" val="613575460"/>
+      </p:ext>
+    </p:extLst>
+  </p:cSld>
+  <p:clrMapOvr>
+    <a:masterClrMapping/>
+  </p:clrMapOvr>
+</p:sld>
+</file>
+
+<file path=ppt/slides/slide2.xml><?xml version="1.0" encoding="utf-8"?>
+<p:sld xmlns:a="http://schemas.openxmlformats.org/drawingml/2006/main" xmlns:r="http://schemas.openxmlformats.org/officeDocument/2006/relationships" xmlns:p="http://schemas.openxmlformats.org/presentationml/2006/main">
+  <p:cSld>
+    <p:spTree>
+      <p:nvGrpSpPr>
+        <p:cNvPr id="1" name=""/>
+        <p:cNvGrpSpPr/>
+        <p:nvPr/>
+      </p:nvGrpSpPr>
+      <p:grpSpPr>
+        <a:xfrm>
+          <a:off x="0" y="0"/>
+          <a:ext cx="0" cy="0"/>
+          <a:chOff x="0" y="0"/>
+          <a:chExt cx="0" cy="0"/>
+        </a:xfrm>
+      </p:grpSpPr>
+      <p:sp>
+        <p:nvSpPr>
+          <p:cNvPr id="2" name="Slide Number Placeholder 1"/>
+          <p:cNvSpPr>
+            <a:spLocks noGrp="1"/>
+          </p:cNvSpPr>
+          <p:nvPr>
+            <p:ph type="sldNum" sz="quarter" idx="10"/>
+          </p:nvPr>
+        </p:nvSpPr>
         <p:spPr/>
         <p:txBody>
           <a:bodyPr/>
           <a:lstStyle/>
           <a:p>
+            <a:fld id="{67776335-61A7-4279-8620-AB18457F87A7}" type="slidenum">
+              <a:rPr lang="fr-FR" smtClean="0"/>
+              <a:pPr/>
+              <a:t>2</a:t>
+            </a:fld>
             <a:endParaRPr lang="fr-FR"/>
           </a:p>
         </p:txBody>
       </p:sp>
-      <p:sp>
-        <p:nvSpPr>
-          <p:cNvPr id="3" name="Sous-titre 2">
+      <p:grpSp>
+        <p:nvGrpSpPr>
+          <p:cNvPr id="3" name="Group 2"/>
+          <p:cNvGrpSpPr/>
+          <p:nvPr/>
+        </p:nvGrpSpPr>
+        <p:grpSpPr>
+          <a:xfrm>
+            <a:off x="9667977" y="1"/>
+            <a:ext cx="2524023" cy="462013"/>
+            <a:chOff x="442116" y="2658739"/>
+            <a:chExt cx="2524023" cy="666076"/>
+          </a:xfrm>
+        </p:grpSpPr>
+        <p:sp>
+          <p:nvSpPr>
+            <p:cNvPr id="4" name="ZoneTexte 5"/>
+            <p:cNvSpPr txBox="1"/>
+            <p:nvPr/>
+          </p:nvSpPr>
+          <p:spPr>
+            <a:xfrm>
+              <a:off x="442116" y="2658740"/>
+              <a:ext cx="2524023" cy="666075"/>
+            </a:xfrm>
+            <a:prstGeom prst="rect">
+              <a:avLst/>
+            </a:prstGeom>
+            <a:solidFill>
+              <a:srgbClr val="FFFFFF">
+                <a:lumMod val="95000"/>
+              </a:srgbClr>
+            </a:solidFill>
+            <a:ln w="19050">
+              <a:solidFill>
+                <a:schemeClr val="accent6"/>
+              </a:solidFill>
+            </a:ln>
+          </p:spPr>
+          <p:txBody>
+            <a:bodyPr lIns="27000" tIns="27000" rIns="27000" bIns="27000" anchor="ctr"/>
+            <a:lstStyle>
+              <a:defPPr>
+                <a:defRPr lang="en-US"/>
+              </a:defPPr>
+              <a:lvl1pPr marL="92075" algn="ctr">
+                <a:spcAft>
+                  <a:spcPts val="600"/>
+                </a:spcAft>
+                <a:defRPr sz="1100" b="1">
+                  <a:solidFill>
+                    <a:schemeClr val="tx1">
+                      <a:lumMod val="85000"/>
+                      <a:lumOff val="15000"/>
+                    </a:schemeClr>
+                  </a:solidFill>
+                  <a:latin typeface="Calibri Light" panose="020F0302020204030204" pitchFamily="34" charset="0"/>
+                </a:defRPr>
+              </a:lvl1pPr>
+            </a:lstStyle>
+            <a:p>
+              <a:pPr marL="92075" marR="0" lvl="0" indent="0" algn="ctr" defTabSz="457200" eaLnBrk="1" fontAlgn="auto" latinLnBrk="0" hangingPunct="1">
+                <a:lnSpc>
+                  <a:spcPct val="100000"/>
+                </a:lnSpc>
+                <a:spcBef>
+                  <a:spcPts val="0"/>
+                </a:spcBef>
+                <a:spcAft>
+                  <a:spcPts val="600"/>
+                </a:spcAft>
+                <a:buClrTx/>
+                <a:buSzTx/>
+                <a:buFontTx/>
+                <a:buNone/>
+                <a:tabLst/>
+                <a:defRPr/>
+              </a:pPr>
+              <a:r>
+                <a:rPr kumimoji="0" lang="fr-FR" sz="1100" b="1" i="0" u="none" strike="noStrike" kern="0" cap="none" spc="0" normalizeH="0" baseline="0" noProof="0">
+                  <a:ln>
+                    <a:noFill/>
+                  </a:ln>
+                  <a:solidFill>
+                    <a:srgbClr val="000000">
+                      <a:lumMod val="85000"/>
+                      <a:lumOff val="15000"/>
+                    </a:srgbClr>
+                  </a:solidFill>
+                  <a:effectLst/>
+                  <a:uLnTx/>
+                  <a:uFillTx/>
+                  <a:latin typeface="Segoe UI" panose="020B0502040204020203" pitchFamily="34" charset="0"/>
+                  <a:cs typeface="Segoe UI" panose="020B0502040204020203" pitchFamily="34" charset="0"/>
+                </a:rPr>
+                <a:t>TRANSMISSION DE LA FICHE COMMANDE</a:t>
+              </a:r>
+            </a:p>
+          </p:txBody>
+        </p:sp>
+        <p:sp>
+          <p:nvSpPr>
+            <p:cNvPr id="5" name="Ellipse 6"/>
+            <p:cNvSpPr/>
+            <p:nvPr/>
+          </p:nvSpPr>
+          <p:spPr>
+            <a:xfrm>
+              <a:off x="442117" y="2658739"/>
+              <a:ext cx="252412" cy="252413"/>
+            </a:xfrm>
+            <a:prstGeom prst="rect">
+              <a:avLst/>
+            </a:prstGeom>
+            <a:solidFill>
+              <a:schemeClr val="accent6"/>
+            </a:solidFill>
+            <a:ln w="12700" cap="flat" cmpd="sng" algn="ctr">
+              <a:solidFill>
+                <a:schemeClr val="accent6"/>
+              </a:solidFill>
+              <a:prstDash val="solid"/>
+              <a:miter lim="800000"/>
+            </a:ln>
+            <a:effectLst/>
+          </p:spPr>
+          <p:txBody>
+            <a:bodyPr anchor="ctr"/>
+            <a:lstStyle/>
+            <a:p>
+              <a:pPr marL="0" marR="0" lvl="0" indent="0" algn="ctr" defTabSz="457200" eaLnBrk="1" fontAlgn="auto" latinLnBrk="0" hangingPunct="1">
+                <a:lnSpc>
+                  <a:spcPct val="100000"/>
+                </a:lnSpc>
+                <a:spcBef>
+                  <a:spcPts val="0"/>
+                </a:spcBef>
+                <a:spcAft>
+                  <a:spcPts val="0"/>
+                </a:spcAft>
+                <a:buClrTx/>
+                <a:buSzTx/>
+                <a:buFontTx/>
+                <a:buNone/>
+                <a:tabLst/>
+                <a:defRPr/>
+              </a:pPr>
+              <a:r>
+                <a:rPr kumimoji="0" lang="fr-FR" sz="1100" b="0" i="0" u="none" strike="noStrike" kern="0" cap="none" spc="0" normalizeH="0" baseline="0" noProof="0">
+                  <a:ln>
+                    <a:noFill/>
+                  </a:ln>
+                  <a:solidFill>
+                    <a:schemeClr val="bg1"/>
+                  </a:solidFill>
+                  <a:effectLst/>
+                  <a:uLnTx/>
+                  <a:uFillTx/>
+                  <a:latin typeface="Segoe UI" panose="020B0502040204020203" pitchFamily="34" charset="0"/>
+                  <a:cs typeface="Segoe UI" panose="020B0502040204020203" pitchFamily="34" charset="0"/>
+                </a:rPr>
+                <a:t>1</a:t>
+              </a:r>
+            </a:p>
+          </p:txBody>
+        </p:sp>
+      </p:grpSp>
+      <p:sp>
+        <p:nvSpPr>
+          <p:cNvPr id="55" name="ZoneTexte 6"/>
+          <p:cNvSpPr txBox="1">
+            <a:spLocks noChangeArrowheads="1"/>
+          </p:cNvSpPr>
+          <p:nvPr/>
+        </p:nvSpPr>
+        <p:spPr bwMode="auto">
+          <a:xfrm>
+            <a:off x="87313" y="398464"/>
+            <a:ext cx="5574347" cy="323165"/>
+          </a:xfrm>
+          <a:prstGeom prst="rect">
+            <a:avLst/>
+          </a:prstGeom>
+          <a:noFill/>
+          <a:ln>
+            <a:noFill/>
+          </a:ln>
+          <a:extLst>
+            <a:ext uri="{909E8E84-426E-40DD-AFC4-6F175D3DCCD1}">
+              <a14:hiddenFill xmlns:a14="http://schemas.microsoft.com/office/drawing/2010/main">
+                <a:solidFill>
+                  <a:srgbClr val="FFFFFF"/>
+                </a:solidFill>
+              </a14:hiddenFill>
+            </a:ext>
+            <a:ext uri="{91240B29-F687-4F45-9708-019B960494DF}">
+              <a14:hiddenLine xmlns:a14="http://schemas.microsoft.com/office/drawing/2010/main" w="9525">
+                <a:solidFill>
+                  <a:srgbClr val="000000"/>
+                </a:solidFill>
+                <a:miter lim="800000"/>
+                <a:headEnd/>
+                <a:tailEnd/>
+              </a14:hiddenLine>
+            </a:ext>
+          </a:extLst>
+        </p:spPr>
+        <p:txBody>
+          <a:bodyPr wrap="none">
+            <a:spAutoFit/>
+          </a:bodyPr>
+          <a:lstStyle>
+            <a:lvl1pPr>
+              <a:defRPr>
+                <a:solidFill>
+                  <a:schemeClr val="tx1"/>
+                </a:solidFill>
+                <a:latin typeface="Calibri" panose="020F0502020204030204" pitchFamily="34" charset="0"/>
+              </a:defRPr>
+            </a:lvl1pPr>
+            <a:lvl2pPr marL="742950" indent="-285750">
+              <a:defRPr>
+                <a:solidFill>
+                  <a:schemeClr val="tx1"/>
+                </a:solidFill>
+                <a:latin typeface="Calibri" panose="020F0502020204030204" pitchFamily="34" charset="0"/>
+              </a:defRPr>
+            </a:lvl2pPr>
+            <a:lvl3pPr marL="1143000" indent="-228600">
+              <a:defRPr>
+                <a:solidFill>
+                  <a:schemeClr val="tx1"/>
+                </a:solidFill>
+                <a:latin typeface="Calibri" panose="020F0502020204030204" pitchFamily="34" charset="0"/>
+              </a:defRPr>
+            </a:lvl3pPr>
+            <a:lvl4pPr marL="1600200" indent="-228600">
+              <a:defRPr>
+                <a:solidFill>
+                  <a:schemeClr val="tx1"/>
+                </a:solidFill>
+                <a:latin typeface="Calibri" panose="020F0502020204030204" pitchFamily="34" charset="0"/>
+              </a:defRPr>
+            </a:lvl4pPr>
+            <a:lvl5pPr marL="2057400" indent="-228600">
+              <a:defRPr>
+                <a:solidFill>
+                  <a:schemeClr val="tx1"/>
+                </a:solidFill>
+                <a:latin typeface="Calibri" panose="020F0502020204030204" pitchFamily="34" charset="0"/>
+              </a:defRPr>
+            </a:lvl5pPr>
+            <a:lvl6pPr marL="2514600" indent="-228600" eaLnBrk="0" fontAlgn="base" hangingPunct="0">
+              <a:spcBef>
+                <a:spcPct val="0"/>
+              </a:spcBef>
+              <a:spcAft>
+                <a:spcPct val="0"/>
+              </a:spcAft>
+              <a:defRPr>
+                <a:solidFill>
+                  <a:schemeClr val="tx1"/>
+                </a:solidFill>
+                <a:latin typeface="Calibri" panose="020F0502020204030204" pitchFamily="34" charset="0"/>
+              </a:defRPr>
+            </a:lvl6pPr>
+            <a:lvl7pPr marL="2971800" indent="-228600" eaLnBrk="0" fontAlgn="base" hangingPunct="0">
+              <a:spcBef>
+                <a:spcPct val="0"/>
+              </a:spcBef>
+              <a:spcAft>
+                <a:spcPct val="0"/>
+              </a:spcAft>
+              <a:defRPr>
+                <a:solidFill>
+                  <a:schemeClr val="tx1"/>
+                </a:solidFill>
+                <a:latin typeface="Calibri" panose="020F0502020204030204" pitchFamily="34" charset="0"/>
+              </a:defRPr>
+            </a:lvl7pPr>
+            <a:lvl8pPr marL="3429000" indent="-228600" eaLnBrk="0" fontAlgn="base" hangingPunct="0">
+              <a:spcBef>
+                <a:spcPct val="0"/>
+              </a:spcBef>
+              <a:spcAft>
+                <a:spcPct val="0"/>
+              </a:spcAft>
+              <a:defRPr>
+                <a:solidFill>
+                  <a:schemeClr val="tx1"/>
+                </a:solidFill>
+                <a:latin typeface="Calibri" panose="020F0502020204030204" pitchFamily="34" charset="0"/>
+              </a:defRPr>
+            </a:lvl8pPr>
+            <a:lvl9pPr marL="3886200" indent="-228600" eaLnBrk="0" fontAlgn="base" hangingPunct="0">
+              <a:spcBef>
+                <a:spcPct val="0"/>
+              </a:spcBef>
+              <a:spcAft>
+                <a:spcPct val="0"/>
+              </a:spcAft>
+              <a:defRPr>
+                <a:solidFill>
+                  <a:schemeClr val="tx1"/>
+                </a:solidFill>
+                <a:latin typeface="Calibri" panose="020F0502020204030204" pitchFamily="34" charset="0"/>
+              </a:defRPr>
+            </a:lvl9pPr>
+          </a:lstStyle>
+          <a:p>
+            <a:pPr>
+              <a:defRPr/>
+            </a:pPr>
+            <a:r>
+              <a:rPr lang="fr-FR" altLang="fr-FR" sz="1500" b="1">
+                <a:solidFill>
+                  <a:schemeClr val="tx1">
+                    <a:lumMod val="75000"/>
+                    <a:lumOff val="25000"/>
+                  </a:schemeClr>
+                </a:solidFill>
+                <a:latin typeface="Segoe UI" panose="020B0502040204020203" pitchFamily="34" charset="0"/>
+                <a:cs typeface="Segoe UI" panose="020B0502040204020203" pitchFamily="34" charset="0"/>
+              </a:rPr>
+              <a:t>Volet 1 : Expression du besoin, enjeux et bénéfices attendus</a:t>
+            </a:r>
+          </a:p>
+        </p:txBody>
+      </p:sp>
+      <p:sp>
+        <p:nvSpPr>
+          <p:cNvPr id="82" name="Rectangle 81"/>
+          <p:cNvSpPr/>
+          <p:nvPr/>
+        </p:nvSpPr>
+        <p:spPr>
+          <a:xfrm>
+            <a:off x="6299848" y="856071"/>
+            <a:ext cx="5542347" cy="323850"/>
+          </a:xfrm>
+          <a:prstGeom prst="rect">
+            <a:avLst/>
+          </a:prstGeom>
+          <a:solidFill>
+            <a:schemeClr val="accent6"/>
+          </a:solidFill>
+          <a:ln w="19050">
+            <a:solidFill>
+              <a:schemeClr val="accent6"/>
+            </a:solidFill>
+          </a:ln>
+        </p:spPr>
+        <p:style>
+          <a:lnRef idx="2">
+            <a:schemeClr val="accent1">
+              <a:shade val="50000"/>
+            </a:schemeClr>
+          </a:lnRef>
+          <a:fillRef idx="1">
+            <a:schemeClr val="accent1"/>
+          </a:fillRef>
+          <a:effectRef idx="0">
+            <a:schemeClr val="accent1"/>
+          </a:effectRef>
+          <a:fontRef idx="minor">
+            <a:schemeClr val="lt1"/>
+          </a:fontRef>
+        </p:style>
+        <p:txBody>
+          <a:bodyPr anchor="ctr"/>
+          <a:lstStyle/>
+          <a:p>
+            <a:pPr indent="61913">
+              <a:defRPr/>
+            </a:pPr>
+            <a:r>
+              <a:rPr lang="fr-FR" sz="1100" b="1">
+                <a:solidFill>
+                  <a:schemeClr val="bg1"/>
+                </a:solidFill>
+                <a:latin typeface="Segoe UI" panose="020B0502040204020203" pitchFamily="34" charset="0"/>
+                <a:cs typeface="Segoe UI" panose="020B0502040204020203" pitchFamily="34" charset="0"/>
+              </a:rPr>
+              <a:t>PROVENANCE  ET RAISON D’ETRE DU BESOIN</a:t>
+            </a:r>
+          </a:p>
+        </p:txBody>
+      </p:sp>
+      <p:sp>
+        <p:nvSpPr>
+          <p:cNvPr id="83" name="Rectangle 10"/>
+          <p:cNvSpPr>
+            <a:spLocks noChangeArrowheads="1"/>
+          </p:cNvSpPr>
+          <p:nvPr/>
+        </p:nvSpPr>
+        <p:spPr bwMode="auto">
+          <a:xfrm>
+            <a:off x="6299850" y="858097"/>
+            <a:ext cx="5542346" cy="1551208"/>
+          </a:xfrm>
+          <a:prstGeom prst="rect">
+            <a:avLst/>
+          </a:prstGeom>
+          <a:noFill/>
+          <a:ln w="19050">
+            <a:solidFill>
+              <a:schemeClr val="accent6"/>
+            </a:solidFill>
+            <a:miter lim="800000"/>
+            <a:headEnd/>
+            <a:tailEnd/>
+          </a:ln>
+          <a:extLst>
+            <a:ext uri="{909E8E84-426E-40DD-AFC4-6F175D3DCCD1}">
+              <a14:hiddenFill xmlns:a14="http://schemas.microsoft.com/office/drawing/2010/main">
+                <a:solidFill>
+                  <a:srgbClr val="FFFFFF"/>
+                </a:solidFill>
+              </a14:hiddenFill>
+            </a:ext>
+          </a:extLst>
+        </p:spPr>
+        <p:txBody>
+          <a:bodyPr lIns="54000" tIns="54000" rIns="54000" bIns="27000"/>
+          <a:lstStyle>
+            <a:lvl1pPr>
+              <a:defRPr>
+                <a:solidFill>
+                  <a:schemeClr val="tx1"/>
+                </a:solidFill>
+                <a:latin typeface="Calibri" panose="020F0502020204030204" pitchFamily="34" charset="0"/>
+              </a:defRPr>
+            </a:lvl1pPr>
+            <a:lvl2pPr marL="742950" indent="-285750">
+              <a:defRPr>
+                <a:solidFill>
+                  <a:schemeClr val="tx1"/>
+                </a:solidFill>
+                <a:latin typeface="Calibri" panose="020F0502020204030204" pitchFamily="34" charset="0"/>
+              </a:defRPr>
+            </a:lvl2pPr>
+            <a:lvl3pPr marL="1143000" indent="-228600">
+              <a:defRPr>
+                <a:solidFill>
+                  <a:schemeClr val="tx1"/>
+                </a:solidFill>
+                <a:latin typeface="Calibri" panose="020F0502020204030204" pitchFamily="34" charset="0"/>
+              </a:defRPr>
+            </a:lvl3pPr>
+            <a:lvl4pPr marL="1600200" indent="-228600">
+              <a:defRPr>
+                <a:solidFill>
+                  <a:schemeClr val="tx1"/>
+                </a:solidFill>
+                <a:latin typeface="Calibri" panose="020F0502020204030204" pitchFamily="34" charset="0"/>
+              </a:defRPr>
+            </a:lvl4pPr>
+            <a:lvl5pPr marL="2057400" indent="-228600">
+              <a:defRPr>
+                <a:solidFill>
+                  <a:schemeClr val="tx1"/>
+                </a:solidFill>
+                <a:latin typeface="Calibri" panose="020F0502020204030204" pitchFamily="34" charset="0"/>
+              </a:defRPr>
+            </a:lvl5pPr>
+            <a:lvl6pPr marL="2514600" indent="-228600" defTabSz="457200" fontAlgn="base">
+              <a:spcBef>
+                <a:spcPct val="0"/>
+              </a:spcBef>
+              <a:spcAft>
+                <a:spcPct val="0"/>
+              </a:spcAft>
+              <a:defRPr>
+                <a:solidFill>
+                  <a:schemeClr val="tx1"/>
+                </a:solidFill>
+                <a:latin typeface="Calibri" panose="020F0502020204030204" pitchFamily="34" charset="0"/>
+              </a:defRPr>
+            </a:lvl6pPr>
+            <a:lvl7pPr marL="2971800" indent="-228600" defTabSz="457200" fontAlgn="base">
+              <a:spcBef>
+                <a:spcPct val="0"/>
+              </a:spcBef>
+              <a:spcAft>
+                <a:spcPct val="0"/>
+              </a:spcAft>
+              <a:defRPr>
+                <a:solidFill>
+                  <a:schemeClr val="tx1"/>
+                </a:solidFill>
+                <a:latin typeface="Calibri" panose="020F0502020204030204" pitchFamily="34" charset="0"/>
+              </a:defRPr>
+            </a:lvl7pPr>
+            <a:lvl8pPr marL="3429000" indent="-228600" defTabSz="457200" fontAlgn="base">
+              <a:spcBef>
+                <a:spcPct val="0"/>
+              </a:spcBef>
+              <a:spcAft>
+                <a:spcPct val="0"/>
+              </a:spcAft>
+              <a:defRPr>
+                <a:solidFill>
+                  <a:schemeClr val="tx1"/>
+                </a:solidFill>
+                <a:latin typeface="Calibri" panose="020F0502020204030204" pitchFamily="34" charset="0"/>
+              </a:defRPr>
+            </a:lvl8pPr>
+            <a:lvl9pPr marL="3886200" indent="-228600" defTabSz="457200" fontAlgn="base">
+              <a:spcBef>
+                <a:spcPct val="0"/>
+              </a:spcBef>
+              <a:spcAft>
+                <a:spcPct val="0"/>
+              </a:spcAft>
+              <a:defRPr>
+                <a:solidFill>
+                  <a:schemeClr val="tx1"/>
+                </a:solidFill>
+                <a:latin typeface="Calibri" panose="020F0502020204030204" pitchFamily="34" charset="0"/>
+              </a:defRPr>
+            </a:lvl9pPr>
+          </a:lstStyle>
+          <a:p>
+            <a:pPr eaLnBrk="1" hangingPunct="1">
+              <a:buFont typeface="Arial" panose="020B0604020202020204" pitchFamily="34" charset="0"/>
+              <a:buNone/>
+              <a:defRPr/>
+            </a:pPr>
+            <a:endParaRPr lang="fr-FR" altLang="fr-FR" sz="1050">
+              <a:latin typeface="Segoe UI" panose="020B0502040204020203" pitchFamily="34" charset="0"/>
+              <a:cs typeface="Segoe UI" panose="020B0502040204020203" pitchFamily="34" charset="0"/>
+            </a:endParaRPr>
+          </a:p>
+        </p:txBody>
+      </p:sp>
+      <p:sp>
+        <p:nvSpPr>
+          <p:cNvPr id="84" name="Espace réservé du texte 2"/>
+          <p:cNvSpPr txBox="1">
+            <a:spLocks/>
+          </p:cNvSpPr>
+          <p:nvPr/>
+        </p:nvSpPr>
+        <p:spPr>
+          <a:xfrm>
+            <a:off x="8594532" y="1231035"/>
+            <a:ext cx="3194257" cy="1139218"/>
+          </a:xfrm>
+          <a:prstGeom prst="rect">
+            <a:avLst/>
+          </a:prstGeom>
+          <a:ln w="0">
+            <a:solidFill>
+              <a:srgbClr val="000000">
+                <a:lumMod val="65000"/>
+                <a:lumOff val="35000"/>
+              </a:srgbClr>
+            </a:solidFill>
+            <a:prstDash val="sysDot"/>
+          </a:ln>
+        </p:spPr>
+        <p:txBody>
+          <a:bodyPr/>
+          <a:lstStyle>
+            <a:defPPr>
+              <a:defRPr lang="fr-FR"/>
+            </a:defPPr>
+            <a:lvl1pPr indent="0" defTabSz="514350">
+              <a:lnSpc>
+                <a:spcPct val="90000"/>
+              </a:lnSpc>
+              <a:spcBef>
+                <a:spcPts val="563"/>
+              </a:spcBef>
+              <a:buFont typeface="Arial"/>
+              <a:buNone/>
+              <a:defRPr sz="1050" baseline="0">
+                <a:latin typeface="Segoe UI" panose="020B0502040204020203" pitchFamily="34" charset="0"/>
+                <a:cs typeface="Segoe UI" panose="020B0502040204020203" pitchFamily="34" charset="0"/>
+              </a:defRPr>
+            </a:lvl1pPr>
+            <a:lvl2pPr marL="385763" indent="-128588" defTabSz="514350">
+              <a:lnSpc>
+                <a:spcPct val="90000"/>
+              </a:lnSpc>
+              <a:spcBef>
+                <a:spcPts val="281"/>
+              </a:spcBef>
+              <a:buFont typeface="Arial"/>
+              <a:buChar char="•"/>
+              <a:defRPr sz="1000">
+                <a:latin typeface="Arial" pitchFamily="34" charset="0"/>
+                <a:cs typeface="Arial" pitchFamily="34" charset="0"/>
+              </a:defRPr>
+            </a:lvl2pPr>
+            <a:lvl3pPr marL="642938" indent="-128588" defTabSz="514350">
+              <a:lnSpc>
+                <a:spcPct val="90000"/>
+              </a:lnSpc>
+              <a:spcBef>
+                <a:spcPts val="281"/>
+              </a:spcBef>
+              <a:buFont typeface="Arial"/>
+              <a:buChar char="•"/>
+              <a:defRPr sz="1000">
+                <a:latin typeface="Arial" pitchFamily="34" charset="0"/>
+                <a:cs typeface="Arial" pitchFamily="34" charset="0"/>
+              </a:defRPr>
+            </a:lvl3pPr>
+            <a:lvl4pPr marL="900113" indent="-128588" defTabSz="514350">
+              <a:lnSpc>
+                <a:spcPct val="90000"/>
+              </a:lnSpc>
+              <a:spcBef>
+                <a:spcPts val="281"/>
+              </a:spcBef>
+              <a:buFont typeface="Arial"/>
+              <a:buChar char="•"/>
+              <a:defRPr sz="1000">
+                <a:latin typeface="Arial" pitchFamily="34" charset="0"/>
+                <a:cs typeface="Arial" pitchFamily="34" charset="0"/>
+              </a:defRPr>
+            </a:lvl4pPr>
+            <a:lvl5pPr marL="1157288" indent="-128588" defTabSz="514350">
+              <a:lnSpc>
+                <a:spcPct val="90000"/>
+              </a:lnSpc>
+              <a:spcBef>
+                <a:spcPts val="281"/>
+              </a:spcBef>
+              <a:buFont typeface="Arial"/>
+              <a:buChar char="•"/>
+              <a:defRPr sz="1000">
+                <a:latin typeface="Arial" pitchFamily="34" charset="0"/>
+                <a:cs typeface="Arial" pitchFamily="34" charset="0"/>
+              </a:defRPr>
+            </a:lvl5pPr>
+            <a:lvl6pPr marL="1414463" indent="-128588" defTabSz="514350">
+              <a:lnSpc>
+                <a:spcPct val="90000"/>
+              </a:lnSpc>
+              <a:spcBef>
+                <a:spcPts val="281"/>
+              </a:spcBef>
+              <a:buFont typeface="Arial"/>
+              <a:buChar char="•"/>
+              <a:defRPr sz="1013"/>
+            </a:lvl6pPr>
+            <a:lvl7pPr marL="1671638" indent="-128588" defTabSz="514350">
+              <a:lnSpc>
+                <a:spcPct val="90000"/>
+              </a:lnSpc>
+              <a:spcBef>
+                <a:spcPts val="281"/>
+              </a:spcBef>
+              <a:buFont typeface="Arial"/>
+              <a:buChar char="•"/>
+              <a:defRPr sz="1013"/>
+            </a:lvl7pPr>
+            <a:lvl8pPr marL="1928813" indent="-128588" defTabSz="514350">
+              <a:lnSpc>
+                <a:spcPct val="90000"/>
+              </a:lnSpc>
+              <a:spcBef>
+                <a:spcPts val="281"/>
+              </a:spcBef>
+              <a:buFont typeface="Arial"/>
+              <a:buChar char="•"/>
+              <a:defRPr sz="1013"/>
+            </a:lvl8pPr>
+            <a:lvl9pPr marL="2185988" indent="-128588" defTabSz="514350">
+              <a:lnSpc>
+                <a:spcPct val="90000"/>
+              </a:lnSpc>
+              <a:spcBef>
+                <a:spcPts val="281"/>
+              </a:spcBef>
+              <a:buFont typeface="Arial"/>
+              <a:buChar char="•"/>
+              <a:defRPr sz="1013"/>
+            </a:lvl9pPr>
+          </a:lstStyle>
+          <a:p>
+            <a:r>
+              <a:rPr lang="fr-FR" dirty="0"/>
+              <a:t>La politique mobilité et stationnement nécessite ce reporting régulier et automatisé, qui permettra de voir les tendances et de connaitre les réserves de capacité de stationnement dans les ouvrages</a:t>
+            </a:r>
+          </a:p>
+        </p:txBody>
+      </p:sp>
+      <p:sp>
+        <p:nvSpPr>
+          <p:cNvPr id="67" name="Rectangle 66"/>
+          <p:cNvSpPr/>
+          <p:nvPr/>
+        </p:nvSpPr>
+        <p:spPr>
+          <a:xfrm>
+            <a:off x="357939" y="865696"/>
+            <a:ext cx="5542346" cy="323850"/>
+          </a:xfrm>
+          <a:prstGeom prst="rect">
+            <a:avLst/>
+          </a:prstGeom>
+          <a:solidFill>
+            <a:schemeClr val="accent6"/>
+          </a:solidFill>
+          <a:ln w="19050">
+            <a:solidFill>
+              <a:schemeClr val="accent6"/>
+            </a:solidFill>
+          </a:ln>
+        </p:spPr>
+        <p:style>
+          <a:lnRef idx="2">
+            <a:schemeClr val="accent1">
+              <a:shade val="50000"/>
+            </a:schemeClr>
+          </a:lnRef>
+          <a:fillRef idx="1">
+            <a:schemeClr val="accent1"/>
+          </a:fillRef>
+          <a:effectRef idx="0">
+            <a:schemeClr val="accent1"/>
+          </a:effectRef>
+          <a:fontRef idx="minor">
+            <a:schemeClr val="lt1"/>
+          </a:fontRef>
+        </p:style>
+        <p:txBody>
+          <a:bodyPr anchor="ctr"/>
+          <a:lstStyle/>
+          <a:p>
+            <a:pPr marL="61913" eaLnBrk="1" fontAlgn="auto" hangingPunct="1">
+              <a:spcBef>
+                <a:spcPts val="0"/>
+              </a:spcBef>
+              <a:spcAft>
+                <a:spcPts val="0"/>
+              </a:spcAft>
+              <a:defRPr/>
+            </a:pPr>
+            <a:r>
+              <a:rPr lang="fr-FR" sz="1100" b="1">
+                <a:solidFill>
+                  <a:schemeClr val="bg1"/>
+                </a:solidFill>
+                <a:latin typeface="Segoe UI" panose="020B0502040204020203" pitchFamily="34" charset="0"/>
+                <a:cs typeface="Segoe UI" panose="020B0502040204020203" pitchFamily="34" charset="0"/>
+              </a:rPr>
+              <a:t>DESCRIPTION</a:t>
+            </a:r>
+            <a:r>
+              <a:rPr lang="fr-FR" sz="1100" b="1" baseline="0">
+                <a:solidFill>
+                  <a:schemeClr val="bg1"/>
+                </a:solidFill>
+                <a:latin typeface="Segoe UI" panose="020B0502040204020203" pitchFamily="34" charset="0"/>
+                <a:cs typeface="Segoe UI" panose="020B0502040204020203" pitchFamily="34" charset="0"/>
+              </a:rPr>
+              <a:t> COURTE DU BESOIN</a:t>
+            </a:r>
+            <a:endParaRPr lang="fr-FR" sz="1100" b="1">
+              <a:solidFill>
+                <a:schemeClr val="bg1"/>
+              </a:solidFill>
+              <a:latin typeface="Segoe UI" panose="020B0502040204020203" pitchFamily="34" charset="0"/>
+              <a:cs typeface="Segoe UI" panose="020B0502040204020203" pitchFamily="34" charset="0"/>
+            </a:endParaRPr>
+          </a:p>
+        </p:txBody>
+      </p:sp>
+      <p:sp>
+        <p:nvSpPr>
+          <p:cNvPr id="68" name="Rectangle 10"/>
+          <p:cNvSpPr>
+            <a:spLocks noChangeArrowheads="1"/>
+          </p:cNvSpPr>
+          <p:nvPr/>
+        </p:nvSpPr>
+        <p:spPr bwMode="auto">
+          <a:xfrm>
+            <a:off x="357940" y="859494"/>
+            <a:ext cx="5542346" cy="2895573"/>
+          </a:xfrm>
+          <a:prstGeom prst="rect">
+            <a:avLst/>
+          </a:prstGeom>
+          <a:noFill/>
+          <a:ln w="19050">
+            <a:solidFill>
+              <a:schemeClr val="accent6"/>
+            </a:solidFill>
+            <a:miter lim="800000"/>
+            <a:headEnd/>
+            <a:tailEnd/>
+          </a:ln>
+          <a:extLst>
+            <a:ext uri="{909E8E84-426E-40DD-AFC4-6F175D3DCCD1}">
+              <a14:hiddenFill xmlns:a14="http://schemas.microsoft.com/office/drawing/2010/main">
+                <a:solidFill>
+                  <a:srgbClr val="FFFFFF"/>
+                </a:solidFill>
+              </a14:hiddenFill>
+            </a:ext>
+          </a:extLst>
+        </p:spPr>
+        <p:txBody>
+          <a:bodyPr lIns="54000" tIns="54000" rIns="54000" bIns="27000"/>
+          <a:lstStyle>
+            <a:lvl1pPr>
+              <a:defRPr>
+                <a:solidFill>
+                  <a:schemeClr val="tx1"/>
+                </a:solidFill>
+                <a:latin typeface="Calibri" panose="020F0502020204030204" pitchFamily="34" charset="0"/>
+              </a:defRPr>
+            </a:lvl1pPr>
+            <a:lvl2pPr marL="742950" indent="-285750">
+              <a:defRPr>
+                <a:solidFill>
+                  <a:schemeClr val="tx1"/>
+                </a:solidFill>
+                <a:latin typeface="Calibri" panose="020F0502020204030204" pitchFamily="34" charset="0"/>
+              </a:defRPr>
+            </a:lvl2pPr>
+            <a:lvl3pPr marL="1143000" indent="-228600">
+              <a:defRPr>
+                <a:solidFill>
+                  <a:schemeClr val="tx1"/>
+                </a:solidFill>
+                <a:latin typeface="Calibri" panose="020F0502020204030204" pitchFamily="34" charset="0"/>
+              </a:defRPr>
+            </a:lvl3pPr>
+            <a:lvl4pPr marL="1600200" indent="-228600">
+              <a:defRPr>
+                <a:solidFill>
+                  <a:schemeClr val="tx1"/>
+                </a:solidFill>
+                <a:latin typeface="Calibri" panose="020F0502020204030204" pitchFamily="34" charset="0"/>
+              </a:defRPr>
+            </a:lvl4pPr>
+            <a:lvl5pPr marL="2057400" indent="-228600">
+              <a:defRPr>
+                <a:solidFill>
+                  <a:schemeClr val="tx1"/>
+                </a:solidFill>
+                <a:latin typeface="Calibri" panose="020F0502020204030204" pitchFamily="34" charset="0"/>
+              </a:defRPr>
+            </a:lvl5pPr>
+            <a:lvl6pPr marL="2514600" indent="-228600" defTabSz="457200" fontAlgn="base">
+              <a:spcBef>
+                <a:spcPct val="0"/>
+              </a:spcBef>
+              <a:spcAft>
+                <a:spcPct val="0"/>
+              </a:spcAft>
+              <a:defRPr>
+                <a:solidFill>
+                  <a:schemeClr val="tx1"/>
+                </a:solidFill>
+                <a:latin typeface="Calibri" panose="020F0502020204030204" pitchFamily="34" charset="0"/>
+              </a:defRPr>
+            </a:lvl6pPr>
+            <a:lvl7pPr marL="2971800" indent="-228600" defTabSz="457200" fontAlgn="base">
+              <a:spcBef>
+                <a:spcPct val="0"/>
+              </a:spcBef>
+              <a:spcAft>
+                <a:spcPct val="0"/>
+              </a:spcAft>
+              <a:defRPr>
+                <a:solidFill>
+                  <a:schemeClr val="tx1"/>
+                </a:solidFill>
+                <a:latin typeface="Calibri" panose="020F0502020204030204" pitchFamily="34" charset="0"/>
+              </a:defRPr>
+            </a:lvl7pPr>
+            <a:lvl8pPr marL="3429000" indent="-228600" defTabSz="457200" fontAlgn="base">
+              <a:spcBef>
+                <a:spcPct val="0"/>
+              </a:spcBef>
+              <a:spcAft>
+                <a:spcPct val="0"/>
+              </a:spcAft>
+              <a:defRPr>
+                <a:solidFill>
+                  <a:schemeClr val="tx1"/>
+                </a:solidFill>
+                <a:latin typeface="Calibri" panose="020F0502020204030204" pitchFamily="34" charset="0"/>
+              </a:defRPr>
+            </a:lvl8pPr>
+            <a:lvl9pPr marL="3886200" indent="-228600" defTabSz="457200" fontAlgn="base">
+              <a:spcBef>
+                <a:spcPct val="0"/>
+              </a:spcBef>
+              <a:spcAft>
+                <a:spcPct val="0"/>
+              </a:spcAft>
+              <a:defRPr>
+                <a:solidFill>
+                  <a:schemeClr val="tx1"/>
+                </a:solidFill>
+                <a:latin typeface="Calibri" panose="020F0502020204030204" pitchFamily="34" charset="0"/>
+              </a:defRPr>
+            </a:lvl9pPr>
+          </a:lstStyle>
+          <a:p>
+            <a:pPr eaLnBrk="1" hangingPunct="1">
+              <a:buFont typeface="Arial" panose="020B0604020202020204" pitchFamily="34" charset="0"/>
+              <a:buNone/>
+              <a:defRPr/>
+            </a:pPr>
+            <a:endParaRPr lang="fr-FR" altLang="fr-FR" sz="1050">
+              <a:latin typeface="Segoe UI" panose="020B0502040204020203" pitchFamily="34" charset="0"/>
+              <a:cs typeface="Segoe UI" panose="020B0502040204020203" pitchFamily="34" charset="0"/>
+            </a:endParaRPr>
+          </a:p>
+        </p:txBody>
+      </p:sp>
+      <p:sp>
+        <p:nvSpPr>
+          <p:cNvPr id="72" name="Espace réservé du texte 2"/>
+          <p:cNvSpPr txBox="1">
+            <a:spLocks/>
+          </p:cNvSpPr>
+          <p:nvPr/>
+        </p:nvSpPr>
+        <p:spPr>
+          <a:xfrm>
+            <a:off x="406299" y="1247156"/>
+            <a:ext cx="5436000" cy="2442042"/>
+          </a:xfrm>
+          <a:prstGeom prst="rect">
+            <a:avLst/>
+          </a:prstGeom>
+          <a:ln w="0">
+            <a:solidFill>
+              <a:srgbClr val="000000">
+                <a:lumMod val="65000"/>
+                <a:lumOff val="35000"/>
+              </a:srgbClr>
+            </a:solidFill>
+            <a:prstDash val="sysDot"/>
+          </a:ln>
+        </p:spPr>
+        <p:txBody>
+          <a:bodyPr/>
+          <a:lstStyle>
+            <a:defPPr>
+              <a:defRPr lang="fr-FR"/>
+            </a:defPPr>
+            <a:lvl1pPr indent="0" defTabSz="514350">
+              <a:lnSpc>
+                <a:spcPct val="90000"/>
+              </a:lnSpc>
+              <a:spcBef>
+                <a:spcPts val="563"/>
+              </a:spcBef>
+              <a:buFont typeface="Arial"/>
+              <a:buNone/>
+              <a:defRPr sz="1050" baseline="0">
+                <a:latin typeface="Segoe UI" panose="020B0502040204020203" pitchFamily="34" charset="0"/>
+                <a:cs typeface="Segoe UI" panose="020B0502040204020203" pitchFamily="34" charset="0"/>
+              </a:defRPr>
+            </a:lvl1pPr>
+            <a:lvl2pPr marL="385763" indent="-128588" defTabSz="514350">
+              <a:lnSpc>
+                <a:spcPct val="90000"/>
+              </a:lnSpc>
+              <a:spcBef>
+                <a:spcPts val="281"/>
+              </a:spcBef>
+              <a:buFont typeface="Arial"/>
+              <a:buChar char="•"/>
+              <a:defRPr sz="1000">
+                <a:latin typeface="Arial" pitchFamily="34" charset="0"/>
+                <a:cs typeface="Arial" pitchFamily="34" charset="0"/>
+              </a:defRPr>
+            </a:lvl2pPr>
+            <a:lvl3pPr marL="642938" indent="-128588" defTabSz="514350">
+              <a:lnSpc>
+                <a:spcPct val="90000"/>
+              </a:lnSpc>
+              <a:spcBef>
+                <a:spcPts val="281"/>
+              </a:spcBef>
+              <a:buFont typeface="Arial"/>
+              <a:buChar char="•"/>
+              <a:defRPr sz="1000">
+                <a:latin typeface="Arial" pitchFamily="34" charset="0"/>
+                <a:cs typeface="Arial" pitchFamily="34" charset="0"/>
+              </a:defRPr>
+            </a:lvl3pPr>
+            <a:lvl4pPr marL="900113" indent="-128588" defTabSz="514350">
+              <a:lnSpc>
+                <a:spcPct val="90000"/>
+              </a:lnSpc>
+              <a:spcBef>
+                <a:spcPts val="281"/>
+              </a:spcBef>
+              <a:buFont typeface="Arial"/>
+              <a:buChar char="•"/>
+              <a:defRPr sz="1000">
+                <a:latin typeface="Arial" pitchFamily="34" charset="0"/>
+                <a:cs typeface="Arial" pitchFamily="34" charset="0"/>
+              </a:defRPr>
+            </a:lvl4pPr>
+            <a:lvl5pPr marL="1157288" indent="-128588" defTabSz="514350">
+              <a:lnSpc>
+                <a:spcPct val="90000"/>
+              </a:lnSpc>
+              <a:spcBef>
+                <a:spcPts val="281"/>
+              </a:spcBef>
+              <a:buFont typeface="Arial"/>
+              <a:buChar char="•"/>
+              <a:defRPr sz="1000">
+                <a:latin typeface="Arial" pitchFamily="34" charset="0"/>
+                <a:cs typeface="Arial" pitchFamily="34" charset="0"/>
+              </a:defRPr>
+            </a:lvl5pPr>
+            <a:lvl6pPr marL="1414463" indent="-128588" defTabSz="514350">
+              <a:lnSpc>
+                <a:spcPct val="90000"/>
+              </a:lnSpc>
+              <a:spcBef>
+                <a:spcPts val="281"/>
+              </a:spcBef>
+              <a:buFont typeface="Arial"/>
+              <a:buChar char="•"/>
+              <a:defRPr sz="1013"/>
+            </a:lvl6pPr>
+            <a:lvl7pPr marL="1671638" indent="-128588" defTabSz="514350">
+              <a:lnSpc>
+                <a:spcPct val="90000"/>
+              </a:lnSpc>
+              <a:spcBef>
+                <a:spcPts val="281"/>
+              </a:spcBef>
+              <a:buFont typeface="Arial"/>
+              <a:buChar char="•"/>
+              <a:defRPr sz="1013"/>
+            </a:lvl7pPr>
+            <a:lvl8pPr marL="1928813" indent="-128588" defTabSz="514350">
+              <a:lnSpc>
+                <a:spcPct val="90000"/>
+              </a:lnSpc>
+              <a:spcBef>
+                <a:spcPts val="281"/>
+              </a:spcBef>
+              <a:buFont typeface="Arial"/>
+              <a:buChar char="•"/>
+              <a:defRPr sz="1013"/>
+            </a:lvl8pPr>
+            <a:lvl9pPr marL="2185988" indent="-128588" defTabSz="514350">
+              <a:lnSpc>
+                <a:spcPct val="90000"/>
+              </a:lnSpc>
+              <a:spcBef>
+                <a:spcPts val="281"/>
+              </a:spcBef>
+              <a:buFont typeface="Arial"/>
+              <a:buChar char="•"/>
+              <a:defRPr sz="1013"/>
+            </a:lvl9pPr>
+          </a:lstStyle>
+          <a:p>
+            <a:endParaRPr lang="fr-FR"/>
+          </a:p>
+        </p:txBody>
+      </p:sp>
+      <p:sp>
+        <p:nvSpPr>
+          <p:cNvPr id="97" name="Rectangle 96"/>
+          <p:cNvSpPr/>
+          <p:nvPr/>
+        </p:nvSpPr>
+        <p:spPr>
+          <a:xfrm>
+            <a:off x="338866" y="4051580"/>
+            <a:ext cx="5542346" cy="323850"/>
+          </a:xfrm>
+          <a:prstGeom prst="rect">
+            <a:avLst/>
+          </a:prstGeom>
+          <a:solidFill>
+            <a:schemeClr val="accent6"/>
+          </a:solidFill>
+          <a:ln w="19050">
+            <a:solidFill>
+              <a:schemeClr val="accent6"/>
+            </a:solidFill>
+          </a:ln>
+        </p:spPr>
+        <p:style>
+          <a:lnRef idx="2">
+            <a:schemeClr val="accent1">
+              <a:shade val="50000"/>
+            </a:schemeClr>
+          </a:lnRef>
+          <a:fillRef idx="1">
+            <a:schemeClr val="accent1"/>
+          </a:fillRef>
+          <a:effectRef idx="0">
+            <a:schemeClr val="accent1"/>
+          </a:effectRef>
+          <a:fontRef idx="minor">
+            <a:schemeClr val="lt1"/>
+          </a:fontRef>
+        </p:style>
+        <p:txBody>
+          <a:bodyPr anchor="ctr"/>
+          <a:lstStyle/>
+          <a:p>
+            <a:pPr marL="61913">
+              <a:defRPr/>
+            </a:pPr>
+            <a:r>
+              <a:rPr lang="fr-FR" sz="1100" b="1" dirty="0">
+                <a:solidFill>
+                  <a:schemeClr val="bg1"/>
+                </a:solidFill>
+                <a:latin typeface="Segoe UI" panose="020B0502040204020203" pitchFamily="34" charset="0"/>
+                <a:cs typeface="Segoe UI" panose="020B0502040204020203" pitchFamily="34" charset="0"/>
+              </a:rPr>
+              <a:t>CONTEXTE ET ENJEUX / PERIMETRE COUVERT</a:t>
+            </a:r>
+          </a:p>
+        </p:txBody>
+      </p:sp>
+      <p:sp>
+        <p:nvSpPr>
+          <p:cNvPr id="98" name="Rectangle 10"/>
+          <p:cNvSpPr>
+            <a:spLocks noChangeArrowheads="1"/>
+          </p:cNvSpPr>
+          <p:nvPr/>
+        </p:nvSpPr>
+        <p:spPr bwMode="auto">
+          <a:xfrm>
+            <a:off x="332393" y="3968570"/>
+            <a:ext cx="5542346" cy="2712349"/>
+          </a:xfrm>
+          <a:prstGeom prst="rect">
+            <a:avLst/>
+          </a:prstGeom>
+          <a:noFill/>
+          <a:ln w="19050">
+            <a:solidFill>
+              <a:schemeClr val="accent6"/>
+            </a:solidFill>
+            <a:miter lim="800000"/>
+            <a:headEnd/>
+            <a:tailEnd/>
+          </a:ln>
+          <a:extLst>
+            <a:ext uri="{909E8E84-426E-40DD-AFC4-6F175D3DCCD1}">
+              <a14:hiddenFill xmlns:a14="http://schemas.microsoft.com/office/drawing/2010/main">
+                <a:solidFill>
+                  <a:srgbClr val="FFFFFF"/>
+                </a:solidFill>
+              </a14:hiddenFill>
+            </a:ext>
+          </a:extLst>
+        </p:spPr>
+        <p:txBody>
+          <a:bodyPr lIns="54000" tIns="54000" rIns="54000" bIns="27000"/>
+          <a:lstStyle>
+            <a:lvl1pPr>
+              <a:defRPr>
+                <a:solidFill>
+                  <a:schemeClr val="tx1"/>
+                </a:solidFill>
+                <a:latin typeface="Calibri" panose="020F0502020204030204" pitchFamily="34" charset="0"/>
+              </a:defRPr>
+            </a:lvl1pPr>
+            <a:lvl2pPr marL="742950" indent="-285750">
+              <a:defRPr>
+                <a:solidFill>
+                  <a:schemeClr val="tx1"/>
+                </a:solidFill>
+                <a:latin typeface="Calibri" panose="020F0502020204030204" pitchFamily="34" charset="0"/>
+              </a:defRPr>
+            </a:lvl2pPr>
+            <a:lvl3pPr marL="1143000" indent="-228600">
+              <a:defRPr>
+                <a:solidFill>
+                  <a:schemeClr val="tx1"/>
+                </a:solidFill>
+                <a:latin typeface="Calibri" panose="020F0502020204030204" pitchFamily="34" charset="0"/>
+              </a:defRPr>
+            </a:lvl3pPr>
+            <a:lvl4pPr marL="1600200" indent="-228600">
+              <a:defRPr>
+                <a:solidFill>
+                  <a:schemeClr val="tx1"/>
+                </a:solidFill>
+                <a:latin typeface="Calibri" panose="020F0502020204030204" pitchFamily="34" charset="0"/>
+              </a:defRPr>
+            </a:lvl4pPr>
+            <a:lvl5pPr marL="2057400" indent="-228600">
+              <a:defRPr>
+                <a:solidFill>
+                  <a:schemeClr val="tx1"/>
+                </a:solidFill>
+                <a:latin typeface="Calibri" panose="020F0502020204030204" pitchFamily="34" charset="0"/>
+              </a:defRPr>
+            </a:lvl5pPr>
+            <a:lvl6pPr marL="2514600" indent="-228600" defTabSz="457200" fontAlgn="base">
+              <a:spcBef>
+                <a:spcPct val="0"/>
+              </a:spcBef>
+              <a:spcAft>
+                <a:spcPct val="0"/>
+              </a:spcAft>
+              <a:defRPr>
+                <a:solidFill>
+                  <a:schemeClr val="tx1"/>
+                </a:solidFill>
+                <a:latin typeface="Calibri" panose="020F0502020204030204" pitchFamily="34" charset="0"/>
+              </a:defRPr>
+            </a:lvl6pPr>
+            <a:lvl7pPr marL="2971800" indent="-228600" defTabSz="457200" fontAlgn="base">
+              <a:spcBef>
+                <a:spcPct val="0"/>
+              </a:spcBef>
+              <a:spcAft>
+                <a:spcPct val="0"/>
+              </a:spcAft>
+              <a:defRPr>
+                <a:solidFill>
+                  <a:schemeClr val="tx1"/>
+                </a:solidFill>
+                <a:latin typeface="Calibri" panose="020F0502020204030204" pitchFamily="34" charset="0"/>
+              </a:defRPr>
+            </a:lvl7pPr>
+            <a:lvl8pPr marL="3429000" indent="-228600" defTabSz="457200" fontAlgn="base">
+              <a:spcBef>
+                <a:spcPct val="0"/>
+              </a:spcBef>
+              <a:spcAft>
+                <a:spcPct val="0"/>
+              </a:spcAft>
+              <a:defRPr>
+                <a:solidFill>
+                  <a:schemeClr val="tx1"/>
+                </a:solidFill>
+                <a:latin typeface="Calibri" panose="020F0502020204030204" pitchFamily="34" charset="0"/>
+              </a:defRPr>
+            </a:lvl8pPr>
+            <a:lvl9pPr marL="3886200" indent="-228600" defTabSz="457200" fontAlgn="base">
+              <a:spcBef>
+                <a:spcPct val="0"/>
+              </a:spcBef>
+              <a:spcAft>
+                <a:spcPct val="0"/>
+              </a:spcAft>
+              <a:defRPr>
+                <a:solidFill>
+                  <a:schemeClr val="tx1"/>
+                </a:solidFill>
+                <a:latin typeface="Calibri" panose="020F0502020204030204" pitchFamily="34" charset="0"/>
+              </a:defRPr>
+            </a:lvl9pPr>
+          </a:lstStyle>
+          <a:p>
+            <a:pPr eaLnBrk="1" hangingPunct="1">
+              <a:buFont typeface="Arial" panose="020B0604020202020204" pitchFamily="34" charset="0"/>
+              <a:buNone/>
+              <a:defRPr/>
+            </a:pPr>
+            <a:endParaRPr lang="fr-FR" altLang="fr-FR" sz="1050">
+              <a:latin typeface="Segoe UI" panose="020B0502040204020203" pitchFamily="34" charset="0"/>
+              <a:cs typeface="Segoe UI" panose="020B0502040204020203" pitchFamily="34" charset="0"/>
+            </a:endParaRPr>
+          </a:p>
+        </p:txBody>
+      </p:sp>
+      <p:sp>
+        <p:nvSpPr>
+          <p:cNvPr id="99" name="Espace réservé du texte 2"/>
+          <p:cNvSpPr txBox="1">
+            <a:spLocks/>
+          </p:cNvSpPr>
+          <p:nvPr/>
+        </p:nvSpPr>
+        <p:spPr>
+          <a:xfrm>
+            <a:off x="386967" y="4436487"/>
+            <a:ext cx="5436000" cy="2175980"/>
+          </a:xfrm>
+          <a:prstGeom prst="rect">
+            <a:avLst/>
+          </a:prstGeom>
+          <a:ln w="0">
+            <a:solidFill>
+              <a:srgbClr val="000000">
+                <a:lumMod val="65000"/>
+                <a:lumOff val="35000"/>
+              </a:srgbClr>
+            </a:solidFill>
+            <a:prstDash val="sysDot"/>
+          </a:ln>
+        </p:spPr>
+        <p:txBody>
+          <a:bodyPr lIns="91440" tIns="45720" rIns="91440" bIns="45720" anchor="t"/>
+          <a:lstStyle>
+            <a:defPPr>
+              <a:defRPr lang="fr-FR"/>
+            </a:defPPr>
+            <a:lvl1pPr indent="0" defTabSz="514350">
+              <a:lnSpc>
+                <a:spcPct val="90000"/>
+              </a:lnSpc>
+              <a:spcBef>
+                <a:spcPts val="563"/>
+              </a:spcBef>
+              <a:buFont typeface="Arial"/>
+              <a:buNone/>
+              <a:defRPr sz="1050" baseline="0">
+                <a:latin typeface="Segoe UI" panose="020B0502040204020203" pitchFamily="34" charset="0"/>
+                <a:cs typeface="Segoe UI" panose="020B0502040204020203" pitchFamily="34" charset="0"/>
+              </a:defRPr>
+            </a:lvl1pPr>
+            <a:lvl2pPr marL="385763" indent="-128588" defTabSz="514350">
+              <a:lnSpc>
+                <a:spcPct val="90000"/>
+              </a:lnSpc>
+              <a:spcBef>
+                <a:spcPts val="281"/>
+              </a:spcBef>
+              <a:buFont typeface="Arial"/>
+              <a:buChar char="•"/>
+              <a:defRPr sz="1000">
+                <a:latin typeface="Arial" pitchFamily="34" charset="0"/>
+                <a:cs typeface="Arial" pitchFamily="34" charset="0"/>
+              </a:defRPr>
+            </a:lvl2pPr>
+            <a:lvl3pPr marL="642938" indent="-128588" defTabSz="514350">
+              <a:lnSpc>
+                <a:spcPct val="90000"/>
+              </a:lnSpc>
+              <a:spcBef>
+                <a:spcPts val="281"/>
+              </a:spcBef>
+              <a:buFont typeface="Arial"/>
+              <a:buChar char="•"/>
+              <a:defRPr sz="1000">
+                <a:latin typeface="Arial" pitchFamily="34" charset="0"/>
+                <a:cs typeface="Arial" pitchFamily="34" charset="0"/>
+              </a:defRPr>
+            </a:lvl3pPr>
+            <a:lvl4pPr marL="900113" indent="-128588" defTabSz="514350">
+              <a:lnSpc>
+                <a:spcPct val="90000"/>
+              </a:lnSpc>
+              <a:spcBef>
+                <a:spcPts val="281"/>
+              </a:spcBef>
+              <a:buFont typeface="Arial"/>
+              <a:buChar char="•"/>
+              <a:defRPr sz="1000">
+                <a:latin typeface="Arial" pitchFamily="34" charset="0"/>
+                <a:cs typeface="Arial" pitchFamily="34" charset="0"/>
+              </a:defRPr>
+            </a:lvl4pPr>
+            <a:lvl5pPr marL="1157288" indent="-128588" defTabSz="514350">
+              <a:lnSpc>
+                <a:spcPct val="90000"/>
+              </a:lnSpc>
+              <a:spcBef>
+                <a:spcPts val="281"/>
+              </a:spcBef>
+              <a:buFont typeface="Arial"/>
+              <a:buChar char="•"/>
+              <a:defRPr sz="1000">
+                <a:latin typeface="Arial" pitchFamily="34" charset="0"/>
+                <a:cs typeface="Arial" pitchFamily="34" charset="0"/>
+              </a:defRPr>
+            </a:lvl5pPr>
+            <a:lvl6pPr marL="1414463" indent="-128588" defTabSz="514350">
+              <a:lnSpc>
+                <a:spcPct val="90000"/>
+              </a:lnSpc>
+              <a:spcBef>
+                <a:spcPts val="281"/>
+              </a:spcBef>
+              <a:buFont typeface="Arial"/>
+              <a:buChar char="•"/>
+              <a:defRPr sz="1013"/>
+            </a:lvl6pPr>
+            <a:lvl7pPr marL="1671638" indent="-128588" defTabSz="514350">
+              <a:lnSpc>
+                <a:spcPct val="90000"/>
+              </a:lnSpc>
+              <a:spcBef>
+                <a:spcPts val="281"/>
+              </a:spcBef>
+              <a:buFont typeface="Arial"/>
+              <a:buChar char="•"/>
+              <a:defRPr sz="1013"/>
+            </a:lvl7pPr>
+            <a:lvl8pPr marL="1928813" indent="-128588" defTabSz="514350">
+              <a:lnSpc>
+                <a:spcPct val="90000"/>
+              </a:lnSpc>
+              <a:spcBef>
+                <a:spcPts val="281"/>
+              </a:spcBef>
+              <a:buFont typeface="Arial"/>
+              <a:buChar char="•"/>
+              <a:defRPr sz="1013"/>
+            </a:lvl8pPr>
+            <a:lvl9pPr marL="2185988" indent="-128588" defTabSz="514350">
+              <a:lnSpc>
+                <a:spcPct val="90000"/>
+              </a:lnSpc>
+              <a:spcBef>
+                <a:spcPts val="281"/>
+              </a:spcBef>
+              <a:buFont typeface="Arial"/>
+              <a:buChar char="•"/>
+              <a:defRPr sz="1013"/>
+            </a:lvl9pPr>
+          </a:lstStyle>
+          <a:p>
+            <a:r>
+              <a:rPr lang="fr-FR" dirty="0">
+                <a:latin typeface="Segoe UI"/>
+                <a:cs typeface="Segoe UI"/>
+              </a:rPr>
+              <a:t>Pour les parcs-relais, l’ensemble des sites sera analysés </a:t>
+            </a:r>
+          </a:p>
+          <a:p>
+            <a:r>
+              <a:rPr lang="fr-FR" dirty="0">
+                <a:latin typeface="Segoe UI"/>
+                <a:cs typeface="Segoe UI"/>
+              </a:rPr>
+              <a:t>Pour les parkings, sont à considérer:</a:t>
+            </a:r>
+          </a:p>
+          <a:p>
+            <a:r>
+              <a:rPr lang="fr-FR" dirty="0">
+                <a:latin typeface="Segoe UI"/>
+                <a:cs typeface="Segoe UI"/>
+              </a:rPr>
+              <a:t>-hypercentre: Bourse Jaurès, Tourny, Grands hommes, Gambetta, CC Mériadeck, Front du Médoc, 8 mai 45,  République, Victoire, Victor Hugo</a:t>
+            </a:r>
+          </a:p>
+          <a:p>
+            <a:r>
+              <a:rPr lang="fr-FR" dirty="0">
+                <a:latin typeface="Segoe UI"/>
+                <a:cs typeface="Segoe UI"/>
+              </a:rPr>
+              <a:t>-centre: Cité mondiale, Porte de Bordeaux, Meunier, Salinières, Saint Jean, Paludate</a:t>
+            </a:r>
+          </a:p>
+          <a:p>
+            <a:r>
+              <a:rPr lang="fr-FR" dirty="0">
+                <a:latin typeface="Segoe UI"/>
+                <a:cs typeface="Segoe UI"/>
+              </a:rPr>
+              <a:t>-périphérie: Bègles Sècheries, Pessac centre, Mérignac centre, Bouscat Libération</a:t>
+            </a:r>
+          </a:p>
+          <a:p>
+            <a:r>
+              <a:rPr lang="fr-FR" dirty="0">
+                <a:latin typeface="Segoe UI"/>
+                <a:cs typeface="Segoe UI"/>
+              </a:rPr>
+              <a:t>2 types de consultation:</a:t>
+            </a:r>
+          </a:p>
+          <a:p>
+            <a:r>
+              <a:rPr lang="fr-FR" dirty="0">
+                <a:latin typeface="Segoe UI"/>
+                <a:cs typeface="Segoe UI"/>
+              </a:rPr>
+              <a:t>-envoi d’un reporting mensuel type à une liste de responsables de la Mobilité,</a:t>
+            </a:r>
+          </a:p>
+          <a:p>
+            <a:r>
+              <a:rPr lang="fr-FR" dirty="0">
+                <a:latin typeface="Segoe UI"/>
+                <a:cs typeface="Segoe UI"/>
+              </a:rPr>
+              <a:t>-possibilité d'accéder à l’appli en permanence pour faire des consultations, extractions </a:t>
+            </a:r>
+            <a:r>
+              <a:rPr lang="fr-FR" dirty="0" err="1">
+                <a:latin typeface="Segoe UI"/>
+                <a:cs typeface="Segoe UI"/>
+              </a:rPr>
+              <a:t>etc</a:t>
+            </a:r>
+            <a:endParaRPr lang="fr-FR" dirty="0">
+              <a:latin typeface="Segoe UI"/>
+              <a:cs typeface="Segoe UI"/>
+            </a:endParaRPr>
+          </a:p>
+          <a:p>
+            <a:endParaRPr lang="fr-FR" dirty="0">
+              <a:latin typeface="Segoe UI"/>
+              <a:cs typeface="Segoe UI"/>
+            </a:endParaRPr>
+          </a:p>
+          <a:p>
+            <a:endParaRPr lang="fr-FR" dirty="0">
+              <a:latin typeface="Segoe UI"/>
+              <a:cs typeface="Segoe UI"/>
+            </a:endParaRPr>
+          </a:p>
+          <a:p>
+            <a:endParaRPr lang="fr-FR" dirty="0">
+              <a:latin typeface="Segoe UI"/>
+              <a:cs typeface="Segoe UI"/>
+            </a:endParaRPr>
+          </a:p>
+        </p:txBody>
+      </p:sp>
+      <p:sp>
+        <p:nvSpPr>
+          <p:cNvPr id="39" name="ZoneTexte 1"/>
+          <p:cNvSpPr txBox="1"/>
+          <p:nvPr/>
+        </p:nvSpPr>
+        <p:spPr>
+          <a:xfrm>
+            <a:off x="6590544" y="1301322"/>
+            <a:ext cx="1974137" cy="877163"/>
+          </a:xfrm>
+          <a:prstGeom prst="rect">
+            <a:avLst/>
+          </a:prstGeom>
+          <a:noFill/>
+        </p:spPr>
+        <p:txBody>
+          <a:bodyPr wrap="square" rtlCol="0">
+            <a:spAutoFit/>
+          </a:bodyPr>
+          <a:lstStyle/>
+          <a:p>
+            <a:pPr marL="0" marR="0" lvl="0" indent="0" algn="l" defTabSz="685800" rtl="0" eaLnBrk="1" fontAlgn="auto" latinLnBrk="0" hangingPunct="1">
+              <a:lnSpc>
+                <a:spcPct val="100000"/>
+              </a:lnSpc>
+              <a:spcBef>
+                <a:spcPts val="900"/>
+              </a:spcBef>
+              <a:spcAft>
+                <a:spcPts val="900"/>
+              </a:spcAft>
+              <a:buClrTx/>
+              <a:buSzTx/>
+              <a:buFont typeface="Arial" panose="020B0604020202020204" pitchFamily="34" charset="0"/>
+              <a:buNone/>
+              <a:tabLst/>
+              <a:defRPr/>
+            </a:pPr>
+            <a:r>
+              <a:rPr kumimoji="0" lang="fr-FR" sz="1200" b="0" i="0" u="none" strike="noStrike" kern="1200" cap="none" spc="0" normalizeH="0" baseline="0" noProof="0">
+                <a:ln>
+                  <a:noFill/>
+                </a:ln>
+                <a:solidFill>
+                  <a:srgbClr val="000000"/>
+                </a:solidFill>
+                <a:effectLst/>
+                <a:uLnTx/>
+                <a:uFillTx/>
+                <a:latin typeface="Segoe UI" panose="020B0502040204020203" pitchFamily="34" charset="0"/>
+                <a:cs typeface="Segoe UI" panose="020B0502040204020203" pitchFamily="34" charset="0"/>
+              </a:rPr>
+              <a:t>Obligation règlementaire</a:t>
+            </a:r>
+          </a:p>
+          <a:p>
+            <a:pPr marL="0" marR="0" lvl="0" indent="0" algn="l" defTabSz="685800" rtl="0" eaLnBrk="1" fontAlgn="auto" latinLnBrk="0" hangingPunct="1">
+              <a:lnSpc>
+                <a:spcPct val="100000"/>
+              </a:lnSpc>
+              <a:spcBef>
+                <a:spcPts val="0"/>
+              </a:spcBef>
+              <a:spcAft>
+                <a:spcPts val="900"/>
+              </a:spcAft>
+              <a:buClrTx/>
+              <a:buSzTx/>
+              <a:buFont typeface="Arial" panose="020B0604020202020204" pitchFamily="34" charset="0"/>
+              <a:buNone/>
+              <a:tabLst/>
+              <a:defRPr/>
+            </a:pPr>
+            <a:r>
+              <a:rPr kumimoji="0" lang="fr-FR" sz="1200" b="0" i="0" u="none" strike="noStrike" kern="1200" cap="none" spc="0" normalizeH="0" baseline="0" noProof="0">
+                <a:ln>
+                  <a:noFill/>
+                </a:ln>
+                <a:solidFill>
+                  <a:srgbClr val="000000"/>
+                </a:solidFill>
+                <a:effectLst/>
+                <a:uLnTx/>
+                <a:uFillTx/>
+                <a:latin typeface="Segoe UI" panose="020B0502040204020203" pitchFamily="34" charset="0"/>
+                <a:cs typeface="Segoe UI" panose="020B0502040204020203" pitchFamily="34" charset="0"/>
+              </a:rPr>
+              <a:t>Obsolescence de l’existant</a:t>
+            </a:r>
+          </a:p>
+          <a:p>
+            <a:pPr marL="0" marR="0" lvl="0" indent="0" algn="l" defTabSz="685800" rtl="0" eaLnBrk="1" fontAlgn="auto" latinLnBrk="0" hangingPunct="1">
+              <a:lnSpc>
+                <a:spcPct val="100000"/>
+              </a:lnSpc>
+              <a:spcBef>
+                <a:spcPts val="0"/>
+              </a:spcBef>
+              <a:spcAft>
+                <a:spcPts val="900"/>
+              </a:spcAft>
+              <a:buClrTx/>
+              <a:buSzTx/>
+              <a:buFont typeface="Arial" panose="020B0604020202020204" pitchFamily="34" charset="0"/>
+              <a:buNone/>
+              <a:tabLst/>
+              <a:defRPr/>
+            </a:pPr>
+            <a:r>
+              <a:rPr kumimoji="0" lang="fr-FR" sz="1200" b="0" i="0" u="none" strike="noStrike" kern="1200" cap="none" spc="0" normalizeH="0" baseline="0" noProof="0">
+                <a:ln>
+                  <a:noFill/>
+                </a:ln>
+                <a:solidFill>
+                  <a:srgbClr val="000000"/>
+                </a:solidFill>
+                <a:effectLst/>
+                <a:uLnTx/>
+                <a:uFillTx/>
+                <a:latin typeface="Segoe UI" panose="020B0502040204020203" pitchFamily="34" charset="0"/>
+                <a:cs typeface="Segoe UI" panose="020B0502040204020203" pitchFamily="34" charset="0"/>
+              </a:rPr>
+              <a:t>Nouveau besoin</a:t>
+            </a:r>
+          </a:p>
+        </p:txBody>
+      </p:sp>
+      <p:sp>
+        <p:nvSpPr>
+          <p:cNvPr id="40" name="Rectangle à coins arrondis 31"/>
+          <p:cNvSpPr/>
+          <p:nvPr/>
+        </p:nvSpPr>
+        <p:spPr>
+          <a:xfrm>
+            <a:off x="6478957" y="1304079"/>
+            <a:ext cx="81736" cy="879385"/>
+          </a:xfrm>
+          <a:prstGeom prst="roundRect">
+            <a:avLst>
+              <a:gd name="adj" fmla="val 50000"/>
+            </a:avLst>
+          </a:prstGeom>
+          <a:solidFill>
+            <a:schemeClr val="bg1">
+              <a:lumMod val="75000"/>
+            </a:schemeClr>
+          </a:solidFill>
+          <a:ln>
+            <a:noFill/>
+          </a:ln>
+        </p:spPr>
+        <p:style>
+          <a:lnRef idx="2">
+            <a:schemeClr val="accent1">
+              <a:shade val="50000"/>
+            </a:schemeClr>
+          </a:lnRef>
+          <a:fillRef idx="1">
+            <a:schemeClr val="accent1"/>
+          </a:fillRef>
+          <a:effectRef idx="0">
+            <a:schemeClr val="accent1"/>
+          </a:effectRef>
+          <a:fontRef idx="minor">
+            <a:schemeClr val="lt1"/>
+          </a:fontRef>
+        </p:style>
+        <p:txBody>
+          <a:bodyPr anchor="ctr"/>
+          <a:lstStyle/>
+          <a:p>
+            <a:pPr marL="0" marR="0" lvl="0" indent="0" algn="ctr" defTabSz="457200" rtl="0" eaLnBrk="1" fontAlgn="auto" latinLnBrk="0" hangingPunct="1">
+              <a:lnSpc>
+                <a:spcPct val="100000"/>
+              </a:lnSpc>
+              <a:spcBef>
+                <a:spcPts val="0"/>
+              </a:spcBef>
+              <a:spcAft>
+                <a:spcPts val="0"/>
+              </a:spcAft>
+              <a:buClrTx/>
+              <a:buSzTx/>
+              <a:buFontTx/>
+              <a:buNone/>
+              <a:tabLst/>
+              <a:defRPr/>
+            </a:pPr>
+            <a:endParaRPr kumimoji="0" lang="fr-FR" sz="1350" b="0" i="0" u="none" strike="noStrike" kern="1200" cap="none" spc="0" normalizeH="0" baseline="0" noProof="0">
+              <a:ln>
+                <a:noFill/>
+              </a:ln>
+              <a:solidFill>
+                <a:srgbClr val="FFFFFF"/>
+              </a:solidFill>
+              <a:effectLst/>
+              <a:uLnTx/>
+              <a:uFillTx/>
+              <a:latin typeface="Arial"/>
+              <a:ea typeface="+mn-ea"/>
+              <a:cs typeface="+mn-cs"/>
+            </a:endParaRPr>
+          </a:p>
+        </p:txBody>
+      </p:sp>
+      <p:sp>
+        <p:nvSpPr>
+          <p:cNvPr id="41" name="Rectangle 40"/>
+          <p:cNvSpPr/>
+          <p:nvPr/>
+        </p:nvSpPr>
+        <p:spPr>
+          <a:xfrm>
+            <a:off x="6440044" y="1955521"/>
+            <a:ext cx="140883" cy="162000"/>
+          </a:xfrm>
+          <a:prstGeom prst="rect">
+            <a:avLst/>
+          </a:prstGeom>
+          <a:solidFill>
+            <a:schemeClr val="bg1"/>
+          </a:solidFill>
+          <a:ln w="19050">
+            <a:solidFill>
+              <a:schemeClr val="tx1">
+                <a:lumMod val="75000"/>
+                <a:lumOff val="25000"/>
+              </a:schemeClr>
+            </a:solidFill>
+          </a:ln>
+        </p:spPr>
+        <p:style>
+          <a:lnRef idx="2">
+            <a:schemeClr val="accent1">
+              <a:shade val="50000"/>
+            </a:schemeClr>
+          </a:lnRef>
+          <a:fillRef idx="1">
+            <a:schemeClr val="accent1"/>
+          </a:fillRef>
+          <a:effectRef idx="0">
+            <a:schemeClr val="accent1"/>
+          </a:effectRef>
+          <a:fontRef idx="minor">
+            <a:schemeClr val="lt1"/>
+          </a:fontRef>
+        </p:style>
+        <p:txBody>
+          <a:bodyPr lIns="0" tIns="0" rIns="0" bIns="0" anchor="ctr"/>
+          <a:lstStyle/>
+          <a:p>
+            <a:pPr marL="0" marR="0" lvl="0" indent="0" algn="ctr" defTabSz="457200" rtl="0" eaLnBrk="1" fontAlgn="auto" latinLnBrk="0" hangingPunct="1">
+              <a:lnSpc>
+                <a:spcPct val="100000"/>
+              </a:lnSpc>
+              <a:spcBef>
+                <a:spcPts val="0"/>
+              </a:spcBef>
+              <a:spcAft>
+                <a:spcPts val="0"/>
+              </a:spcAft>
+              <a:buClrTx/>
+              <a:buSzTx/>
+              <a:buFontTx/>
+              <a:buNone/>
+              <a:tabLst/>
+              <a:defRPr/>
+            </a:pPr>
+            <a:r>
+              <a:rPr kumimoji="0" lang="fr-FR" sz="1100" b="1" i="0" u="none" strike="noStrike" kern="1200" cap="none" spc="0" normalizeH="0" baseline="0" noProof="0" dirty="0">
+                <a:ln>
+                  <a:noFill/>
+                </a:ln>
+                <a:solidFill>
+                  <a:srgbClr val="000000"/>
+                </a:solidFill>
+                <a:effectLst/>
+                <a:uLnTx/>
+                <a:uFillTx/>
+                <a:latin typeface="Calibri" panose="020F0502020204030204" pitchFamily="34" charset="0"/>
+                <a:ea typeface="+mn-ea"/>
+                <a:cs typeface="+mn-cs"/>
+              </a:rPr>
+              <a:t>x</a:t>
+            </a:r>
+          </a:p>
+        </p:txBody>
+      </p:sp>
+      <p:sp>
+        <p:nvSpPr>
+          <p:cNvPr id="42" name="Rectangle 41"/>
+          <p:cNvSpPr/>
+          <p:nvPr/>
+        </p:nvSpPr>
+        <p:spPr>
+          <a:xfrm>
+            <a:off x="6440044" y="1659373"/>
+            <a:ext cx="140883" cy="162000"/>
+          </a:xfrm>
+          <a:prstGeom prst="rect">
+            <a:avLst/>
+          </a:prstGeom>
+          <a:noFill/>
+          <a:ln w="19050">
+            <a:solidFill>
+              <a:schemeClr val="tx1">
+                <a:lumMod val="75000"/>
+                <a:lumOff val="25000"/>
+              </a:schemeClr>
+            </a:solidFill>
+          </a:ln>
+        </p:spPr>
+        <p:style>
+          <a:lnRef idx="2">
+            <a:schemeClr val="accent1">
+              <a:shade val="50000"/>
+            </a:schemeClr>
+          </a:lnRef>
+          <a:fillRef idx="1">
+            <a:schemeClr val="accent1"/>
+          </a:fillRef>
+          <a:effectRef idx="0">
+            <a:schemeClr val="accent1"/>
+          </a:effectRef>
+          <a:fontRef idx="minor">
+            <a:schemeClr val="lt1"/>
+          </a:fontRef>
+        </p:style>
+        <p:txBody>
+          <a:bodyPr lIns="0" tIns="0" rIns="0" bIns="0" anchor="ctr"/>
+          <a:lstStyle/>
+          <a:p>
+            <a:pPr marL="0" marR="0" lvl="0" indent="0" algn="ctr" defTabSz="457200" rtl="0" eaLnBrk="1" fontAlgn="auto" latinLnBrk="0" hangingPunct="1">
+              <a:lnSpc>
+                <a:spcPct val="100000"/>
+              </a:lnSpc>
+              <a:spcBef>
+                <a:spcPts val="0"/>
+              </a:spcBef>
+              <a:spcAft>
+                <a:spcPts val="0"/>
+              </a:spcAft>
+              <a:buClrTx/>
+              <a:buSzTx/>
+              <a:buFontTx/>
+              <a:buNone/>
+              <a:tabLst/>
+              <a:defRPr/>
+            </a:pPr>
+            <a:endParaRPr kumimoji="0" lang="fr-FR" sz="1100" b="1" i="0" u="none" strike="noStrike" kern="1200" cap="none" spc="0" normalizeH="0" baseline="0" noProof="0">
+              <a:ln>
+                <a:noFill/>
+              </a:ln>
+              <a:solidFill>
+                <a:srgbClr val="000000"/>
+              </a:solidFill>
+              <a:effectLst/>
+              <a:uLnTx/>
+              <a:uFillTx/>
+              <a:latin typeface="Calibri" panose="020F0502020204030204" pitchFamily="34" charset="0"/>
+              <a:ea typeface="+mn-ea"/>
+              <a:cs typeface="+mn-cs"/>
+            </a:endParaRPr>
+          </a:p>
+        </p:txBody>
+      </p:sp>
+      <p:sp>
+        <p:nvSpPr>
+          <p:cNvPr id="43" name="Rectangle 42"/>
+          <p:cNvSpPr/>
+          <p:nvPr/>
+        </p:nvSpPr>
+        <p:spPr>
+          <a:xfrm>
+            <a:off x="6440044" y="1360248"/>
+            <a:ext cx="140883" cy="162000"/>
+          </a:xfrm>
+          <a:prstGeom prst="rect">
+            <a:avLst/>
+          </a:prstGeom>
+          <a:solidFill>
+            <a:schemeClr val="bg1"/>
+          </a:solidFill>
+          <a:ln w="19050">
+            <a:solidFill>
+              <a:schemeClr val="tx1">
+                <a:lumMod val="75000"/>
+                <a:lumOff val="25000"/>
+              </a:schemeClr>
+            </a:solidFill>
+          </a:ln>
+        </p:spPr>
+        <p:style>
+          <a:lnRef idx="2">
+            <a:schemeClr val="accent1">
+              <a:shade val="50000"/>
+            </a:schemeClr>
+          </a:lnRef>
+          <a:fillRef idx="1">
+            <a:schemeClr val="accent1"/>
+          </a:fillRef>
+          <a:effectRef idx="0">
+            <a:schemeClr val="accent1"/>
+          </a:effectRef>
+          <a:fontRef idx="minor">
+            <a:schemeClr val="lt1"/>
+          </a:fontRef>
+        </p:style>
+        <p:txBody>
+          <a:bodyPr lIns="0" tIns="0" rIns="0" bIns="0" anchor="ctr"/>
+          <a:lstStyle/>
+          <a:p>
+            <a:pPr marL="0" marR="0" lvl="0" indent="0" algn="ctr" defTabSz="457200" rtl="0" eaLnBrk="1" fontAlgn="auto" latinLnBrk="0" hangingPunct="1">
+              <a:lnSpc>
+                <a:spcPct val="100000"/>
+              </a:lnSpc>
+              <a:spcBef>
+                <a:spcPts val="0"/>
+              </a:spcBef>
+              <a:spcAft>
+                <a:spcPts val="0"/>
+              </a:spcAft>
+              <a:buClrTx/>
+              <a:buSzTx/>
+              <a:buFontTx/>
+              <a:buNone/>
+              <a:tabLst/>
+              <a:defRPr/>
+            </a:pPr>
+            <a:endParaRPr kumimoji="0" lang="fr-FR" sz="1100" b="1" i="0" u="none" strike="noStrike" kern="1200" cap="none" spc="0" normalizeH="0" baseline="0" noProof="0">
+              <a:ln>
+                <a:noFill/>
+              </a:ln>
+              <a:solidFill>
+                <a:srgbClr val="000000"/>
+              </a:solidFill>
+              <a:effectLst/>
+              <a:uLnTx/>
+              <a:uFillTx/>
+              <a:latin typeface="Calibri" panose="020F0502020204030204" pitchFamily="34" charset="0"/>
+              <a:ea typeface="+mn-ea"/>
+              <a:cs typeface="+mn-cs"/>
+            </a:endParaRPr>
+          </a:p>
+        </p:txBody>
+      </p:sp>
+      <p:sp>
+        <p:nvSpPr>
+          <p:cNvPr id="44" name="Rectangle 43"/>
+          <p:cNvSpPr/>
+          <p:nvPr/>
+        </p:nvSpPr>
+        <p:spPr>
+          <a:xfrm>
+            <a:off x="6291716" y="2556808"/>
+            <a:ext cx="5542346" cy="323850"/>
+          </a:xfrm>
+          <a:prstGeom prst="rect">
+            <a:avLst/>
+          </a:prstGeom>
+          <a:solidFill>
+            <a:schemeClr val="accent6"/>
+          </a:solidFill>
+          <a:ln w="19050">
+            <a:solidFill>
+              <a:schemeClr val="accent6"/>
+            </a:solidFill>
+          </a:ln>
+        </p:spPr>
+        <p:style>
+          <a:lnRef idx="2">
+            <a:schemeClr val="accent1">
+              <a:shade val="50000"/>
+            </a:schemeClr>
+          </a:lnRef>
+          <a:fillRef idx="1">
+            <a:schemeClr val="accent1"/>
+          </a:fillRef>
+          <a:effectRef idx="0">
+            <a:schemeClr val="accent1"/>
+          </a:effectRef>
+          <a:fontRef idx="minor">
+            <a:schemeClr val="lt1"/>
+          </a:fontRef>
+        </p:style>
+        <p:txBody>
+          <a:bodyPr anchor="ctr"/>
+          <a:lstStyle/>
+          <a:p>
+            <a:pPr marL="61913">
+              <a:defRPr/>
+            </a:pPr>
+            <a:r>
+              <a:rPr lang="fr-FR" sz="1100" b="1" dirty="0">
+                <a:solidFill>
+                  <a:schemeClr val="bg1"/>
+                </a:solidFill>
+                <a:latin typeface="Segoe UI" panose="020B0502040204020203" pitchFamily="34" charset="0"/>
+                <a:cs typeface="Segoe UI" panose="020B0502040204020203" pitchFamily="34" charset="0"/>
+              </a:rPr>
+              <a:t>BENEFICES ATTENDUS </a:t>
+            </a:r>
+          </a:p>
+        </p:txBody>
+      </p:sp>
+      <p:sp>
+        <p:nvSpPr>
+          <p:cNvPr id="45" name="Rectangle 10"/>
+          <p:cNvSpPr>
+            <a:spLocks noChangeArrowheads="1"/>
+          </p:cNvSpPr>
+          <p:nvPr/>
+        </p:nvSpPr>
+        <p:spPr bwMode="auto">
+          <a:xfrm>
+            <a:off x="6291717" y="2586623"/>
+            <a:ext cx="5542346" cy="4090594"/>
+          </a:xfrm>
+          <a:prstGeom prst="rect">
+            <a:avLst/>
+          </a:prstGeom>
+          <a:noFill/>
+          <a:ln w="19050">
+            <a:solidFill>
+              <a:schemeClr val="accent6"/>
+            </a:solidFill>
+            <a:miter lim="800000"/>
+            <a:headEnd/>
+            <a:tailEnd/>
+          </a:ln>
+          <a:extLst>
+            <a:ext uri="{909E8E84-426E-40DD-AFC4-6F175D3DCCD1}">
+              <a14:hiddenFill xmlns:a14="http://schemas.microsoft.com/office/drawing/2010/main">
+                <a:solidFill>
+                  <a:srgbClr val="FFFFFF"/>
+                </a:solidFill>
+              </a14:hiddenFill>
+            </a:ext>
+          </a:extLst>
+        </p:spPr>
+        <p:txBody>
+          <a:bodyPr lIns="54000" tIns="54000" rIns="54000" bIns="27000"/>
+          <a:lstStyle>
+            <a:lvl1pPr>
+              <a:defRPr>
+                <a:solidFill>
+                  <a:schemeClr val="tx1"/>
+                </a:solidFill>
+                <a:latin typeface="Calibri" panose="020F0502020204030204" pitchFamily="34" charset="0"/>
+              </a:defRPr>
+            </a:lvl1pPr>
+            <a:lvl2pPr marL="742950" indent="-285750">
+              <a:defRPr>
+                <a:solidFill>
+                  <a:schemeClr val="tx1"/>
+                </a:solidFill>
+                <a:latin typeface="Calibri" panose="020F0502020204030204" pitchFamily="34" charset="0"/>
+              </a:defRPr>
+            </a:lvl2pPr>
+            <a:lvl3pPr marL="1143000" indent="-228600">
+              <a:defRPr>
+                <a:solidFill>
+                  <a:schemeClr val="tx1"/>
+                </a:solidFill>
+                <a:latin typeface="Calibri" panose="020F0502020204030204" pitchFamily="34" charset="0"/>
+              </a:defRPr>
+            </a:lvl3pPr>
+            <a:lvl4pPr marL="1600200" indent="-228600">
+              <a:defRPr>
+                <a:solidFill>
+                  <a:schemeClr val="tx1"/>
+                </a:solidFill>
+                <a:latin typeface="Calibri" panose="020F0502020204030204" pitchFamily="34" charset="0"/>
+              </a:defRPr>
+            </a:lvl4pPr>
+            <a:lvl5pPr marL="2057400" indent="-228600">
+              <a:defRPr>
+                <a:solidFill>
+                  <a:schemeClr val="tx1"/>
+                </a:solidFill>
+                <a:latin typeface="Calibri" panose="020F0502020204030204" pitchFamily="34" charset="0"/>
+              </a:defRPr>
+            </a:lvl5pPr>
+            <a:lvl6pPr marL="2514600" indent="-228600" defTabSz="457200" fontAlgn="base">
+              <a:spcBef>
+                <a:spcPct val="0"/>
+              </a:spcBef>
+              <a:spcAft>
+                <a:spcPct val="0"/>
+              </a:spcAft>
+              <a:defRPr>
+                <a:solidFill>
+                  <a:schemeClr val="tx1"/>
+                </a:solidFill>
+                <a:latin typeface="Calibri" panose="020F0502020204030204" pitchFamily="34" charset="0"/>
+              </a:defRPr>
+            </a:lvl6pPr>
+            <a:lvl7pPr marL="2971800" indent="-228600" defTabSz="457200" fontAlgn="base">
+              <a:spcBef>
+                <a:spcPct val="0"/>
+              </a:spcBef>
+              <a:spcAft>
+                <a:spcPct val="0"/>
+              </a:spcAft>
+              <a:defRPr>
+                <a:solidFill>
+                  <a:schemeClr val="tx1"/>
+                </a:solidFill>
+                <a:latin typeface="Calibri" panose="020F0502020204030204" pitchFamily="34" charset="0"/>
+              </a:defRPr>
+            </a:lvl7pPr>
+            <a:lvl8pPr marL="3429000" indent="-228600" defTabSz="457200" fontAlgn="base">
+              <a:spcBef>
+                <a:spcPct val="0"/>
+              </a:spcBef>
+              <a:spcAft>
+                <a:spcPct val="0"/>
+              </a:spcAft>
+              <a:defRPr>
+                <a:solidFill>
+                  <a:schemeClr val="tx1"/>
+                </a:solidFill>
+                <a:latin typeface="Calibri" panose="020F0502020204030204" pitchFamily="34" charset="0"/>
+              </a:defRPr>
+            </a:lvl8pPr>
+            <a:lvl9pPr marL="3886200" indent="-228600" defTabSz="457200" fontAlgn="base">
+              <a:spcBef>
+                <a:spcPct val="0"/>
+              </a:spcBef>
+              <a:spcAft>
+                <a:spcPct val="0"/>
+              </a:spcAft>
+              <a:defRPr>
+                <a:solidFill>
+                  <a:schemeClr val="tx1"/>
+                </a:solidFill>
+                <a:latin typeface="Calibri" panose="020F0502020204030204" pitchFamily="34" charset="0"/>
+              </a:defRPr>
+            </a:lvl9pPr>
+          </a:lstStyle>
+          <a:p>
+            <a:pPr eaLnBrk="1" hangingPunct="1">
+              <a:buFont typeface="Arial" panose="020B0604020202020204" pitchFamily="34" charset="0"/>
+              <a:buNone/>
+              <a:defRPr/>
+            </a:pPr>
+            <a:endParaRPr lang="fr-FR" altLang="fr-FR" sz="1050">
+              <a:latin typeface="Segoe UI" panose="020B0502040204020203" pitchFamily="34" charset="0"/>
+              <a:cs typeface="Segoe UI" panose="020B0502040204020203" pitchFamily="34" charset="0"/>
+            </a:endParaRPr>
+          </a:p>
+        </p:txBody>
+      </p:sp>
+      <p:sp>
+        <p:nvSpPr>
+          <p:cNvPr id="46" name="Espace réservé du texte 2"/>
+          <p:cNvSpPr txBox="1">
+            <a:spLocks/>
+          </p:cNvSpPr>
+          <p:nvPr/>
+        </p:nvSpPr>
+        <p:spPr>
+          <a:xfrm>
+            <a:off x="6345854" y="2979316"/>
+            <a:ext cx="5436000" cy="1253915"/>
+          </a:xfrm>
+          <a:prstGeom prst="rect">
+            <a:avLst/>
+          </a:prstGeom>
+          <a:ln w="0">
+            <a:solidFill>
+              <a:srgbClr val="000000">
+                <a:lumMod val="65000"/>
+                <a:lumOff val="35000"/>
+              </a:srgbClr>
+            </a:solidFill>
+            <a:prstDash val="sysDot"/>
+          </a:ln>
+        </p:spPr>
+        <p:txBody>
+          <a:bodyPr/>
+          <a:lstStyle>
+            <a:defPPr>
+              <a:defRPr lang="fr-FR"/>
+            </a:defPPr>
+            <a:lvl1pPr indent="0" defTabSz="514350">
+              <a:lnSpc>
+                <a:spcPct val="90000"/>
+              </a:lnSpc>
+              <a:spcBef>
+                <a:spcPts val="563"/>
+              </a:spcBef>
+              <a:buFont typeface="Arial"/>
+              <a:buNone/>
+              <a:defRPr sz="1050" baseline="0">
+                <a:latin typeface="Segoe UI" panose="020B0502040204020203" pitchFamily="34" charset="0"/>
+                <a:cs typeface="Segoe UI" panose="020B0502040204020203" pitchFamily="34" charset="0"/>
+              </a:defRPr>
+            </a:lvl1pPr>
+            <a:lvl2pPr marL="385763" indent="-128588" defTabSz="514350">
+              <a:lnSpc>
+                <a:spcPct val="90000"/>
+              </a:lnSpc>
+              <a:spcBef>
+                <a:spcPts val="281"/>
+              </a:spcBef>
+              <a:buFont typeface="Arial"/>
+              <a:buChar char="•"/>
+              <a:defRPr sz="1000">
+                <a:latin typeface="Arial" pitchFamily="34" charset="0"/>
+                <a:cs typeface="Arial" pitchFamily="34" charset="0"/>
+              </a:defRPr>
+            </a:lvl2pPr>
+            <a:lvl3pPr marL="642938" indent="-128588" defTabSz="514350">
+              <a:lnSpc>
+                <a:spcPct val="90000"/>
+              </a:lnSpc>
+              <a:spcBef>
+                <a:spcPts val="281"/>
+              </a:spcBef>
+              <a:buFont typeface="Arial"/>
+              <a:buChar char="•"/>
+              <a:defRPr sz="1000">
+                <a:latin typeface="Arial" pitchFamily="34" charset="0"/>
+                <a:cs typeface="Arial" pitchFamily="34" charset="0"/>
+              </a:defRPr>
+            </a:lvl3pPr>
+            <a:lvl4pPr marL="900113" indent="-128588" defTabSz="514350">
+              <a:lnSpc>
+                <a:spcPct val="90000"/>
+              </a:lnSpc>
+              <a:spcBef>
+                <a:spcPts val="281"/>
+              </a:spcBef>
+              <a:buFont typeface="Arial"/>
+              <a:buChar char="•"/>
+              <a:defRPr sz="1000">
+                <a:latin typeface="Arial" pitchFamily="34" charset="0"/>
+                <a:cs typeface="Arial" pitchFamily="34" charset="0"/>
+              </a:defRPr>
+            </a:lvl4pPr>
+            <a:lvl5pPr marL="1157288" indent="-128588" defTabSz="514350">
+              <a:lnSpc>
+                <a:spcPct val="90000"/>
+              </a:lnSpc>
+              <a:spcBef>
+                <a:spcPts val="281"/>
+              </a:spcBef>
+              <a:buFont typeface="Arial"/>
+              <a:buChar char="•"/>
+              <a:defRPr sz="1000">
+                <a:latin typeface="Arial" pitchFamily="34" charset="0"/>
+                <a:cs typeface="Arial" pitchFamily="34" charset="0"/>
+              </a:defRPr>
+            </a:lvl5pPr>
+            <a:lvl6pPr marL="1414463" indent="-128588" defTabSz="514350">
+              <a:lnSpc>
+                <a:spcPct val="90000"/>
+              </a:lnSpc>
+              <a:spcBef>
+                <a:spcPts val="281"/>
+              </a:spcBef>
+              <a:buFont typeface="Arial"/>
+              <a:buChar char="•"/>
+              <a:defRPr sz="1013"/>
+            </a:lvl6pPr>
+            <a:lvl7pPr marL="1671638" indent="-128588" defTabSz="514350">
+              <a:lnSpc>
+                <a:spcPct val="90000"/>
+              </a:lnSpc>
+              <a:spcBef>
+                <a:spcPts val="281"/>
+              </a:spcBef>
+              <a:buFont typeface="Arial"/>
+              <a:buChar char="•"/>
+              <a:defRPr sz="1013"/>
+            </a:lvl7pPr>
+            <a:lvl8pPr marL="1928813" indent="-128588" defTabSz="514350">
+              <a:lnSpc>
+                <a:spcPct val="90000"/>
+              </a:lnSpc>
+              <a:spcBef>
+                <a:spcPts val="281"/>
+              </a:spcBef>
+              <a:buFont typeface="Arial"/>
+              <a:buChar char="•"/>
+              <a:defRPr sz="1013"/>
+            </a:lvl8pPr>
+            <a:lvl9pPr marL="2185988" indent="-128588" defTabSz="514350">
+              <a:lnSpc>
+                <a:spcPct val="90000"/>
+              </a:lnSpc>
+              <a:spcBef>
+                <a:spcPts val="281"/>
+              </a:spcBef>
+              <a:buFont typeface="Arial"/>
+              <a:buChar char="•"/>
+              <a:defRPr sz="1013"/>
+            </a:lvl9pPr>
+          </a:lstStyle>
+          <a:p>
+            <a:r>
+              <a:rPr lang="fr-FR" dirty="0"/>
+              <a:t>Mise à disposition de tableaux de bord automatisés et efficients à destination des services, des directions et des élus</a:t>
+            </a:r>
+          </a:p>
+        </p:txBody>
+      </p:sp>
+      <p:sp>
+        <p:nvSpPr>
+          <p:cNvPr id="47" name="ZoneTexte 28"/>
+          <p:cNvSpPr txBox="1">
+            <a:spLocks noChangeArrowheads="1"/>
+          </p:cNvSpPr>
+          <p:nvPr/>
+        </p:nvSpPr>
+        <p:spPr bwMode="auto">
+          <a:xfrm>
+            <a:off x="6367121" y="4717174"/>
+            <a:ext cx="4477508" cy="261610"/>
+          </a:xfrm>
+          <a:prstGeom prst="rect">
+            <a:avLst/>
+          </a:prstGeom>
+          <a:noFill/>
+          <a:ln>
+            <a:noFill/>
+          </a:ln>
+          <a:extLst>
+            <a:ext uri="{909E8E84-426E-40DD-AFC4-6F175D3DCCD1}">
+              <a14:hiddenFill xmlns:a14="http://schemas.microsoft.com/office/drawing/2010/main">
+                <a:solidFill>
+                  <a:srgbClr val="FFFFFF"/>
+                </a:solidFill>
+              </a14:hiddenFill>
+            </a:ext>
+            <a:ext uri="{91240B29-F687-4F45-9708-019B960494DF}">
+              <a14:hiddenLine xmlns:a14="http://schemas.microsoft.com/office/drawing/2010/main" w="9525">
+                <a:solidFill>
+                  <a:srgbClr val="000000"/>
+                </a:solidFill>
+                <a:miter lim="800000"/>
+                <a:headEnd/>
+                <a:tailEnd/>
+              </a14:hiddenLine>
+            </a:ext>
+          </a:extLst>
+        </p:spPr>
+        <p:txBody>
+          <a:bodyPr wrap="none">
+            <a:spAutoFit/>
+          </a:bodyPr>
+          <a:lstStyle>
+            <a:lvl1pPr>
+              <a:defRPr>
+                <a:solidFill>
+                  <a:schemeClr val="tx1"/>
+                </a:solidFill>
+                <a:latin typeface="Calibri" panose="020F0502020204030204" pitchFamily="34" charset="0"/>
+              </a:defRPr>
+            </a:lvl1pPr>
+            <a:lvl2pPr marL="742950" indent="-285750">
+              <a:defRPr>
+                <a:solidFill>
+                  <a:schemeClr val="tx1"/>
+                </a:solidFill>
+                <a:latin typeface="Calibri" panose="020F0502020204030204" pitchFamily="34" charset="0"/>
+              </a:defRPr>
+            </a:lvl2pPr>
+            <a:lvl3pPr marL="1143000" indent="-228600">
+              <a:defRPr>
+                <a:solidFill>
+                  <a:schemeClr val="tx1"/>
+                </a:solidFill>
+                <a:latin typeface="Calibri" panose="020F0502020204030204" pitchFamily="34" charset="0"/>
+              </a:defRPr>
+            </a:lvl3pPr>
+            <a:lvl4pPr marL="1600200" indent="-228600">
+              <a:defRPr>
+                <a:solidFill>
+                  <a:schemeClr val="tx1"/>
+                </a:solidFill>
+                <a:latin typeface="Calibri" panose="020F0502020204030204" pitchFamily="34" charset="0"/>
+              </a:defRPr>
+            </a:lvl4pPr>
+            <a:lvl5pPr marL="2057400" indent="-228600">
+              <a:defRPr>
+                <a:solidFill>
+                  <a:schemeClr val="tx1"/>
+                </a:solidFill>
+                <a:latin typeface="Calibri" panose="020F0502020204030204" pitchFamily="34" charset="0"/>
+              </a:defRPr>
+            </a:lvl5pPr>
+            <a:lvl6pPr marL="2514600" indent="-228600" eaLnBrk="0" fontAlgn="base" hangingPunct="0">
+              <a:spcBef>
+                <a:spcPct val="0"/>
+              </a:spcBef>
+              <a:spcAft>
+                <a:spcPct val="0"/>
+              </a:spcAft>
+              <a:defRPr>
+                <a:solidFill>
+                  <a:schemeClr val="tx1"/>
+                </a:solidFill>
+                <a:latin typeface="Calibri" panose="020F0502020204030204" pitchFamily="34" charset="0"/>
+              </a:defRPr>
+            </a:lvl6pPr>
+            <a:lvl7pPr marL="2971800" indent="-228600" eaLnBrk="0" fontAlgn="base" hangingPunct="0">
+              <a:spcBef>
+                <a:spcPct val="0"/>
+              </a:spcBef>
+              <a:spcAft>
+                <a:spcPct val="0"/>
+              </a:spcAft>
+              <a:defRPr>
+                <a:solidFill>
+                  <a:schemeClr val="tx1"/>
+                </a:solidFill>
+                <a:latin typeface="Calibri" panose="020F0502020204030204" pitchFamily="34" charset="0"/>
+              </a:defRPr>
+            </a:lvl7pPr>
+            <a:lvl8pPr marL="3429000" indent="-228600" eaLnBrk="0" fontAlgn="base" hangingPunct="0">
+              <a:spcBef>
+                <a:spcPct val="0"/>
+              </a:spcBef>
+              <a:spcAft>
+                <a:spcPct val="0"/>
+              </a:spcAft>
+              <a:defRPr>
+                <a:solidFill>
+                  <a:schemeClr val="tx1"/>
+                </a:solidFill>
+                <a:latin typeface="Calibri" panose="020F0502020204030204" pitchFamily="34" charset="0"/>
+              </a:defRPr>
+            </a:lvl8pPr>
+            <a:lvl9pPr marL="3886200" indent="-228600" eaLnBrk="0" fontAlgn="base" hangingPunct="0">
+              <a:spcBef>
+                <a:spcPct val="0"/>
+              </a:spcBef>
+              <a:spcAft>
+                <a:spcPct val="0"/>
+              </a:spcAft>
+              <a:defRPr>
+                <a:solidFill>
+                  <a:schemeClr val="tx1"/>
+                </a:solidFill>
+                <a:latin typeface="Calibri" panose="020F0502020204030204" pitchFamily="34" charset="0"/>
+              </a:defRPr>
+            </a:lvl9pPr>
+          </a:lstStyle>
+          <a:p>
+            <a:pPr eaLnBrk="1" fontAlgn="auto" hangingPunct="1">
+              <a:spcBef>
+                <a:spcPts val="0"/>
+              </a:spcBef>
+              <a:spcAft>
+                <a:spcPts val="0"/>
+              </a:spcAft>
+              <a:defRPr/>
+            </a:pPr>
+            <a:r>
+              <a:rPr lang="fr-FR" altLang="fr-FR" sz="1100" b="1">
+                <a:latin typeface="Segoe UI" panose="020B0502040204020203" pitchFamily="34" charset="0"/>
+                <a:cs typeface="Segoe UI" panose="020B0502040204020203" pitchFamily="34" charset="0"/>
+              </a:rPr>
+              <a:t>Préciser ci-après quels sont les impacts du projet en matière de : </a:t>
+            </a:r>
+          </a:p>
+        </p:txBody>
+      </p:sp>
+      <p:sp>
+        <p:nvSpPr>
+          <p:cNvPr id="48" name="Rectangle 47"/>
+          <p:cNvSpPr>
+            <a:spLocks noChangeArrowheads="1"/>
+          </p:cNvSpPr>
+          <p:nvPr/>
+        </p:nvSpPr>
+        <p:spPr bwMode="auto">
+          <a:xfrm>
+            <a:off x="6367121" y="5168997"/>
+            <a:ext cx="3300856" cy="1477328"/>
+          </a:xfrm>
+          <a:prstGeom prst="rect">
+            <a:avLst/>
+          </a:prstGeom>
+          <a:noFill/>
+          <a:ln>
+            <a:noFill/>
+          </a:ln>
+          <a:extLst>
+            <a:ext uri="{909E8E84-426E-40DD-AFC4-6F175D3DCCD1}">
+              <a14:hiddenFill xmlns:a14="http://schemas.microsoft.com/office/drawing/2010/main">
+                <a:solidFill>
+                  <a:srgbClr val="FFFFFF"/>
+                </a:solidFill>
+              </a14:hiddenFill>
+            </a:ext>
+            <a:ext uri="{91240B29-F687-4F45-9708-019B960494DF}">
+              <a14:hiddenLine xmlns:a14="http://schemas.microsoft.com/office/drawing/2010/main" w="9525">
+                <a:solidFill>
+                  <a:srgbClr val="000000"/>
+                </a:solidFill>
+                <a:miter lim="800000"/>
+                <a:headEnd/>
+                <a:tailEnd/>
+              </a14:hiddenLine>
+            </a:ext>
+          </a:extLst>
+        </p:spPr>
+        <p:txBody>
+          <a:bodyPr wrap="square">
+            <a:spAutoFit/>
+          </a:bodyPr>
+          <a:lstStyle>
+            <a:lvl1pPr>
+              <a:defRPr>
+                <a:solidFill>
+                  <a:schemeClr val="tx1"/>
+                </a:solidFill>
+                <a:latin typeface="Calibri" panose="020F0502020204030204" pitchFamily="34" charset="0"/>
+              </a:defRPr>
+            </a:lvl1pPr>
+            <a:lvl2pPr marL="742950" indent="-285750">
+              <a:defRPr>
+                <a:solidFill>
+                  <a:schemeClr val="tx1"/>
+                </a:solidFill>
+                <a:latin typeface="Calibri" panose="020F0502020204030204" pitchFamily="34" charset="0"/>
+              </a:defRPr>
+            </a:lvl2pPr>
+            <a:lvl3pPr marL="1143000" indent="-228600">
+              <a:defRPr>
+                <a:solidFill>
+                  <a:schemeClr val="tx1"/>
+                </a:solidFill>
+                <a:latin typeface="Calibri" panose="020F0502020204030204" pitchFamily="34" charset="0"/>
+              </a:defRPr>
+            </a:lvl3pPr>
+            <a:lvl4pPr marL="1600200" indent="-228600">
+              <a:defRPr>
+                <a:solidFill>
+                  <a:schemeClr val="tx1"/>
+                </a:solidFill>
+                <a:latin typeface="Calibri" panose="020F0502020204030204" pitchFamily="34" charset="0"/>
+              </a:defRPr>
+            </a:lvl4pPr>
+            <a:lvl5pPr marL="2057400" indent="-228600">
+              <a:defRPr>
+                <a:solidFill>
+                  <a:schemeClr val="tx1"/>
+                </a:solidFill>
+                <a:latin typeface="Calibri" panose="020F0502020204030204" pitchFamily="34" charset="0"/>
+              </a:defRPr>
+            </a:lvl5pPr>
+            <a:lvl6pPr marL="2514600" indent="-228600" eaLnBrk="0" fontAlgn="base" hangingPunct="0">
+              <a:spcBef>
+                <a:spcPct val="0"/>
+              </a:spcBef>
+              <a:spcAft>
+                <a:spcPct val="0"/>
+              </a:spcAft>
+              <a:defRPr>
+                <a:solidFill>
+                  <a:schemeClr val="tx1"/>
+                </a:solidFill>
+                <a:latin typeface="Calibri" panose="020F0502020204030204" pitchFamily="34" charset="0"/>
+              </a:defRPr>
+            </a:lvl6pPr>
+            <a:lvl7pPr marL="2971800" indent="-228600" eaLnBrk="0" fontAlgn="base" hangingPunct="0">
+              <a:spcBef>
+                <a:spcPct val="0"/>
+              </a:spcBef>
+              <a:spcAft>
+                <a:spcPct val="0"/>
+              </a:spcAft>
+              <a:defRPr>
+                <a:solidFill>
+                  <a:schemeClr val="tx1"/>
+                </a:solidFill>
+                <a:latin typeface="Calibri" panose="020F0502020204030204" pitchFamily="34" charset="0"/>
+              </a:defRPr>
+            </a:lvl7pPr>
+            <a:lvl8pPr marL="3429000" indent="-228600" eaLnBrk="0" fontAlgn="base" hangingPunct="0">
+              <a:spcBef>
+                <a:spcPct val="0"/>
+              </a:spcBef>
+              <a:spcAft>
+                <a:spcPct val="0"/>
+              </a:spcAft>
+              <a:defRPr>
+                <a:solidFill>
+                  <a:schemeClr val="tx1"/>
+                </a:solidFill>
+                <a:latin typeface="Calibri" panose="020F0502020204030204" pitchFamily="34" charset="0"/>
+              </a:defRPr>
+            </a:lvl8pPr>
+            <a:lvl9pPr marL="3886200" indent="-228600" eaLnBrk="0" fontAlgn="base" hangingPunct="0">
+              <a:spcBef>
+                <a:spcPct val="0"/>
+              </a:spcBef>
+              <a:spcAft>
+                <a:spcPct val="0"/>
+              </a:spcAft>
+              <a:defRPr>
+                <a:solidFill>
+                  <a:schemeClr val="tx1"/>
+                </a:solidFill>
+                <a:latin typeface="Calibri" panose="020F0502020204030204" pitchFamily="34" charset="0"/>
+              </a:defRPr>
+            </a:lvl9pPr>
+          </a:lstStyle>
+          <a:p>
+            <a:pPr algn="just" eaLnBrk="1" fontAlgn="auto" hangingPunct="1">
+              <a:spcBef>
+                <a:spcPts val="0"/>
+              </a:spcBef>
+              <a:spcAft>
+                <a:spcPts val="900"/>
+              </a:spcAft>
+              <a:defRPr/>
+            </a:pPr>
+            <a:r>
+              <a:rPr lang="fr-FR" altLang="fr-FR" sz="1200" i="0">
+                <a:latin typeface="Segoe UI" panose="020B0502040204020203" pitchFamily="34" charset="0"/>
+                <a:cs typeface="Segoe UI" panose="020B0502040204020203" pitchFamily="34" charset="0"/>
+              </a:rPr>
+              <a:t>Qualité de service pour les usagers</a:t>
+            </a:r>
+          </a:p>
+          <a:p>
+            <a:pPr algn="just">
+              <a:spcAft>
+                <a:spcPts val="900"/>
+              </a:spcAft>
+              <a:defRPr/>
+            </a:pPr>
+            <a:r>
+              <a:rPr lang="fr-FR" altLang="fr-FR" sz="1200">
+                <a:latin typeface="Segoe UI" panose="020B0502040204020203" pitchFamily="34" charset="0"/>
+                <a:cs typeface="Segoe UI" panose="020B0502040204020203" pitchFamily="34" charset="0"/>
+              </a:rPr>
+              <a:t>Bénéfices pour les gestionnaires</a:t>
+            </a:r>
+          </a:p>
+          <a:p>
+            <a:pPr algn="just">
+              <a:spcAft>
+                <a:spcPts val="900"/>
+              </a:spcAft>
+              <a:defRPr/>
+            </a:pPr>
+            <a:r>
+              <a:rPr lang="fr-FR" altLang="fr-FR" sz="1200">
+                <a:latin typeface="Segoe UI" panose="020B0502040204020203" pitchFamily="34" charset="0"/>
+                <a:cs typeface="Segoe UI" panose="020B0502040204020203" pitchFamily="34" charset="0"/>
+              </a:rPr>
+              <a:t>Contribution à une politique publique</a:t>
+            </a:r>
+          </a:p>
+          <a:p>
+            <a:pPr algn="just">
+              <a:spcAft>
+                <a:spcPts val="900"/>
+              </a:spcAft>
+              <a:defRPr/>
+            </a:pPr>
+            <a:r>
+              <a:rPr lang="fr-FR" altLang="fr-FR" sz="1200">
+                <a:latin typeface="Segoe UI" panose="020B0502040204020203" pitchFamily="34" charset="0"/>
+                <a:cs typeface="Segoe UI" panose="020B0502040204020203" pitchFamily="34" charset="0"/>
+              </a:rPr>
+              <a:t>Sécurisation / Fiabilisation</a:t>
+            </a:r>
+          </a:p>
+          <a:p>
+            <a:pPr algn="just">
+              <a:spcAft>
+                <a:spcPts val="900"/>
+              </a:spcAft>
+              <a:defRPr/>
+            </a:pPr>
+            <a:r>
+              <a:rPr lang="fr-FR" altLang="fr-FR" sz="1200">
+                <a:latin typeface="Segoe UI" panose="020B0502040204020203" pitchFamily="34" charset="0"/>
+                <a:cs typeface="Segoe UI" panose="020B0502040204020203" pitchFamily="34" charset="0"/>
+              </a:rPr>
+              <a:t>Rationalisation / Convergence</a:t>
+            </a:r>
+          </a:p>
+        </p:txBody>
+      </p:sp>
+      <p:grpSp>
+        <p:nvGrpSpPr>
+          <p:cNvPr id="49" name="Group 48"/>
+          <p:cNvGrpSpPr/>
+          <p:nvPr/>
+        </p:nvGrpSpPr>
+        <p:grpSpPr>
+          <a:xfrm>
+            <a:off x="9190195" y="5202692"/>
+            <a:ext cx="2369980" cy="216000"/>
+            <a:chOff x="9190195" y="5019817"/>
+            <a:chExt cx="2369980" cy="216000"/>
+          </a:xfrm>
+        </p:grpSpPr>
+        <p:sp>
+          <p:nvSpPr>
+            <p:cNvPr id="50" name="Rectangle à coins arrondis 34"/>
+            <p:cNvSpPr/>
+            <p:nvPr/>
+          </p:nvSpPr>
+          <p:spPr>
+            <a:xfrm>
+              <a:off x="9190195" y="5058496"/>
+              <a:ext cx="2369980" cy="138643"/>
+            </a:xfrm>
+            <a:prstGeom prst="roundRect">
+              <a:avLst>
+                <a:gd name="adj" fmla="val 50000"/>
+              </a:avLst>
+            </a:prstGeom>
+            <a:gradFill flip="none" rotWithShape="1">
+              <a:gsLst>
+                <a:gs pos="0">
+                  <a:schemeClr val="accent6">
+                    <a:lumMod val="50000"/>
+                  </a:schemeClr>
+                </a:gs>
+                <a:gs pos="27000">
+                  <a:schemeClr val="accent6">
+                    <a:lumMod val="75000"/>
+                  </a:schemeClr>
+                </a:gs>
+                <a:gs pos="100000">
+                  <a:schemeClr val="accent6">
+                    <a:lumMod val="20000"/>
+                    <a:lumOff val="80000"/>
+                  </a:schemeClr>
+                </a:gs>
+              </a:gsLst>
+              <a:lin ang="10800000" scaled="1"/>
+              <a:tileRect/>
+            </a:gradFill>
+            <a:ln>
+              <a:solidFill>
+                <a:schemeClr val="accent6">
+                  <a:lumMod val="50000"/>
+                </a:schemeClr>
+              </a:solidFill>
+            </a:ln>
+          </p:spPr>
+          <p:style>
+            <a:lnRef idx="2">
+              <a:schemeClr val="accent1">
+                <a:shade val="50000"/>
+              </a:schemeClr>
+            </a:lnRef>
+            <a:fillRef idx="1">
+              <a:schemeClr val="accent1"/>
+            </a:fillRef>
+            <a:effectRef idx="0">
+              <a:schemeClr val="accent1"/>
+            </a:effectRef>
+            <a:fontRef idx="minor">
+              <a:schemeClr val="lt1"/>
+            </a:fontRef>
+          </p:style>
+          <p:txBody>
+            <a:bodyPr anchor="ctr"/>
+            <a:lstStyle/>
+            <a:p>
+              <a:pPr algn="ctr" eaLnBrk="1" fontAlgn="auto" hangingPunct="1">
+                <a:spcBef>
+                  <a:spcPts val="0"/>
+                </a:spcBef>
+                <a:spcAft>
+                  <a:spcPts val="0"/>
+                </a:spcAft>
+                <a:defRPr/>
+              </a:pPr>
+              <a:endParaRPr lang="fr-FR" sz="1350"/>
+            </a:p>
+          </p:txBody>
+        </p:sp>
+        <p:sp>
+          <p:nvSpPr>
+            <p:cNvPr id="51" name="Rectangle 50"/>
+            <p:cNvSpPr/>
+            <p:nvPr/>
+          </p:nvSpPr>
+          <p:spPr>
+            <a:xfrm>
+              <a:off x="10261850" y="5019817"/>
+              <a:ext cx="216000" cy="216000"/>
+            </a:xfrm>
+            <a:prstGeom prst="rect">
+              <a:avLst/>
+            </a:prstGeom>
+            <a:solidFill>
+              <a:schemeClr val="bg1"/>
+            </a:solidFill>
+            <a:ln w="19050">
+              <a:solidFill>
+                <a:schemeClr val="tx1">
+                  <a:lumMod val="75000"/>
+                  <a:lumOff val="25000"/>
+                </a:schemeClr>
+              </a:solidFill>
+            </a:ln>
+          </p:spPr>
+          <p:style>
+            <a:lnRef idx="2">
+              <a:schemeClr val="accent1">
+                <a:shade val="50000"/>
+              </a:schemeClr>
+            </a:lnRef>
+            <a:fillRef idx="1">
+              <a:schemeClr val="accent1"/>
+            </a:fillRef>
+            <a:effectRef idx="0">
+              <a:schemeClr val="accent1"/>
+            </a:effectRef>
+            <a:fontRef idx="minor">
+              <a:schemeClr val="lt1"/>
+            </a:fontRef>
+          </p:style>
+          <p:txBody>
+            <a:bodyPr lIns="0" tIns="0" rIns="0" bIns="0" anchor="ctr"/>
+            <a:lstStyle/>
+            <a:p>
+              <a:pPr marL="0" marR="0" lvl="0" indent="0" algn="ctr" defTabSz="457200" rtl="0" eaLnBrk="1" fontAlgn="auto" latinLnBrk="0" hangingPunct="1">
+                <a:lnSpc>
+                  <a:spcPct val="100000"/>
+                </a:lnSpc>
+                <a:spcBef>
+                  <a:spcPts val="0"/>
+                </a:spcBef>
+                <a:spcAft>
+                  <a:spcPts val="0"/>
+                </a:spcAft>
+                <a:buClrTx/>
+                <a:buSzTx/>
+                <a:buFontTx/>
+                <a:buNone/>
+                <a:tabLst/>
+                <a:defRPr/>
+              </a:pPr>
+              <a:r>
+                <a:rPr kumimoji="0" lang="fr-FR" sz="1100" b="1" i="0" u="none" strike="noStrike" kern="1200" cap="none" spc="0" normalizeH="0" baseline="0" noProof="0" dirty="0">
+                  <a:ln>
+                    <a:noFill/>
+                  </a:ln>
+                  <a:solidFill>
+                    <a:srgbClr val="000000"/>
+                  </a:solidFill>
+                  <a:effectLst/>
+                  <a:uLnTx/>
+                  <a:uFillTx/>
+                  <a:latin typeface="Calibri" panose="020F0502020204030204" pitchFamily="34" charset="0"/>
+                  <a:ea typeface="+mn-ea"/>
+                  <a:cs typeface="+mn-cs"/>
+                </a:rPr>
+                <a:t>x</a:t>
+              </a:r>
+            </a:p>
+          </p:txBody>
+        </p:sp>
+        <p:sp>
+          <p:nvSpPr>
+            <p:cNvPr id="52" name="Rectangle 51"/>
+            <p:cNvSpPr/>
+            <p:nvPr/>
+          </p:nvSpPr>
+          <p:spPr>
+            <a:xfrm>
+              <a:off x="9474046" y="5019817"/>
+              <a:ext cx="216000" cy="216000"/>
+            </a:xfrm>
+            <a:prstGeom prst="rect">
+              <a:avLst/>
+            </a:prstGeom>
+            <a:solidFill>
+              <a:schemeClr val="bg1"/>
+            </a:solidFill>
+            <a:ln w="19050">
+              <a:solidFill>
+                <a:schemeClr val="tx1">
+                  <a:lumMod val="75000"/>
+                  <a:lumOff val="25000"/>
+                </a:schemeClr>
+              </a:solidFill>
+            </a:ln>
+          </p:spPr>
+          <p:style>
+            <a:lnRef idx="2">
+              <a:schemeClr val="accent1">
+                <a:shade val="50000"/>
+              </a:schemeClr>
+            </a:lnRef>
+            <a:fillRef idx="1">
+              <a:schemeClr val="accent1"/>
+            </a:fillRef>
+            <a:effectRef idx="0">
+              <a:schemeClr val="accent1"/>
+            </a:effectRef>
+            <a:fontRef idx="minor">
+              <a:schemeClr val="lt1"/>
+            </a:fontRef>
+          </p:style>
+          <p:txBody>
+            <a:bodyPr lIns="0" tIns="0" rIns="0" bIns="0" anchor="ctr"/>
+            <a:lstStyle/>
+            <a:p>
+              <a:pPr marL="0" marR="0" lvl="0" indent="0" algn="ctr" defTabSz="457200" rtl="0" eaLnBrk="1" fontAlgn="auto" latinLnBrk="0" hangingPunct="1">
+                <a:lnSpc>
+                  <a:spcPct val="100000"/>
+                </a:lnSpc>
+                <a:spcBef>
+                  <a:spcPts val="0"/>
+                </a:spcBef>
+                <a:spcAft>
+                  <a:spcPts val="0"/>
+                </a:spcAft>
+                <a:buClrTx/>
+                <a:buSzTx/>
+                <a:buFontTx/>
+                <a:buNone/>
+                <a:tabLst/>
+                <a:defRPr/>
+              </a:pPr>
+              <a:endParaRPr kumimoji="0" lang="fr-FR" sz="1100" b="1" i="0" u="none" strike="noStrike" kern="1200" cap="none" spc="0" normalizeH="0" baseline="0" noProof="0">
+                <a:ln>
+                  <a:noFill/>
+                </a:ln>
+                <a:solidFill>
+                  <a:srgbClr val="000000"/>
+                </a:solidFill>
+                <a:effectLst/>
+                <a:uLnTx/>
+                <a:uFillTx/>
+                <a:latin typeface="Calibri" panose="020F0502020204030204" pitchFamily="34" charset="0"/>
+                <a:ea typeface="+mn-ea"/>
+                <a:cs typeface="+mn-cs"/>
+              </a:endParaRPr>
+            </a:p>
+          </p:txBody>
+        </p:sp>
+        <p:sp>
+          <p:nvSpPr>
+            <p:cNvPr id="53" name="Rectangle 52"/>
+            <p:cNvSpPr/>
+            <p:nvPr/>
+          </p:nvSpPr>
+          <p:spPr>
+            <a:xfrm>
+              <a:off x="11055478" y="5019817"/>
+              <a:ext cx="216000" cy="216000"/>
+            </a:xfrm>
+            <a:prstGeom prst="rect">
+              <a:avLst/>
+            </a:prstGeom>
+            <a:solidFill>
+              <a:schemeClr val="bg1"/>
+            </a:solidFill>
+            <a:ln w="19050">
+              <a:solidFill>
+                <a:schemeClr val="tx1">
+                  <a:lumMod val="75000"/>
+                  <a:lumOff val="25000"/>
+                </a:schemeClr>
+              </a:solidFill>
+            </a:ln>
+          </p:spPr>
+          <p:style>
+            <a:lnRef idx="2">
+              <a:schemeClr val="accent1">
+                <a:shade val="50000"/>
+              </a:schemeClr>
+            </a:lnRef>
+            <a:fillRef idx="1">
+              <a:schemeClr val="accent1"/>
+            </a:fillRef>
+            <a:effectRef idx="0">
+              <a:schemeClr val="accent1"/>
+            </a:effectRef>
+            <a:fontRef idx="minor">
+              <a:schemeClr val="lt1"/>
+            </a:fontRef>
+          </p:style>
+          <p:txBody>
+            <a:bodyPr lIns="0" tIns="0" rIns="0" bIns="0" anchor="ctr"/>
+            <a:lstStyle/>
+            <a:p>
+              <a:pPr marL="0" marR="0" lvl="0" indent="0" algn="ctr" defTabSz="457200" rtl="0" eaLnBrk="1" fontAlgn="auto" latinLnBrk="0" hangingPunct="1">
+                <a:lnSpc>
+                  <a:spcPct val="100000"/>
+                </a:lnSpc>
+                <a:spcBef>
+                  <a:spcPts val="0"/>
+                </a:spcBef>
+                <a:spcAft>
+                  <a:spcPts val="0"/>
+                </a:spcAft>
+                <a:buClrTx/>
+                <a:buSzTx/>
+                <a:buFontTx/>
+                <a:buNone/>
+                <a:tabLst/>
+                <a:defRPr/>
+              </a:pPr>
+              <a:endParaRPr kumimoji="0" lang="fr-FR" sz="1100" b="1" i="0" u="none" strike="noStrike" kern="1200" cap="none" spc="0" normalizeH="0" baseline="0" noProof="0">
+                <a:ln>
+                  <a:noFill/>
+                </a:ln>
+                <a:solidFill>
+                  <a:srgbClr val="000000"/>
+                </a:solidFill>
+                <a:effectLst/>
+                <a:uLnTx/>
+                <a:uFillTx/>
+                <a:latin typeface="Calibri" panose="020F0502020204030204" pitchFamily="34" charset="0"/>
+                <a:ea typeface="+mn-ea"/>
+                <a:cs typeface="+mn-cs"/>
+              </a:endParaRPr>
+            </a:p>
+          </p:txBody>
+        </p:sp>
+      </p:grpSp>
+      <p:grpSp>
+        <p:nvGrpSpPr>
+          <p:cNvPr id="54" name="Group 53"/>
+          <p:cNvGrpSpPr/>
+          <p:nvPr/>
+        </p:nvGrpSpPr>
+        <p:grpSpPr>
+          <a:xfrm>
+            <a:off x="9190195" y="5496744"/>
+            <a:ext cx="2369980" cy="216000"/>
+            <a:chOff x="9190195" y="5019817"/>
+            <a:chExt cx="2369980" cy="216000"/>
+          </a:xfrm>
+        </p:grpSpPr>
+        <p:sp>
+          <p:nvSpPr>
+            <p:cNvPr id="56" name="Rectangle à coins arrondis 34"/>
+            <p:cNvSpPr/>
+            <p:nvPr/>
+          </p:nvSpPr>
+          <p:spPr>
+            <a:xfrm>
+              <a:off x="9190195" y="5058496"/>
+              <a:ext cx="2369980" cy="138643"/>
+            </a:xfrm>
+            <a:prstGeom prst="roundRect">
+              <a:avLst>
+                <a:gd name="adj" fmla="val 50000"/>
+              </a:avLst>
+            </a:prstGeom>
+            <a:gradFill flip="none" rotWithShape="1">
+              <a:gsLst>
+                <a:gs pos="0">
+                  <a:schemeClr val="accent6">
+                    <a:lumMod val="50000"/>
+                  </a:schemeClr>
+                </a:gs>
+                <a:gs pos="27000">
+                  <a:schemeClr val="accent6">
+                    <a:lumMod val="75000"/>
+                  </a:schemeClr>
+                </a:gs>
+                <a:gs pos="100000">
+                  <a:schemeClr val="accent6">
+                    <a:lumMod val="20000"/>
+                    <a:lumOff val="80000"/>
+                  </a:schemeClr>
+                </a:gs>
+              </a:gsLst>
+              <a:lin ang="10800000" scaled="1"/>
+              <a:tileRect/>
+            </a:gradFill>
+            <a:ln>
+              <a:solidFill>
+                <a:schemeClr val="accent6">
+                  <a:lumMod val="50000"/>
+                </a:schemeClr>
+              </a:solidFill>
+            </a:ln>
+          </p:spPr>
+          <p:style>
+            <a:lnRef idx="2">
+              <a:schemeClr val="accent1">
+                <a:shade val="50000"/>
+              </a:schemeClr>
+            </a:lnRef>
+            <a:fillRef idx="1">
+              <a:schemeClr val="accent1"/>
+            </a:fillRef>
+            <a:effectRef idx="0">
+              <a:schemeClr val="accent1"/>
+            </a:effectRef>
+            <a:fontRef idx="minor">
+              <a:schemeClr val="lt1"/>
+            </a:fontRef>
+          </p:style>
+          <p:txBody>
+            <a:bodyPr anchor="ctr"/>
+            <a:lstStyle/>
+            <a:p>
+              <a:pPr algn="ctr" eaLnBrk="1" fontAlgn="auto" hangingPunct="1">
+                <a:spcBef>
+                  <a:spcPts val="0"/>
+                </a:spcBef>
+                <a:spcAft>
+                  <a:spcPts val="0"/>
+                </a:spcAft>
+                <a:defRPr/>
+              </a:pPr>
+              <a:endParaRPr lang="fr-FR" sz="1350"/>
+            </a:p>
+          </p:txBody>
+        </p:sp>
+        <p:sp>
+          <p:nvSpPr>
+            <p:cNvPr id="57" name="Rectangle 56"/>
+            <p:cNvSpPr/>
+            <p:nvPr/>
+          </p:nvSpPr>
+          <p:spPr>
+            <a:xfrm>
+              <a:off x="10261850" y="5019817"/>
+              <a:ext cx="216000" cy="216000"/>
+            </a:xfrm>
+            <a:prstGeom prst="rect">
+              <a:avLst/>
+            </a:prstGeom>
+            <a:solidFill>
+              <a:schemeClr val="bg1"/>
+            </a:solidFill>
+            <a:ln w="19050">
+              <a:solidFill>
+                <a:schemeClr val="tx1">
+                  <a:lumMod val="75000"/>
+                  <a:lumOff val="25000"/>
+                </a:schemeClr>
+              </a:solidFill>
+            </a:ln>
+          </p:spPr>
+          <p:style>
+            <a:lnRef idx="2">
+              <a:schemeClr val="accent1">
+                <a:shade val="50000"/>
+              </a:schemeClr>
+            </a:lnRef>
+            <a:fillRef idx="1">
+              <a:schemeClr val="accent1"/>
+            </a:fillRef>
+            <a:effectRef idx="0">
+              <a:schemeClr val="accent1"/>
+            </a:effectRef>
+            <a:fontRef idx="minor">
+              <a:schemeClr val="lt1"/>
+            </a:fontRef>
+          </p:style>
+          <p:txBody>
+            <a:bodyPr lIns="0" tIns="0" rIns="0" bIns="0" anchor="ctr"/>
+            <a:lstStyle/>
+            <a:p>
+              <a:pPr marL="0" marR="0" lvl="0" indent="0" algn="ctr" defTabSz="457200" rtl="0" eaLnBrk="1" fontAlgn="auto" latinLnBrk="0" hangingPunct="1">
+                <a:lnSpc>
+                  <a:spcPct val="100000"/>
+                </a:lnSpc>
+                <a:spcBef>
+                  <a:spcPts val="0"/>
+                </a:spcBef>
+                <a:spcAft>
+                  <a:spcPts val="0"/>
+                </a:spcAft>
+                <a:buClrTx/>
+                <a:buSzTx/>
+                <a:buFontTx/>
+                <a:buNone/>
+                <a:tabLst/>
+                <a:defRPr/>
+              </a:pPr>
+              <a:endParaRPr kumimoji="0" lang="fr-FR" sz="1100" b="1" i="0" u="none" strike="noStrike" kern="1200" cap="none" spc="0" normalizeH="0" baseline="0" noProof="0">
+                <a:ln>
+                  <a:noFill/>
+                </a:ln>
+                <a:solidFill>
+                  <a:srgbClr val="000000"/>
+                </a:solidFill>
+                <a:effectLst/>
+                <a:uLnTx/>
+                <a:uFillTx/>
+                <a:latin typeface="Calibri" panose="020F0502020204030204" pitchFamily="34" charset="0"/>
+                <a:ea typeface="+mn-ea"/>
+                <a:cs typeface="+mn-cs"/>
+              </a:endParaRPr>
+            </a:p>
+          </p:txBody>
+        </p:sp>
+        <p:sp>
+          <p:nvSpPr>
+            <p:cNvPr id="58" name="Rectangle 57"/>
+            <p:cNvSpPr/>
+            <p:nvPr/>
+          </p:nvSpPr>
+          <p:spPr>
+            <a:xfrm>
+              <a:off x="9474046" y="5019817"/>
+              <a:ext cx="216000" cy="216000"/>
+            </a:xfrm>
+            <a:prstGeom prst="rect">
+              <a:avLst/>
+            </a:prstGeom>
+            <a:solidFill>
+              <a:schemeClr val="bg1"/>
+            </a:solidFill>
+            <a:ln w="19050">
+              <a:solidFill>
+                <a:schemeClr val="tx1">
+                  <a:lumMod val="75000"/>
+                  <a:lumOff val="25000"/>
+                </a:schemeClr>
+              </a:solidFill>
+            </a:ln>
+          </p:spPr>
+          <p:style>
+            <a:lnRef idx="2">
+              <a:schemeClr val="accent1">
+                <a:shade val="50000"/>
+              </a:schemeClr>
+            </a:lnRef>
+            <a:fillRef idx="1">
+              <a:schemeClr val="accent1"/>
+            </a:fillRef>
+            <a:effectRef idx="0">
+              <a:schemeClr val="accent1"/>
+            </a:effectRef>
+            <a:fontRef idx="minor">
+              <a:schemeClr val="lt1"/>
+            </a:fontRef>
+          </p:style>
+          <p:txBody>
+            <a:bodyPr lIns="0" tIns="0" rIns="0" bIns="0" anchor="ctr"/>
+            <a:lstStyle/>
+            <a:p>
+              <a:pPr marL="0" marR="0" lvl="0" indent="0" algn="ctr" defTabSz="457200" rtl="0" eaLnBrk="1" fontAlgn="auto" latinLnBrk="0" hangingPunct="1">
+                <a:lnSpc>
+                  <a:spcPct val="100000"/>
+                </a:lnSpc>
+                <a:spcBef>
+                  <a:spcPts val="0"/>
+                </a:spcBef>
+                <a:spcAft>
+                  <a:spcPts val="0"/>
+                </a:spcAft>
+                <a:buClrTx/>
+                <a:buSzTx/>
+                <a:buFontTx/>
+                <a:buNone/>
+                <a:tabLst/>
+                <a:defRPr/>
+              </a:pPr>
+              <a:endParaRPr kumimoji="0" lang="fr-FR" sz="1100" b="1" i="0" u="none" strike="noStrike" kern="1200" cap="none" spc="0" normalizeH="0" baseline="0" noProof="0">
+                <a:ln>
+                  <a:noFill/>
+                </a:ln>
+                <a:solidFill>
+                  <a:srgbClr val="000000"/>
+                </a:solidFill>
+                <a:effectLst/>
+                <a:uLnTx/>
+                <a:uFillTx/>
+                <a:latin typeface="Calibri" panose="020F0502020204030204" pitchFamily="34" charset="0"/>
+                <a:ea typeface="+mn-ea"/>
+                <a:cs typeface="+mn-cs"/>
+              </a:endParaRPr>
+            </a:p>
+          </p:txBody>
+        </p:sp>
+        <p:sp>
+          <p:nvSpPr>
+            <p:cNvPr id="59" name="Rectangle 58"/>
+            <p:cNvSpPr/>
+            <p:nvPr/>
+          </p:nvSpPr>
+          <p:spPr>
+            <a:xfrm>
+              <a:off x="11055478" y="5019817"/>
+              <a:ext cx="216000" cy="216000"/>
+            </a:xfrm>
+            <a:prstGeom prst="rect">
+              <a:avLst/>
+            </a:prstGeom>
+            <a:solidFill>
+              <a:schemeClr val="bg1"/>
+            </a:solidFill>
+            <a:ln w="19050">
+              <a:solidFill>
+                <a:schemeClr val="tx1">
+                  <a:lumMod val="75000"/>
+                  <a:lumOff val="25000"/>
+                </a:schemeClr>
+              </a:solidFill>
+            </a:ln>
+          </p:spPr>
+          <p:style>
+            <a:lnRef idx="2">
+              <a:schemeClr val="accent1">
+                <a:shade val="50000"/>
+              </a:schemeClr>
+            </a:lnRef>
+            <a:fillRef idx="1">
+              <a:schemeClr val="accent1"/>
+            </a:fillRef>
+            <a:effectRef idx="0">
+              <a:schemeClr val="accent1"/>
+            </a:effectRef>
+            <a:fontRef idx="minor">
+              <a:schemeClr val="lt1"/>
+            </a:fontRef>
+          </p:style>
+          <p:txBody>
+            <a:bodyPr lIns="0" tIns="0" rIns="0" bIns="0" anchor="ctr"/>
+            <a:lstStyle/>
+            <a:p>
+              <a:pPr marL="0" marR="0" lvl="0" indent="0" algn="ctr" defTabSz="457200" rtl="0" eaLnBrk="1" fontAlgn="auto" latinLnBrk="0" hangingPunct="1">
+                <a:lnSpc>
+                  <a:spcPct val="100000"/>
+                </a:lnSpc>
+                <a:spcBef>
+                  <a:spcPts val="0"/>
+                </a:spcBef>
+                <a:spcAft>
+                  <a:spcPts val="0"/>
+                </a:spcAft>
+                <a:buClrTx/>
+                <a:buSzTx/>
+                <a:buFontTx/>
+                <a:buNone/>
+                <a:tabLst/>
+                <a:defRPr/>
+              </a:pPr>
+              <a:r>
+                <a:rPr kumimoji="0" lang="fr-FR" sz="1100" b="1" i="0" u="none" strike="noStrike" kern="1200" cap="none" spc="0" normalizeH="0" baseline="0" noProof="0" dirty="0">
+                  <a:ln>
+                    <a:noFill/>
+                  </a:ln>
+                  <a:solidFill>
+                    <a:srgbClr val="000000"/>
+                  </a:solidFill>
+                  <a:effectLst/>
+                  <a:uLnTx/>
+                  <a:uFillTx/>
+                  <a:latin typeface="Calibri" panose="020F0502020204030204" pitchFamily="34" charset="0"/>
+                  <a:ea typeface="+mn-ea"/>
+                  <a:cs typeface="+mn-cs"/>
+                </a:rPr>
+                <a:t>x</a:t>
+              </a:r>
+            </a:p>
+          </p:txBody>
+        </p:sp>
+      </p:grpSp>
+      <p:grpSp>
+        <p:nvGrpSpPr>
+          <p:cNvPr id="60" name="Group 59"/>
+          <p:cNvGrpSpPr/>
+          <p:nvPr/>
+        </p:nvGrpSpPr>
+        <p:grpSpPr>
+          <a:xfrm>
+            <a:off x="9190195" y="5803058"/>
+            <a:ext cx="2369980" cy="216000"/>
+            <a:chOff x="9190195" y="5019817"/>
+            <a:chExt cx="2369980" cy="216000"/>
+          </a:xfrm>
+        </p:grpSpPr>
+        <p:sp>
+          <p:nvSpPr>
+            <p:cNvPr id="61" name="Rectangle à coins arrondis 34"/>
+            <p:cNvSpPr/>
+            <p:nvPr/>
+          </p:nvSpPr>
+          <p:spPr>
+            <a:xfrm>
+              <a:off x="9190195" y="5058496"/>
+              <a:ext cx="2369980" cy="138643"/>
+            </a:xfrm>
+            <a:prstGeom prst="roundRect">
+              <a:avLst>
+                <a:gd name="adj" fmla="val 50000"/>
+              </a:avLst>
+            </a:prstGeom>
+            <a:gradFill flip="none" rotWithShape="1">
+              <a:gsLst>
+                <a:gs pos="0">
+                  <a:schemeClr val="accent6">
+                    <a:lumMod val="50000"/>
+                  </a:schemeClr>
+                </a:gs>
+                <a:gs pos="27000">
+                  <a:schemeClr val="accent6">
+                    <a:lumMod val="75000"/>
+                  </a:schemeClr>
+                </a:gs>
+                <a:gs pos="100000">
+                  <a:schemeClr val="accent6">
+                    <a:lumMod val="20000"/>
+                    <a:lumOff val="80000"/>
+                  </a:schemeClr>
+                </a:gs>
+              </a:gsLst>
+              <a:lin ang="10800000" scaled="1"/>
+              <a:tileRect/>
+            </a:gradFill>
+            <a:ln>
+              <a:solidFill>
+                <a:schemeClr val="accent6">
+                  <a:lumMod val="50000"/>
+                </a:schemeClr>
+              </a:solidFill>
+            </a:ln>
+          </p:spPr>
+          <p:style>
+            <a:lnRef idx="2">
+              <a:schemeClr val="accent1">
+                <a:shade val="50000"/>
+              </a:schemeClr>
+            </a:lnRef>
+            <a:fillRef idx="1">
+              <a:schemeClr val="accent1"/>
+            </a:fillRef>
+            <a:effectRef idx="0">
+              <a:schemeClr val="accent1"/>
+            </a:effectRef>
+            <a:fontRef idx="minor">
+              <a:schemeClr val="lt1"/>
+            </a:fontRef>
+          </p:style>
+          <p:txBody>
+            <a:bodyPr anchor="ctr"/>
+            <a:lstStyle/>
+            <a:p>
+              <a:pPr algn="ctr" eaLnBrk="1" fontAlgn="auto" hangingPunct="1">
+                <a:spcBef>
+                  <a:spcPts val="0"/>
+                </a:spcBef>
+                <a:spcAft>
+                  <a:spcPts val="0"/>
+                </a:spcAft>
+                <a:defRPr/>
+              </a:pPr>
+              <a:endParaRPr lang="fr-FR" sz="1350"/>
+            </a:p>
+          </p:txBody>
+        </p:sp>
+        <p:sp>
+          <p:nvSpPr>
+            <p:cNvPr id="62" name="Rectangle 61"/>
+            <p:cNvSpPr/>
+            <p:nvPr/>
+          </p:nvSpPr>
+          <p:spPr>
+            <a:xfrm>
+              <a:off x="10261850" y="5019817"/>
+              <a:ext cx="216000" cy="216000"/>
+            </a:xfrm>
+            <a:prstGeom prst="rect">
+              <a:avLst/>
+            </a:prstGeom>
+            <a:solidFill>
+              <a:schemeClr val="bg1"/>
+            </a:solidFill>
+            <a:ln w="19050">
+              <a:solidFill>
+                <a:schemeClr val="tx1">
+                  <a:lumMod val="75000"/>
+                  <a:lumOff val="25000"/>
+                </a:schemeClr>
+              </a:solidFill>
+            </a:ln>
+          </p:spPr>
+          <p:style>
+            <a:lnRef idx="2">
+              <a:schemeClr val="accent1">
+                <a:shade val="50000"/>
+              </a:schemeClr>
+            </a:lnRef>
+            <a:fillRef idx="1">
+              <a:schemeClr val="accent1"/>
+            </a:fillRef>
+            <a:effectRef idx="0">
+              <a:schemeClr val="accent1"/>
+            </a:effectRef>
+            <a:fontRef idx="minor">
+              <a:schemeClr val="lt1"/>
+            </a:fontRef>
+          </p:style>
+          <p:txBody>
+            <a:bodyPr lIns="0" tIns="0" rIns="0" bIns="0" anchor="ctr"/>
+            <a:lstStyle/>
+            <a:p>
+              <a:pPr marL="0" marR="0" lvl="0" indent="0" algn="ctr" defTabSz="457200" rtl="0" eaLnBrk="1" fontAlgn="auto" latinLnBrk="0" hangingPunct="1">
+                <a:lnSpc>
+                  <a:spcPct val="100000"/>
+                </a:lnSpc>
+                <a:spcBef>
+                  <a:spcPts val="0"/>
+                </a:spcBef>
+                <a:spcAft>
+                  <a:spcPts val="0"/>
+                </a:spcAft>
+                <a:buClrTx/>
+                <a:buSzTx/>
+                <a:buFontTx/>
+                <a:buNone/>
+                <a:tabLst/>
+                <a:defRPr/>
+              </a:pPr>
+              <a:endParaRPr kumimoji="0" lang="fr-FR" sz="1100" b="1" i="0" u="none" strike="noStrike" kern="1200" cap="none" spc="0" normalizeH="0" baseline="0" noProof="0">
+                <a:ln>
+                  <a:noFill/>
+                </a:ln>
+                <a:solidFill>
+                  <a:srgbClr val="000000"/>
+                </a:solidFill>
+                <a:effectLst/>
+                <a:uLnTx/>
+                <a:uFillTx/>
+                <a:latin typeface="Calibri" panose="020F0502020204030204" pitchFamily="34" charset="0"/>
+                <a:ea typeface="+mn-ea"/>
+                <a:cs typeface="+mn-cs"/>
+              </a:endParaRPr>
+            </a:p>
+          </p:txBody>
+        </p:sp>
+        <p:sp>
+          <p:nvSpPr>
+            <p:cNvPr id="63" name="Rectangle 62"/>
+            <p:cNvSpPr/>
+            <p:nvPr/>
+          </p:nvSpPr>
+          <p:spPr>
+            <a:xfrm>
+              <a:off x="9474046" y="5019817"/>
+              <a:ext cx="216000" cy="216000"/>
+            </a:xfrm>
+            <a:prstGeom prst="rect">
+              <a:avLst/>
+            </a:prstGeom>
+            <a:solidFill>
+              <a:schemeClr val="bg1"/>
+            </a:solidFill>
+            <a:ln w="19050">
+              <a:solidFill>
+                <a:schemeClr val="tx1">
+                  <a:lumMod val="75000"/>
+                  <a:lumOff val="25000"/>
+                </a:schemeClr>
+              </a:solidFill>
+            </a:ln>
+          </p:spPr>
+          <p:style>
+            <a:lnRef idx="2">
+              <a:schemeClr val="accent1">
+                <a:shade val="50000"/>
+              </a:schemeClr>
+            </a:lnRef>
+            <a:fillRef idx="1">
+              <a:schemeClr val="accent1"/>
+            </a:fillRef>
+            <a:effectRef idx="0">
+              <a:schemeClr val="accent1"/>
+            </a:effectRef>
+            <a:fontRef idx="minor">
+              <a:schemeClr val="lt1"/>
+            </a:fontRef>
+          </p:style>
+          <p:txBody>
+            <a:bodyPr lIns="0" tIns="0" rIns="0" bIns="0" anchor="ctr"/>
+            <a:lstStyle/>
+            <a:p>
+              <a:pPr marL="0" marR="0" lvl="0" indent="0" algn="ctr" defTabSz="457200" rtl="0" eaLnBrk="1" fontAlgn="auto" latinLnBrk="0" hangingPunct="1">
+                <a:lnSpc>
+                  <a:spcPct val="100000"/>
+                </a:lnSpc>
+                <a:spcBef>
+                  <a:spcPts val="0"/>
+                </a:spcBef>
+                <a:spcAft>
+                  <a:spcPts val="0"/>
+                </a:spcAft>
+                <a:buClrTx/>
+                <a:buSzTx/>
+                <a:buFontTx/>
+                <a:buNone/>
+                <a:tabLst/>
+                <a:defRPr/>
+              </a:pPr>
+              <a:endParaRPr kumimoji="0" lang="fr-FR" sz="1100" b="1" i="0" u="none" strike="noStrike" kern="1200" cap="none" spc="0" normalizeH="0" baseline="0" noProof="0">
+                <a:ln>
+                  <a:noFill/>
+                </a:ln>
+                <a:solidFill>
+                  <a:srgbClr val="000000"/>
+                </a:solidFill>
+                <a:effectLst/>
+                <a:uLnTx/>
+                <a:uFillTx/>
+                <a:latin typeface="Calibri" panose="020F0502020204030204" pitchFamily="34" charset="0"/>
+                <a:ea typeface="+mn-ea"/>
+                <a:cs typeface="+mn-cs"/>
+              </a:endParaRPr>
+            </a:p>
+          </p:txBody>
+        </p:sp>
+        <p:sp>
+          <p:nvSpPr>
+            <p:cNvPr id="64" name="Rectangle 63"/>
+            <p:cNvSpPr/>
+            <p:nvPr/>
+          </p:nvSpPr>
+          <p:spPr>
+            <a:xfrm>
+              <a:off x="11055478" y="5019817"/>
+              <a:ext cx="216000" cy="216000"/>
+            </a:xfrm>
+            <a:prstGeom prst="rect">
+              <a:avLst/>
+            </a:prstGeom>
+            <a:solidFill>
+              <a:schemeClr val="bg1"/>
+            </a:solidFill>
+            <a:ln w="19050">
+              <a:solidFill>
+                <a:schemeClr val="tx1">
+                  <a:lumMod val="75000"/>
+                  <a:lumOff val="25000"/>
+                </a:schemeClr>
+              </a:solidFill>
+            </a:ln>
+          </p:spPr>
+          <p:style>
+            <a:lnRef idx="2">
+              <a:schemeClr val="accent1">
+                <a:shade val="50000"/>
+              </a:schemeClr>
+            </a:lnRef>
+            <a:fillRef idx="1">
+              <a:schemeClr val="accent1"/>
+            </a:fillRef>
+            <a:effectRef idx="0">
+              <a:schemeClr val="accent1"/>
+            </a:effectRef>
+            <a:fontRef idx="minor">
+              <a:schemeClr val="lt1"/>
+            </a:fontRef>
+          </p:style>
+          <p:txBody>
+            <a:bodyPr lIns="0" tIns="0" rIns="0" bIns="0" anchor="ctr"/>
+            <a:lstStyle/>
+            <a:p>
+              <a:pPr marL="0" marR="0" lvl="0" indent="0" algn="ctr" defTabSz="457200" rtl="0" eaLnBrk="1" fontAlgn="auto" latinLnBrk="0" hangingPunct="1">
+                <a:lnSpc>
+                  <a:spcPct val="100000"/>
+                </a:lnSpc>
+                <a:spcBef>
+                  <a:spcPts val="0"/>
+                </a:spcBef>
+                <a:spcAft>
+                  <a:spcPts val="0"/>
+                </a:spcAft>
+                <a:buClrTx/>
+                <a:buSzTx/>
+                <a:buFontTx/>
+                <a:buNone/>
+                <a:tabLst/>
+                <a:defRPr/>
+              </a:pPr>
+              <a:r>
+                <a:rPr kumimoji="0" lang="fr-FR" sz="1100" b="1" i="0" u="none" strike="noStrike" kern="1200" cap="none" spc="0" normalizeH="0" baseline="0" noProof="0" dirty="0">
+                  <a:ln>
+                    <a:noFill/>
+                  </a:ln>
+                  <a:solidFill>
+                    <a:srgbClr val="000000"/>
+                  </a:solidFill>
+                  <a:effectLst/>
+                  <a:uLnTx/>
+                  <a:uFillTx/>
+                  <a:latin typeface="Calibri" panose="020F0502020204030204" pitchFamily="34" charset="0"/>
+                  <a:ea typeface="+mn-ea"/>
+                  <a:cs typeface="+mn-cs"/>
+                </a:rPr>
+                <a:t>x</a:t>
+              </a:r>
+            </a:p>
+          </p:txBody>
+        </p:sp>
+      </p:grpSp>
+      <p:grpSp>
+        <p:nvGrpSpPr>
+          <p:cNvPr id="65" name="Group 64"/>
+          <p:cNvGrpSpPr/>
+          <p:nvPr/>
+        </p:nvGrpSpPr>
+        <p:grpSpPr>
+          <a:xfrm>
+            <a:off x="9190195" y="6099184"/>
+            <a:ext cx="2369980" cy="216000"/>
+            <a:chOff x="9190195" y="5019817"/>
+            <a:chExt cx="2369980" cy="216000"/>
+          </a:xfrm>
+        </p:grpSpPr>
+        <p:sp>
+          <p:nvSpPr>
+            <p:cNvPr id="66" name="Rectangle à coins arrondis 34"/>
+            <p:cNvSpPr/>
+            <p:nvPr/>
+          </p:nvSpPr>
+          <p:spPr>
+            <a:xfrm>
+              <a:off x="9190195" y="5058496"/>
+              <a:ext cx="2369980" cy="138643"/>
+            </a:xfrm>
+            <a:prstGeom prst="roundRect">
+              <a:avLst>
+                <a:gd name="adj" fmla="val 50000"/>
+              </a:avLst>
+            </a:prstGeom>
+            <a:gradFill flip="none" rotWithShape="1">
+              <a:gsLst>
+                <a:gs pos="0">
+                  <a:schemeClr val="accent6">
+                    <a:lumMod val="50000"/>
+                  </a:schemeClr>
+                </a:gs>
+                <a:gs pos="27000">
+                  <a:schemeClr val="accent6">
+                    <a:lumMod val="75000"/>
+                  </a:schemeClr>
+                </a:gs>
+                <a:gs pos="100000">
+                  <a:schemeClr val="accent6">
+                    <a:lumMod val="20000"/>
+                    <a:lumOff val="80000"/>
+                  </a:schemeClr>
+                </a:gs>
+              </a:gsLst>
+              <a:lin ang="10800000" scaled="1"/>
+              <a:tileRect/>
+            </a:gradFill>
+            <a:ln>
+              <a:solidFill>
+                <a:schemeClr val="accent6">
+                  <a:lumMod val="50000"/>
+                </a:schemeClr>
+              </a:solidFill>
+            </a:ln>
+          </p:spPr>
+          <p:style>
+            <a:lnRef idx="2">
+              <a:schemeClr val="accent1">
+                <a:shade val="50000"/>
+              </a:schemeClr>
+            </a:lnRef>
+            <a:fillRef idx="1">
+              <a:schemeClr val="accent1"/>
+            </a:fillRef>
+            <a:effectRef idx="0">
+              <a:schemeClr val="accent1"/>
+            </a:effectRef>
+            <a:fontRef idx="minor">
+              <a:schemeClr val="lt1"/>
+            </a:fontRef>
+          </p:style>
+          <p:txBody>
+            <a:bodyPr anchor="ctr"/>
+            <a:lstStyle/>
+            <a:p>
+              <a:pPr algn="ctr" eaLnBrk="1" fontAlgn="auto" hangingPunct="1">
+                <a:spcBef>
+                  <a:spcPts val="0"/>
+                </a:spcBef>
+                <a:spcAft>
+                  <a:spcPts val="0"/>
+                </a:spcAft>
+                <a:defRPr/>
+              </a:pPr>
+              <a:endParaRPr lang="fr-FR" sz="1350"/>
+            </a:p>
+          </p:txBody>
+        </p:sp>
+        <p:sp>
+          <p:nvSpPr>
+            <p:cNvPr id="69" name="Rectangle 68"/>
+            <p:cNvSpPr/>
+            <p:nvPr/>
+          </p:nvSpPr>
+          <p:spPr>
+            <a:xfrm>
+              <a:off x="10261850" y="5019817"/>
+              <a:ext cx="216000" cy="216000"/>
+            </a:xfrm>
+            <a:prstGeom prst="rect">
+              <a:avLst/>
+            </a:prstGeom>
+            <a:solidFill>
+              <a:schemeClr val="bg1"/>
+            </a:solidFill>
+            <a:ln w="19050">
+              <a:solidFill>
+                <a:schemeClr val="tx1">
+                  <a:lumMod val="75000"/>
+                  <a:lumOff val="25000"/>
+                </a:schemeClr>
+              </a:solidFill>
+            </a:ln>
+          </p:spPr>
+          <p:style>
+            <a:lnRef idx="2">
+              <a:schemeClr val="accent1">
+                <a:shade val="50000"/>
+              </a:schemeClr>
+            </a:lnRef>
+            <a:fillRef idx="1">
+              <a:schemeClr val="accent1"/>
+            </a:fillRef>
+            <a:effectRef idx="0">
+              <a:schemeClr val="accent1"/>
+            </a:effectRef>
+            <a:fontRef idx="minor">
+              <a:schemeClr val="lt1"/>
+            </a:fontRef>
+          </p:style>
+          <p:txBody>
+            <a:bodyPr lIns="0" tIns="0" rIns="0" bIns="0" anchor="ctr"/>
+            <a:lstStyle/>
+            <a:p>
+              <a:pPr marL="0" marR="0" lvl="0" indent="0" algn="ctr" defTabSz="457200" rtl="0" eaLnBrk="1" fontAlgn="auto" latinLnBrk="0" hangingPunct="1">
+                <a:lnSpc>
+                  <a:spcPct val="100000"/>
+                </a:lnSpc>
+                <a:spcBef>
+                  <a:spcPts val="0"/>
+                </a:spcBef>
+                <a:spcAft>
+                  <a:spcPts val="0"/>
+                </a:spcAft>
+                <a:buClrTx/>
+                <a:buSzTx/>
+                <a:buFontTx/>
+                <a:buNone/>
+                <a:tabLst/>
+                <a:defRPr/>
+              </a:pPr>
+              <a:endParaRPr kumimoji="0" lang="fr-FR" sz="1100" b="1" i="0" u="none" strike="noStrike" kern="1200" cap="none" spc="0" normalizeH="0" baseline="0" noProof="0">
+                <a:ln>
+                  <a:noFill/>
+                </a:ln>
+                <a:solidFill>
+                  <a:srgbClr val="000000"/>
+                </a:solidFill>
+                <a:effectLst/>
+                <a:uLnTx/>
+                <a:uFillTx/>
+                <a:latin typeface="Calibri" panose="020F0502020204030204" pitchFamily="34" charset="0"/>
+                <a:ea typeface="+mn-ea"/>
+                <a:cs typeface="+mn-cs"/>
+              </a:endParaRPr>
+            </a:p>
+          </p:txBody>
+        </p:sp>
+        <p:sp>
+          <p:nvSpPr>
+            <p:cNvPr id="73" name="Rectangle 72"/>
+            <p:cNvSpPr/>
+            <p:nvPr/>
+          </p:nvSpPr>
+          <p:spPr>
+            <a:xfrm>
+              <a:off x="9474046" y="5019817"/>
+              <a:ext cx="216000" cy="216000"/>
+            </a:xfrm>
+            <a:prstGeom prst="rect">
+              <a:avLst/>
+            </a:prstGeom>
+            <a:solidFill>
+              <a:schemeClr val="bg1"/>
+            </a:solidFill>
+            <a:ln w="19050">
+              <a:solidFill>
+                <a:schemeClr val="tx1">
+                  <a:lumMod val="75000"/>
+                  <a:lumOff val="25000"/>
+                </a:schemeClr>
+              </a:solidFill>
+            </a:ln>
+          </p:spPr>
+          <p:style>
+            <a:lnRef idx="2">
+              <a:schemeClr val="accent1">
+                <a:shade val="50000"/>
+              </a:schemeClr>
+            </a:lnRef>
+            <a:fillRef idx="1">
+              <a:schemeClr val="accent1"/>
+            </a:fillRef>
+            <a:effectRef idx="0">
+              <a:schemeClr val="accent1"/>
+            </a:effectRef>
+            <a:fontRef idx="minor">
+              <a:schemeClr val="lt1"/>
+            </a:fontRef>
+          </p:style>
+          <p:txBody>
+            <a:bodyPr lIns="0" tIns="0" rIns="0" bIns="0" anchor="ctr"/>
+            <a:lstStyle/>
+            <a:p>
+              <a:pPr marL="0" marR="0" lvl="0" indent="0" algn="ctr" defTabSz="457200" rtl="0" eaLnBrk="1" fontAlgn="auto" latinLnBrk="0" hangingPunct="1">
+                <a:lnSpc>
+                  <a:spcPct val="100000"/>
+                </a:lnSpc>
+                <a:spcBef>
+                  <a:spcPts val="0"/>
+                </a:spcBef>
+                <a:spcAft>
+                  <a:spcPts val="0"/>
+                </a:spcAft>
+                <a:buClrTx/>
+                <a:buSzTx/>
+                <a:buFontTx/>
+                <a:buNone/>
+                <a:tabLst/>
+                <a:defRPr/>
+              </a:pPr>
+              <a:r>
+                <a:rPr kumimoji="0" lang="fr-FR" sz="1100" b="1" i="0" u="none" strike="noStrike" kern="1200" cap="none" spc="0" normalizeH="0" baseline="0" noProof="0" dirty="0">
+                  <a:ln>
+                    <a:noFill/>
+                  </a:ln>
+                  <a:solidFill>
+                    <a:srgbClr val="000000"/>
+                  </a:solidFill>
+                  <a:effectLst/>
+                  <a:uLnTx/>
+                  <a:uFillTx/>
+                  <a:latin typeface="Calibri" panose="020F0502020204030204" pitchFamily="34" charset="0"/>
+                  <a:ea typeface="+mn-ea"/>
+                  <a:cs typeface="+mn-cs"/>
+                </a:rPr>
+                <a:t>x</a:t>
+              </a:r>
+            </a:p>
+          </p:txBody>
+        </p:sp>
+        <p:sp>
+          <p:nvSpPr>
+            <p:cNvPr id="74" name="Rectangle 73"/>
+            <p:cNvSpPr/>
+            <p:nvPr/>
+          </p:nvSpPr>
+          <p:spPr>
+            <a:xfrm>
+              <a:off x="11055478" y="5019817"/>
+              <a:ext cx="216000" cy="216000"/>
+            </a:xfrm>
+            <a:prstGeom prst="rect">
+              <a:avLst/>
+            </a:prstGeom>
+            <a:solidFill>
+              <a:schemeClr val="bg1"/>
+            </a:solidFill>
+            <a:ln w="19050">
+              <a:solidFill>
+                <a:schemeClr val="tx1">
+                  <a:lumMod val="75000"/>
+                  <a:lumOff val="25000"/>
+                </a:schemeClr>
+              </a:solidFill>
+            </a:ln>
+          </p:spPr>
+          <p:style>
+            <a:lnRef idx="2">
+              <a:schemeClr val="accent1">
+                <a:shade val="50000"/>
+              </a:schemeClr>
+            </a:lnRef>
+            <a:fillRef idx="1">
+              <a:schemeClr val="accent1"/>
+            </a:fillRef>
+            <a:effectRef idx="0">
+              <a:schemeClr val="accent1"/>
+            </a:effectRef>
+            <a:fontRef idx="minor">
+              <a:schemeClr val="lt1"/>
+            </a:fontRef>
+          </p:style>
+          <p:txBody>
+            <a:bodyPr lIns="0" tIns="0" rIns="0" bIns="0" anchor="ctr"/>
+            <a:lstStyle/>
+            <a:p>
+              <a:pPr marL="0" marR="0" lvl="0" indent="0" algn="ctr" defTabSz="457200" rtl="0" eaLnBrk="1" fontAlgn="auto" latinLnBrk="0" hangingPunct="1">
+                <a:lnSpc>
+                  <a:spcPct val="100000"/>
+                </a:lnSpc>
+                <a:spcBef>
+                  <a:spcPts val="0"/>
+                </a:spcBef>
+                <a:spcAft>
+                  <a:spcPts val="0"/>
+                </a:spcAft>
+                <a:buClrTx/>
+                <a:buSzTx/>
+                <a:buFontTx/>
+                <a:buNone/>
+                <a:tabLst/>
+                <a:defRPr/>
+              </a:pPr>
+              <a:endParaRPr kumimoji="0" lang="fr-FR" sz="1100" b="1" i="0" u="none" strike="noStrike" kern="1200" cap="none" spc="0" normalizeH="0" baseline="0" noProof="0">
+                <a:ln>
+                  <a:noFill/>
+                </a:ln>
+                <a:solidFill>
+                  <a:srgbClr val="000000"/>
+                </a:solidFill>
+                <a:effectLst/>
+                <a:uLnTx/>
+                <a:uFillTx/>
+                <a:latin typeface="Calibri" panose="020F0502020204030204" pitchFamily="34" charset="0"/>
+                <a:ea typeface="+mn-ea"/>
+                <a:cs typeface="+mn-cs"/>
+              </a:endParaRPr>
+            </a:p>
+          </p:txBody>
+        </p:sp>
+      </p:grpSp>
+      <p:grpSp>
+        <p:nvGrpSpPr>
+          <p:cNvPr id="75" name="Group 74"/>
+          <p:cNvGrpSpPr/>
+          <p:nvPr/>
+        </p:nvGrpSpPr>
+        <p:grpSpPr>
+          <a:xfrm>
+            <a:off x="9190195" y="6392461"/>
+            <a:ext cx="2369980" cy="216000"/>
+            <a:chOff x="9190195" y="5019817"/>
+            <a:chExt cx="2369980" cy="216000"/>
+          </a:xfrm>
+        </p:grpSpPr>
+        <p:sp>
+          <p:nvSpPr>
+            <p:cNvPr id="80" name="Rectangle à coins arrondis 34"/>
+            <p:cNvSpPr/>
+            <p:nvPr/>
+          </p:nvSpPr>
+          <p:spPr>
+            <a:xfrm>
+              <a:off x="9190195" y="5058496"/>
+              <a:ext cx="2369980" cy="138643"/>
+            </a:xfrm>
+            <a:prstGeom prst="roundRect">
+              <a:avLst>
+                <a:gd name="adj" fmla="val 50000"/>
+              </a:avLst>
+            </a:prstGeom>
+            <a:gradFill flip="none" rotWithShape="1">
+              <a:gsLst>
+                <a:gs pos="0">
+                  <a:schemeClr val="accent6">
+                    <a:lumMod val="50000"/>
+                  </a:schemeClr>
+                </a:gs>
+                <a:gs pos="27000">
+                  <a:schemeClr val="accent6">
+                    <a:lumMod val="75000"/>
+                  </a:schemeClr>
+                </a:gs>
+                <a:gs pos="100000">
+                  <a:schemeClr val="accent6">
+                    <a:lumMod val="20000"/>
+                    <a:lumOff val="80000"/>
+                  </a:schemeClr>
+                </a:gs>
+              </a:gsLst>
+              <a:lin ang="10800000" scaled="1"/>
+              <a:tileRect/>
+            </a:gradFill>
+            <a:ln>
+              <a:solidFill>
+                <a:schemeClr val="accent6">
+                  <a:lumMod val="50000"/>
+                </a:schemeClr>
+              </a:solidFill>
+            </a:ln>
+          </p:spPr>
+          <p:style>
+            <a:lnRef idx="2">
+              <a:schemeClr val="accent1">
+                <a:shade val="50000"/>
+              </a:schemeClr>
+            </a:lnRef>
+            <a:fillRef idx="1">
+              <a:schemeClr val="accent1"/>
+            </a:fillRef>
+            <a:effectRef idx="0">
+              <a:schemeClr val="accent1"/>
+            </a:effectRef>
+            <a:fontRef idx="minor">
+              <a:schemeClr val="lt1"/>
+            </a:fontRef>
+          </p:style>
+          <p:txBody>
+            <a:bodyPr anchor="ctr"/>
+            <a:lstStyle/>
+            <a:p>
+              <a:pPr algn="ctr" eaLnBrk="1" fontAlgn="auto" hangingPunct="1">
+                <a:spcBef>
+                  <a:spcPts val="0"/>
+                </a:spcBef>
+                <a:spcAft>
+                  <a:spcPts val="0"/>
+                </a:spcAft>
+                <a:defRPr/>
+              </a:pPr>
+              <a:endParaRPr lang="fr-FR" sz="1350"/>
+            </a:p>
+          </p:txBody>
+        </p:sp>
+        <p:sp>
+          <p:nvSpPr>
+            <p:cNvPr id="100" name="Rectangle 99"/>
+            <p:cNvSpPr/>
+            <p:nvPr/>
+          </p:nvSpPr>
+          <p:spPr>
+            <a:xfrm>
+              <a:off x="10261850" y="5019817"/>
+              <a:ext cx="216000" cy="216000"/>
+            </a:xfrm>
+            <a:prstGeom prst="rect">
+              <a:avLst/>
+            </a:prstGeom>
+            <a:solidFill>
+              <a:schemeClr val="bg1"/>
+            </a:solidFill>
+            <a:ln w="19050">
+              <a:solidFill>
+                <a:schemeClr val="tx1">
+                  <a:lumMod val="75000"/>
+                  <a:lumOff val="25000"/>
+                </a:schemeClr>
+              </a:solidFill>
+            </a:ln>
+          </p:spPr>
+          <p:style>
+            <a:lnRef idx="2">
+              <a:schemeClr val="accent1">
+                <a:shade val="50000"/>
+              </a:schemeClr>
+            </a:lnRef>
+            <a:fillRef idx="1">
+              <a:schemeClr val="accent1"/>
+            </a:fillRef>
+            <a:effectRef idx="0">
+              <a:schemeClr val="accent1"/>
+            </a:effectRef>
+            <a:fontRef idx="minor">
+              <a:schemeClr val="lt1"/>
+            </a:fontRef>
+          </p:style>
+          <p:txBody>
+            <a:bodyPr lIns="0" tIns="0" rIns="0" bIns="0" anchor="ctr"/>
+            <a:lstStyle/>
+            <a:p>
+              <a:pPr marL="0" marR="0" lvl="0" indent="0" algn="ctr" defTabSz="457200" rtl="0" eaLnBrk="1" fontAlgn="auto" latinLnBrk="0" hangingPunct="1">
+                <a:lnSpc>
+                  <a:spcPct val="100000"/>
+                </a:lnSpc>
+                <a:spcBef>
+                  <a:spcPts val="0"/>
+                </a:spcBef>
+                <a:spcAft>
+                  <a:spcPts val="0"/>
+                </a:spcAft>
+                <a:buClrTx/>
+                <a:buSzTx/>
+                <a:buFontTx/>
+                <a:buNone/>
+                <a:tabLst/>
+                <a:defRPr/>
+              </a:pPr>
+              <a:r>
+                <a:rPr kumimoji="0" lang="fr-FR" sz="1100" b="1" i="0" u="none" strike="noStrike" kern="1200" cap="none" spc="0" normalizeH="0" baseline="0" noProof="0" dirty="0">
+                  <a:ln>
+                    <a:noFill/>
+                  </a:ln>
+                  <a:solidFill>
+                    <a:srgbClr val="000000"/>
+                  </a:solidFill>
+                  <a:effectLst/>
+                  <a:uLnTx/>
+                  <a:uFillTx/>
+                  <a:latin typeface="Calibri" panose="020F0502020204030204" pitchFamily="34" charset="0"/>
+                  <a:ea typeface="+mn-ea"/>
+                  <a:cs typeface="+mn-cs"/>
+                </a:rPr>
+                <a:t>x</a:t>
+              </a:r>
+            </a:p>
+          </p:txBody>
+        </p:sp>
+        <p:sp>
+          <p:nvSpPr>
+            <p:cNvPr id="101" name="Rectangle 100"/>
+            <p:cNvSpPr/>
+            <p:nvPr/>
+          </p:nvSpPr>
+          <p:spPr>
+            <a:xfrm>
+              <a:off x="9474046" y="5019817"/>
+              <a:ext cx="216000" cy="216000"/>
+            </a:xfrm>
+            <a:prstGeom prst="rect">
+              <a:avLst/>
+            </a:prstGeom>
+            <a:solidFill>
+              <a:schemeClr val="bg1"/>
+            </a:solidFill>
+            <a:ln w="19050">
+              <a:solidFill>
+                <a:schemeClr val="tx1">
+                  <a:lumMod val="75000"/>
+                  <a:lumOff val="25000"/>
+                </a:schemeClr>
+              </a:solidFill>
+            </a:ln>
+          </p:spPr>
+          <p:style>
+            <a:lnRef idx="2">
+              <a:schemeClr val="accent1">
+                <a:shade val="50000"/>
+              </a:schemeClr>
+            </a:lnRef>
+            <a:fillRef idx="1">
+              <a:schemeClr val="accent1"/>
+            </a:fillRef>
+            <a:effectRef idx="0">
+              <a:schemeClr val="accent1"/>
+            </a:effectRef>
+            <a:fontRef idx="minor">
+              <a:schemeClr val="lt1"/>
+            </a:fontRef>
+          </p:style>
+          <p:txBody>
+            <a:bodyPr lIns="0" tIns="0" rIns="0" bIns="0" anchor="ctr"/>
+            <a:lstStyle/>
+            <a:p>
+              <a:pPr marL="0" marR="0" lvl="0" indent="0" algn="ctr" defTabSz="457200" rtl="0" eaLnBrk="1" fontAlgn="auto" latinLnBrk="0" hangingPunct="1">
+                <a:lnSpc>
+                  <a:spcPct val="100000"/>
+                </a:lnSpc>
+                <a:spcBef>
+                  <a:spcPts val="0"/>
+                </a:spcBef>
+                <a:spcAft>
+                  <a:spcPts val="0"/>
+                </a:spcAft>
+                <a:buClrTx/>
+                <a:buSzTx/>
+                <a:buFontTx/>
+                <a:buNone/>
+                <a:tabLst/>
+                <a:defRPr/>
+              </a:pPr>
+              <a:endParaRPr kumimoji="0" lang="fr-FR" sz="1100" b="1" i="0" u="none" strike="noStrike" kern="1200" cap="none" spc="0" normalizeH="0" baseline="0" noProof="0">
+                <a:ln>
+                  <a:noFill/>
+                </a:ln>
+                <a:solidFill>
+                  <a:srgbClr val="000000"/>
+                </a:solidFill>
+                <a:effectLst/>
+                <a:uLnTx/>
+                <a:uFillTx/>
+                <a:latin typeface="Calibri" panose="020F0502020204030204" pitchFamily="34" charset="0"/>
+                <a:ea typeface="+mn-ea"/>
+                <a:cs typeface="+mn-cs"/>
+              </a:endParaRPr>
+            </a:p>
+          </p:txBody>
+        </p:sp>
+        <p:sp>
+          <p:nvSpPr>
+            <p:cNvPr id="106" name="Rectangle 105"/>
+            <p:cNvSpPr/>
+            <p:nvPr/>
+          </p:nvSpPr>
+          <p:spPr>
+            <a:xfrm>
+              <a:off x="11055478" y="5019817"/>
+              <a:ext cx="216000" cy="216000"/>
+            </a:xfrm>
+            <a:prstGeom prst="rect">
+              <a:avLst/>
+            </a:prstGeom>
+            <a:solidFill>
+              <a:schemeClr val="bg1"/>
+            </a:solidFill>
+            <a:ln w="19050">
+              <a:solidFill>
+                <a:schemeClr val="tx1">
+                  <a:lumMod val="75000"/>
+                  <a:lumOff val="25000"/>
+                </a:schemeClr>
+              </a:solidFill>
+            </a:ln>
+          </p:spPr>
+          <p:style>
+            <a:lnRef idx="2">
+              <a:schemeClr val="accent1">
+                <a:shade val="50000"/>
+              </a:schemeClr>
+            </a:lnRef>
+            <a:fillRef idx="1">
+              <a:schemeClr val="accent1"/>
+            </a:fillRef>
+            <a:effectRef idx="0">
+              <a:schemeClr val="accent1"/>
+            </a:effectRef>
+            <a:fontRef idx="minor">
+              <a:schemeClr val="lt1"/>
+            </a:fontRef>
+          </p:style>
+          <p:txBody>
+            <a:bodyPr lIns="0" tIns="0" rIns="0" bIns="0" anchor="ctr"/>
+            <a:lstStyle/>
+            <a:p>
+              <a:pPr marL="0" marR="0" lvl="0" indent="0" algn="ctr" defTabSz="457200" rtl="0" eaLnBrk="1" fontAlgn="auto" latinLnBrk="0" hangingPunct="1">
+                <a:lnSpc>
+                  <a:spcPct val="100000"/>
+                </a:lnSpc>
+                <a:spcBef>
+                  <a:spcPts val="0"/>
+                </a:spcBef>
+                <a:spcAft>
+                  <a:spcPts val="0"/>
+                </a:spcAft>
+                <a:buClrTx/>
+                <a:buSzTx/>
+                <a:buFontTx/>
+                <a:buNone/>
+                <a:tabLst/>
+                <a:defRPr/>
+              </a:pPr>
+              <a:endParaRPr kumimoji="0" lang="fr-FR" sz="1100" b="1" i="0" u="none" strike="noStrike" kern="1200" cap="none" spc="0" normalizeH="0" baseline="0" noProof="0">
+                <a:ln>
+                  <a:noFill/>
+                </a:ln>
+                <a:solidFill>
+                  <a:srgbClr val="000000"/>
+                </a:solidFill>
+                <a:effectLst/>
+                <a:uLnTx/>
+                <a:uFillTx/>
+                <a:latin typeface="Calibri" panose="020F0502020204030204" pitchFamily="34" charset="0"/>
+                <a:ea typeface="+mn-ea"/>
+                <a:cs typeface="+mn-cs"/>
+              </a:endParaRPr>
+            </a:p>
+          </p:txBody>
+        </p:sp>
+      </p:grpSp>
+      <p:sp>
+        <p:nvSpPr>
+          <p:cNvPr id="107" name="ZoneTexte 11"/>
+          <p:cNvSpPr txBox="1">
+            <a:spLocks noChangeArrowheads="1"/>
+          </p:cNvSpPr>
+          <p:nvPr/>
+        </p:nvSpPr>
+        <p:spPr bwMode="auto">
+          <a:xfrm>
+            <a:off x="9127350" y="4947493"/>
+            <a:ext cx="577402" cy="261610"/>
+          </a:xfrm>
+          <a:prstGeom prst="rect">
+            <a:avLst/>
+          </a:prstGeom>
+          <a:noFill/>
+          <a:ln>
+            <a:noFill/>
+          </a:ln>
+          <a:extLst>
+            <a:ext uri="{909E8E84-426E-40DD-AFC4-6F175D3DCCD1}">
+              <a14:hiddenFill xmlns:a14="http://schemas.microsoft.com/office/drawing/2010/main">
+                <a:solidFill>
+                  <a:srgbClr val="FFFFFF"/>
+                </a:solidFill>
+              </a14:hiddenFill>
+            </a:ext>
+            <a:ext uri="{91240B29-F687-4F45-9708-019B960494DF}">
+              <a14:hiddenLine xmlns:a14="http://schemas.microsoft.com/office/drawing/2010/main" w="9525">
+                <a:solidFill>
+                  <a:srgbClr val="000000"/>
+                </a:solidFill>
+                <a:miter lim="800000"/>
+                <a:headEnd/>
+                <a:tailEnd/>
+              </a14:hiddenLine>
+            </a:ext>
+          </a:extLst>
+        </p:spPr>
+        <p:txBody>
+          <a:bodyPr wrap="none">
+            <a:spAutoFit/>
+          </a:bodyPr>
+          <a:lstStyle>
+            <a:lvl1pPr>
+              <a:defRPr>
+                <a:solidFill>
+                  <a:schemeClr val="tx1"/>
+                </a:solidFill>
+                <a:latin typeface="Calibri" panose="020F0502020204030204" pitchFamily="34" charset="0"/>
+              </a:defRPr>
+            </a:lvl1pPr>
+            <a:lvl2pPr marL="742950" indent="-285750">
+              <a:defRPr>
+                <a:solidFill>
+                  <a:schemeClr val="tx1"/>
+                </a:solidFill>
+                <a:latin typeface="Calibri" panose="020F0502020204030204" pitchFamily="34" charset="0"/>
+              </a:defRPr>
+            </a:lvl2pPr>
+            <a:lvl3pPr marL="1143000" indent="-228600">
+              <a:defRPr>
+                <a:solidFill>
+                  <a:schemeClr val="tx1"/>
+                </a:solidFill>
+                <a:latin typeface="Calibri" panose="020F0502020204030204" pitchFamily="34" charset="0"/>
+              </a:defRPr>
+            </a:lvl3pPr>
+            <a:lvl4pPr marL="1600200" indent="-228600">
+              <a:defRPr>
+                <a:solidFill>
+                  <a:schemeClr val="tx1"/>
+                </a:solidFill>
+                <a:latin typeface="Calibri" panose="020F0502020204030204" pitchFamily="34" charset="0"/>
+              </a:defRPr>
+            </a:lvl4pPr>
+            <a:lvl5pPr marL="2057400" indent="-228600">
+              <a:defRPr>
+                <a:solidFill>
+                  <a:schemeClr val="tx1"/>
+                </a:solidFill>
+                <a:latin typeface="Calibri" panose="020F0502020204030204" pitchFamily="34" charset="0"/>
+              </a:defRPr>
+            </a:lvl5pPr>
+            <a:lvl6pPr marL="2514600" indent="-228600" eaLnBrk="0" fontAlgn="base" hangingPunct="0">
+              <a:spcBef>
+                <a:spcPct val="0"/>
+              </a:spcBef>
+              <a:spcAft>
+                <a:spcPct val="0"/>
+              </a:spcAft>
+              <a:defRPr>
+                <a:solidFill>
+                  <a:schemeClr val="tx1"/>
+                </a:solidFill>
+                <a:latin typeface="Calibri" panose="020F0502020204030204" pitchFamily="34" charset="0"/>
+              </a:defRPr>
+            </a:lvl6pPr>
+            <a:lvl7pPr marL="2971800" indent="-228600" eaLnBrk="0" fontAlgn="base" hangingPunct="0">
+              <a:spcBef>
+                <a:spcPct val="0"/>
+              </a:spcBef>
+              <a:spcAft>
+                <a:spcPct val="0"/>
+              </a:spcAft>
+              <a:defRPr>
+                <a:solidFill>
+                  <a:schemeClr val="tx1"/>
+                </a:solidFill>
+                <a:latin typeface="Calibri" panose="020F0502020204030204" pitchFamily="34" charset="0"/>
+              </a:defRPr>
+            </a:lvl7pPr>
+            <a:lvl8pPr marL="3429000" indent="-228600" eaLnBrk="0" fontAlgn="base" hangingPunct="0">
+              <a:spcBef>
+                <a:spcPct val="0"/>
+              </a:spcBef>
+              <a:spcAft>
+                <a:spcPct val="0"/>
+              </a:spcAft>
+              <a:defRPr>
+                <a:solidFill>
+                  <a:schemeClr val="tx1"/>
+                </a:solidFill>
+                <a:latin typeface="Calibri" panose="020F0502020204030204" pitchFamily="34" charset="0"/>
+              </a:defRPr>
+            </a:lvl8pPr>
+            <a:lvl9pPr marL="3886200" indent="-228600" eaLnBrk="0" fontAlgn="base" hangingPunct="0">
+              <a:spcBef>
+                <a:spcPct val="0"/>
+              </a:spcBef>
+              <a:spcAft>
+                <a:spcPct val="0"/>
+              </a:spcAft>
+              <a:defRPr>
+                <a:solidFill>
+                  <a:schemeClr val="tx1"/>
+                </a:solidFill>
+                <a:latin typeface="Calibri" panose="020F0502020204030204" pitchFamily="34" charset="0"/>
+              </a:defRPr>
+            </a:lvl9pPr>
+          </a:lstStyle>
+          <a:p>
+            <a:pPr eaLnBrk="1" fontAlgn="auto" hangingPunct="1">
+              <a:spcBef>
+                <a:spcPts val="0"/>
+              </a:spcBef>
+              <a:spcAft>
+                <a:spcPts val="0"/>
+              </a:spcAft>
+              <a:defRPr/>
+            </a:pPr>
+            <a:r>
+              <a:rPr lang="fr-FR" altLang="fr-FR" sz="1100" b="1"/>
+              <a:t>FAIBLE</a:t>
+            </a:r>
+          </a:p>
+        </p:txBody>
+      </p:sp>
+      <p:sp>
+        <p:nvSpPr>
+          <p:cNvPr id="108" name="ZoneTexte 36"/>
+          <p:cNvSpPr txBox="1">
+            <a:spLocks noChangeArrowheads="1"/>
+          </p:cNvSpPr>
+          <p:nvPr/>
+        </p:nvSpPr>
+        <p:spPr bwMode="auto">
+          <a:xfrm>
+            <a:off x="11123491" y="4947493"/>
+            <a:ext cx="495649" cy="261610"/>
+          </a:xfrm>
+          <a:prstGeom prst="rect">
+            <a:avLst/>
+          </a:prstGeom>
+          <a:noFill/>
+          <a:ln>
+            <a:noFill/>
+          </a:ln>
+          <a:extLst>
+            <a:ext uri="{909E8E84-426E-40DD-AFC4-6F175D3DCCD1}">
+              <a14:hiddenFill xmlns:a14="http://schemas.microsoft.com/office/drawing/2010/main">
+                <a:solidFill>
+                  <a:srgbClr val="FFFFFF"/>
+                </a:solidFill>
+              </a14:hiddenFill>
+            </a:ext>
+            <a:ext uri="{91240B29-F687-4F45-9708-019B960494DF}">
+              <a14:hiddenLine xmlns:a14="http://schemas.microsoft.com/office/drawing/2010/main" w="9525">
+                <a:solidFill>
+                  <a:srgbClr val="000000"/>
+                </a:solidFill>
+                <a:miter lim="800000"/>
+                <a:headEnd/>
+                <a:tailEnd/>
+              </a14:hiddenLine>
+            </a:ext>
+          </a:extLst>
+        </p:spPr>
+        <p:txBody>
+          <a:bodyPr wrap="none">
+            <a:spAutoFit/>
+          </a:bodyPr>
+          <a:lstStyle>
+            <a:lvl1pPr>
+              <a:defRPr>
+                <a:solidFill>
+                  <a:schemeClr val="tx1"/>
+                </a:solidFill>
+                <a:latin typeface="Calibri" panose="020F0502020204030204" pitchFamily="34" charset="0"/>
+              </a:defRPr>
+            </a:lvl1pPr>
+            <a:lvl2pPr marL="742950" indent="-285750">
+              <a:defRPr>
+                <a:solidFill>
+                  <a:schemeClr val="tx1"/>
+                </a:solidFill>
+                <a:latin typeface="Calibri" panose="020F0502020204030204" pitchFamily="34" charset="0"/>
+              </a:defRPr>
+            </a:lvl2pPr>
+            <a:lvl3pPr marL="1143000" indent="-228600">
+              <a:defRPr>
+                <a:solidFill>
+                  <a:schemeClr val="tx1"/>
+                </a:solidFill>
+                <a:latin typeface="Calibri" panose="020F0502020204030204" pitchFamily="34" charset="0"/>
+              </a:defRPr>
+            </a:lvl3pPr>
+            <a:lvl4pPr marL="1600200" indent="-228600">
+              <a:defRPr>
+                <a:solidFill>
+                  <a:schemeClr val="tx1"/>
+                </a:solidFill>
+                <a:latin typeface="Calibri" panose="020F0502020204030204" pitchFamily="34" charset="0"/>
+              </a:defRPr>
+            </a:lvl4pPr>
+            <a:lvl5pPr marL="2057400" indent="-228600">
+              <a:defRPr>
+                <a:solidFill>
+                  <a:schemeClr val="tx1"/>
+                </a:solidFill>
+                <a:latin typeface="Calibri" panose="020F0502020204030204" pitchFamily="34" charset="0"/>
+              </a:defRPr>
+            </a:lvl5pPr>
+            <a:lvl6pPr marL="2514600" indent="-228600" eaLnBrk="0" fontAlgn="base" hangingPunct="0">
+              <a:spcBef>
+                <a:spcPct val="0"/>
+              </a:spcBef>
+              <a:spcAft>
+                <a:spcPct val="0"/>
+              </a:spcAft>
+              <a:defRPr>
+                <a:solidFill>
+                  <a:schemeClr val="tx1"/>
+                </a:solidFill>
+                <a:latin typeface="Calibri" panose="020F0502020204030204" pitchFamily="34" charset="0"/>
+              </a:defRPr>
+            </a:lvl6pPr>
+            <a:lvl7pPr marL="2971800" indent="-228600" eaLnBrk="0" fontAlgn="base" hangingPunct="0">
+              <a:spcBef>
+                <a:spcPct val="0"/>
+              </a:spcBef>
+              <a:spcAft>
+                <a:spcPct val="0"/>
+              </a:spcAft>
+              <a:defRPr>
+                <a:solidFill>
+                  <a:schemeClr val="tx1"/>
+                </a:solidFill>
+                <a:latin typeface="Calibri" panose="020F0502020204030204" pitchFamily="34" charset="0"/>
+              </a:defRPr>
+            </a:lvl7pPr>
+            <a:lvl8pPr marL="3429000" indent="-228600" eaLnBrk="0" fontAlgn="base" hangingPunct="0">
+              <a:spcBef>
+                <a:spcPct val="0"/>
+              </a:spcBef>
+              <a:spcAft>
+                <a:spcPct val="0"/>
+              </a:spcAft>
+              <a:defRPr>
+                <a:solidFill>
+                  <a:schemeClr val="tx1"/>
+                </a:solidFill>
+                <a:latin typeface="Calibri" panose="020F0502020204030204" pitchFamily="34" charset="0"/>
+              </a:defRPr>
+            </a:lvl8pPr>
+            <a:lvl9pPr marL="3886200" indent="-228600" eaLnBrk="0" fontAlgn="base" hangingPunct="0">
+              <a:spcBef>
+                <a:spcPct val="0"/>
+              </a:spcBef>
+              <a:spcAft>
+                <a:spcPct val="0"/>
+              </a:spcAft>
+              <a:defRPr>
+                <a:solidFill>
+                  <a:schemeClr val="tx1"/>
+                </a:solidFill>
+                <a:latin typeface="Calibri" panose="020F0502020204030204" pitchFamily="34" charset="0"/>
+              </a:defRPr>
+            </a:lvl9pPr>
+          </a:lstStyle>
+          <a:p>
+            <a:pPr eaLnBrk="1" fontAlgn="auto" hangingPunct="1">
+              <a:spcBef>
+                <a:spcPts val="0"/>
+              </a:spcBef>
+              <a:spcAft>
+                <a:spcPts val="0"/>
+              </a:spcAft>
+              <a:defRPr/>
+            </a:pPr>
+            <a:r>
+              <a:rPr lang="fr-FR" altLang="fr-FR" sz="1100" b="1"/>
+              <a:t>FORT</a:t>
+            </a:r>
+          </a:p>
+        </p:txBody>
+      </p:sp>
+      <p:sp>
+        <p:nvSpPr>
+          <p:cNvPr id="109" name="ZoneTexte 11"/>
+          <p:cNvSpPr txBox="1">
+            <a:spLocks noChangeArrowheads="1"/>
+          </p:cNvSpPr>
+          <p:nvPr/>
+        </p:nvSpPr>
+        <p:spPr bwMode="auto">
+          <a:xfrm>
+            <a:off x="10011972" y="4947493"/>
+            <a:ext cx="730038" cy="261610"/>
+          </a:xfrm>
+          <a:prstGeom prst="rect">
+            <a:avLst/>
+          </a:prstGeom>
+          <a:noFill/>
+          <a:ln>
+            <a:noFill/>
+          </a:ln>
+          <a:extLst>
+            <a:ext uri="{909E8E84-426E-40DD-AFC4-6F175D3DCCD1}">
+              <a14:hiddenFill xmlns:a14="http://schemas.microsoft.com/office/drawing/2010/main">
+                <a:solidFill>
+                  <a:srgbClr val="FFFFFF"/>
+                </a:solidFill>
+              </a14:hiddenFill>
+            </a:ext>
+            <a:ext uri="{91240B29-F687-4F45-9708-019B960494DF}">
+              <a14:hiddenLine xmlns:a14="http://schemas.microsoft.com/office/drawing/2010/main" w="9525">
+                <a:solidFill>
+                  <a:srgbClr val="000000"/>
+                </a:solidFill>
+                <a:miter lim="800000"/>
+                <a:headEnd/>
+                <a:tailEnd/>
+              </a14:hiddenLine>
+            </a:ext>
+          </a:extLst>
+        </p:spPr>
+        <p:txBody>
+          <a:bodyPr wrap="square">
+            <a:spAutoFit/>
+          </a:bodyPr>
+          <a:lstStyle>
+            <a:lvl1pPr>
+              <a:defRPr>
+                <a:solidFill>
+                  <a:schemeClr val="tx1"/>
+                </a:solidFill>
+                <a:latin typeface="Calibri" panose="020F0502020204030204" pitchFamily="34" charset="0"/>
+              </a:defRPr>
+            </a:lvl1pPr>
+            <a:lvl2pPr marL="742950" indent="-285750">
+              <a:defRPr>
+                <a:solidFill>
+                  <a:schemeClr val="tx1"/>
+                </a:solidFill>
+                <a:latin typeface="Calibri" panose="020F0502020204030204" pitchFamily="34" charset="0"/>
+              </a:defRPr>
+            </a:lvl2pPr>
+            <a:lvl3pPr marL="1143000" indent="-228600">
+              <a:defRPr>
+                <a:solidFill>
+                  <a:schemeClr val="tx1"/>
+                </a:solidFill>
+                <a:latin typeface="Calibri" panose="020F0502020204030204" pitchFamily="34" charset="0"/>
+              </a:defRPr>
+            </a:lvl3pPr>
+            <a:lvl4pPr marL="1600200" indent="-228600">
+              <a:defRPr>
+                <a:solidFill>
+                  <a:schemeClr val="tx1"/>
+                </a:solidFill>
+                <a:latin typeface="Calibri" panose="020F0502020204030204" pitchFamily="34" charset="0"/>
+              </a:defRPr>
+            </a:lvl4pPr>
+            <a:lvl5pPr marL="2057400" indent="-228600">
+              <a:defRPr>
+                <a:solidFill>
+                  <a:schemeClr val="tx1"/>
+                </a:solidFill>
+                <a:latin typeface="Calibri" panose="020F0502020204030204" pitchFamily="34" charset="0"/>
+              </a:defRPr>
+            </a:lvl5pPr>
+            <a:lvl6pPr marL="2514600" indent="-228600" eaLnBrk="0" fontAlgn="base" hangingPunct="0">
+              <a:spcBef>
+                <a:spcPct val="0"/>
+              </a:spcBef>
+              <a:spcAft>
+                <a:spcPct val="0"/>
+              </a:spcAft>
+              <a:defRPr>
+                <a:solidFill>
+                  <a:schemeClr val="tx1"/>
+                </a:solidFill>
+                <a:latin typeface="Calibri" panose="020F0502020204030204" pitchFamily="34" charset="0"/>
+              </a:defRPr>
+            </a:lvl6pPr>
+            <a:lvl7pPr marL="2971800" indent="-228600" eaLnBrk="0" fontAlgn="base" hangingPunct="0">
+              <a:spcBef>
+                <a:spcPct val="0"/>
+              </a:spcBef>
+              <a:spcAft>
+                <a:spcPct val="0"/>
+              </a:spcAft>
+              <a:defRPr>
+                <a:solidFill>
+                  <a:schemeClr val="tx1"/>
+                </a:solidFill>
+                <a:latin typeface="Calibri" panose="020F0502020204030204" pitchFamily="34" charset="0"/>
+              </a:defRPr>
+            </a:lvl7pPr>
+            <a:lvl8pPr marL="3429000" indent="-228600" eaLnBrk="0" fontAlgn="base" hangingPunct="0">
+              <a:spcBef>
+                <a:spcPct val="0"/>
+              </a:spcBef>
+              <a:spcAft>
+                <a:spcPct val="0"/>
+              </a:spcAft>
+              <a:defRPr>
+                <a:solidFill>
+                  <a:schemeClr val="tx1"/>
+                </a:solidFill>
+                <a:latin typeface="Calibri" panose="020F0502020204030204" pitchFamily="34" charset="0"/>
+              </a:defRPr>
+            </a:lvl8pPr>
+            <a:lvl9pPr marL="3886200" indent="-228600" eaLnBrk="0" fontAlgn="base" hangingPunct="0">
+              <a:spcBef>
+                <a:spcPct val="0"/>
+              </a:spcBef>
+              <a:spcAft>
+                <a:spcPct val="0"/>
+              </a:spcAft>
+              <a:defRPr>
+                <a:solidFill>
+                  <a:schemeClr val="tx1"/>
+                </a:solidFill>
+                <a:latin typeface="Calibri" panose="020F0502020204030204" pitchFamily="34" charset="0"/>
+              </a:defRPr>
+            </a:lvl9pPr>
+          </a:lstStyle>
+          <a:p>
+            <a:pPr algn="ctr" eaLnBrk="1" fontAlgn="auto" hangingPunct="1">
+              <a:spcBef>
+                <a:spcPts val="0"/>
+              </a:spcBef>
+              <a:spcAft>
+                <a:spcPts val="0"/>
+              </a:spcAft>
+              <a:defRPr/>
+            </a:pPr>
+            <a:r>
+              <a:rPr lang="fr-FR" altLang="fr-FR" sz="1100" b="1"/>
+              <a:t>MODÉRÉ</a:t>
+            </a:r>
+          </a:p>
+        </p:txBody>
+      </p:sp>
+      <p:sp>
+        <p:nvSpPr>
+          <p:cNvPr id="110" name="ZoneTexte 28"/>
+          <p:cNvSpPr txBox="1">
+            <a:spLocks noChangeArrowheads="1"/>
+          </p:cNvSpPr>
+          <p:nvPr/>
+        </p:nvSpPr>
+        <p:spPr bwMode="auto">
+          <a:xfrm>
+            <a:off x="6367121" y="4323545"/>
+            <a:ext cx="5414733" cy="430887"/>
+          </a:xfrm>
+          <a:prstGeom prst="rect">
+            <a:avLst/>
+          </a:prstGeom>
+          <a:noFill/>
+          <a:ln>
+            <a:noFill/>
+          </a:ln>
+          <a:extLst>
+            <a:ext uri="{909E8E84-426E-40DD-AFC4-6F175D3DCCD1}">
+              <a14:hiddenFill xmlns:a14="http://schemas.microsoft.com/office/drawing/2010/main">
+                <a:solidFill>
+                  <a:srgbClr val="FFFFFF"/>
+                </a:solidFill>
+              </a14:hiddenFill>
+            </a:ext>
+            <a:ext uri="{91240B29-F687-4F45-9708-019B960494DF}">
+              <a14:hiddenLine xmlns:a14="http://schemas.microsoft.com/office/drawing/2010/main" w="9525">
+                <a:solidFill>
+                  <a:srgbClr val="000000"/>
+                </a:solidFill>
+                <a:miter lim="800000"/>
+                <a:headEnd/>
+                <a:tailEnd/>
+              </a14:hiddenLine>
+            </a:ext>
+          </a:extLst>
+        </p:spPr>
+        <p:txBody>
+          <a:bodyPr wrap="square">
+            <a:spAutoFit/>
+          </a:bodyPr>
+          <a:lstStyle>
+            <a:lvl1pPr>
+              <a:defRPr>
+                <a:solidFill>
+                  <a:schemeClr val="tx1"/>
+                </a:solidFill>
+                <a:latin typeface="Calibri" panose="020F0502020204030204" pitchFamily="34" charset="0"/>
+              </a:defRPr>
+            </a:lvl1pPr>
+            <a:lvl2pPr marL="742950" indent="-285750">
+              <a:defRPr>
+                <a:solidFill>
+                  <a:schemeClr val="tx1"/>
+                </a:solidFill>
+                <a:latin typeface="Calibri" panose="020F0502020204030204" pitchFamily="34" charset="0"/>
+              </a:defRPr>
+            </a:lvl2pPr>
+            <a:lvl3pPr marL="1143000" indent="-228600">
+              <a:defRPr>
+                <a:solidFill>
+                  <a:schemeClr val="tx1"/>
+                </a:solidFill>
+                <a:latin typeface="Calibri" panose="020F0502020204030204" pitchFamily="34" charset="0"/>
+              </a:defRPr>
+            </a:lvl3pPr>
+            <a:lvl4pPr marL="1600200" indent="-228600">
+              <a:defRPr>
+                <a:solidFill>
+                  <a:schemeClr val="tx1"/>
+                </a:solidFill>
+                <a:latin typeface="Calibri" panose="020F0502020204030204" pitchFamily="34" charset="0"/>
+              </a:defRPr>
+            </a:lvl4pPr>
+            <a:lvl5pPr marL="2057400" indent="-228600">
+              <a:defRPr>
+                <a:solidFill>
+                  <a:schemeClr val="tx1"/>
+                </a:solidFill>
+                <a:latin typeface="Calibri" panose="020F0502020204030204" pitchFamily="34" charset="0"/>
+              </a:defRPr>
+            </a:lvl5pPr>
+            <a:lvl6pPr marL="2514600" indent="-228600" eaLnBrk="0" fontAlgn="base" hangingPunct="0">
+              <a:spcBef>
+                <a:spcPct val="0"/>
+              </a:spcBef>
+              <a:spcAft>
+                <a:spcPct val="0"/>
+              </a:spcAft>
+              <a:defRPr>
+                <a:solidFill>
+                  <a:schemeClr val="tx1"/>
+                </a:solidFill>
+                <a:latin typeface="Calibri" panose="020F0502020204030204" pitchFamily="34" charset="0"/>
+              </a:defRPr>
+            </a:lvl6pPr>
+            <a:lvl7pPr marL="2971800" indent="-228600" eaLnBrk="0" fontAlgn="base" hangingPunct="0">
+              <a:spcBef>
+                <a:spcPct val="0"/>
+              </a:spcBef>
+              <a:spcAft>
+                <a:spcPct val="0"/>
+              </a:spcAft>
+              <a:defRPr>
+                <a:solidFill>
+                  <a:schemeClr val="tx1"/>
+                </a:solidFill>
+                <a:latin typeface="Calibri" panose="020F0502020204030204" pitchFamily="34" charset="0"/>
+              </a:defRPr>
+            </a:lvl7pPr>
+            <a:lvl8pPr marL="3429000" indent="-228600" eaLnBrk="0" fontAlgn="base" hangingPunct="0">
+              <a:spcBef>
+                <a:spcPct val="0"/>
+              </a:spcBef>
+              <a:spcAft>
+                <a:spcPct val="0"/>
+              </a:spcAft>
+              <a:defRPr>
+                <a:solidFill>
+                  <a:schemeClr val="tx1"/>
+                </a:solidFill>
+                <a:latin typeface="Calibri" panose="020F0502020204030204" pitchFamily="34" charset="0"/>
+              </a:defRPr>
+            </a:lvl8pPr>
+            <a:lvl9pPr marL="3886200" indent="-228600" eaLnBrk="0" fontAlgn="base" hangingPunct="0">
+              <a:spcBef>
+                <a:spcPct val="0"/>
+              </a:spcBef>
+              <a:spcAft>
+                <a:spcPct val="0"/>
+              </a:spcAft>
+              <a:defRPr>
+                <a:solidFill>
+                  <a:schemeClr val="tx1"/>
+                </a:solidFill>
+                <a:latin typeface="Calibri" panose="020F0502020204030204" pitchFamily="34" charset="0"/>
+              </a:defRPr>
+            </a:lvl9pPr>
+          </a:lstStyle>
+          <a:p>
+            <a:pPr>
+              <a:defRPr/>
+            </a:pPr>
+            <a:r>
+              <a:rPr lang="fr-FR" sz="1100" b="1">
+                <a:latin typeface="Segoe UI" panose="020B0502040204020203" pitchFamily="34" charset="0"/>
+                <a:cs typeface="Segoe UI" panose="020B0502040204020203" pitchFamily="34" charset="0"/>
+              </a:rPr>
+              <a:t>MODÈLE SIMPLIFIÉ D’ÉTUDE DE LA VALEUR</a:t>
+            </a:r>
+          </a:p>
+          <a:p>
+            <a:pPr>
+              <a:defRPr/>
+            </a:pPr>
+            <a:r>
+              <a:rPr lang="fr-FR" altLang="fr-FR" sz="1100" i="1"/>
+              <a:t>Source: Méthode d’Analyse et de Remontée de la Valeur 2 (</a:t>
+            </a:r>
+            <a:r>
+              <a:rPr lang="fr-FR" altLang="fr-FR" sz="1100" i="1">
+                <a:hlinkClick r:id="rId2"/>
+              </a:rPr>
+              <a:t>MAREVA 2</a:t>
+            </a:r>
+            <a:r>
+              <a:rPr lang="fr-FR" altLang="fr-FR" sz="1100" i="1"/>
+              <a:t>) </a:t>
+            </a:r>
+            <a:endParaRPr lang="fr-FR" sz="1100" b="1">
+              <a:latin typeface="Segoe UI" panose="020B0502040204020203" pitchFamily="34" charset="0"/>
+              <a:cs typeface="Segoe UI" panose="020B0502040204020203" pitchFamily="34" charset="0"/>
+            </a:endParaRPr>
+          </a:p>
+        </p:txBody>
+      </p:sp>
+      <p:sp>
+        <p:nvSpPr>
+          <p:cNvPr id="70" name="Espace réservé du texte 2"/>
+          <p:cNvSpPr txBox="1">
+            <a:spLocks/>
+          </p:cNvSpPr>
+          <p:nvPr/>
+        </p:nvSpPr>
+        <p:spPr>
+          <a:xfrm>
+            <a:off x="445212" y="1248418"/>
+            <a:ext cx="5436000" cy="2440780"/>
+          </a:xfrm>
+          <a:prstGeom prst="rect">
+            <a:avLst/>
+          </a:prstGeom>
+          <a:ln w="0">
+            <a:solidFill>
+              <a:srgbClr val="000000">
+                <a:lumMod val="65000"/>
+                <a:lumOff val="35000"/>
+              </a:srgbClr>
+            </a:solidFill>
+            <a:prstDash val="sysDot"/>
+          </a:ln>
+        </p:spPr>
+        <p:txBody>
+          <a:bodyPr lIns="91440" tIns="45720" rIns="91440" bIns="45720" anchor="t"/>
+          <a:lstStyle>
+            <a:defPPr>
+              <a:defRPr lang="fr-FR"/>
+            </a:defPPr>
+            <a:lvl1pPr indent="0" defTabSz="514350">
+              <a:lnSpc>
+                <a:spcPct val="90000"/>
+              </a:lnSpc>
+              <a:spcBef>
+                <a:spcPts val="563"/>
+              </a:spcBef>
+              <a:buFont typeface="Arial"/>
+              <a:buNone/>
+              <a:defRPr sz="1050" baseline="0">
+                <a:latin typeface="Segoe UI" panose="020B0502040204020203" pitchFamily="34" charset="0"/>
+                <a:cs typeface="Segoe UI" panose="020B0502040204020203" pitchFamily="34" charset="0"/>
+              </a:defRPr>
+            </a:lvl1pPr>
+            <a:lvl2pPr marL="385763" indent="-128588" defTabSz="514350">
+              <a:lnSpc>
+                <a:spcPct val="90000"/>
+              </a:lnSpc>
+              <a:spcBef>
+                <a:spcPts val="281"/>
+              </a:spcBef>
+              <a:buFont typeface="Arial"/>
+              <a:buChar char="•"/>
+              <a:defRPr sz="1000">
+                <a:latin typeface="Arial" pitchFamily="34" charset="0"/>
+                <a:cs typeface="Arial" pitchFamily="34" charset="0"/>
+              </a:defRPr>
+            </a:lvl2pPr>
+            <a:lvl3pPr marL="642938" indent="-128588" defTabSz="514350">
+              <a:lnSpc>
+                <a:spcPct val="90000"/>
+              </a:lnSpc>
+              <a:spcBef>
+                <a:spcPts val="281"/>
+              </a:spcBef>
+              <a:buFont typeface="Arial"/>
+              <a:buChar char="•"/>
+              <a:defRPr sz="1000">
+                <a:latin typeface="Arial" pitchFamily="34" charset="0"/>
+                <a:cs typeface="Arial" pitchFamily="34" charset="0"/>
+              </a:defRPr>
+            </a:lvl3pPr>
+            <a:lvl4pPr marL="900113" indent="-128588" defTabSz="514350">
+              <a:lnSpc>
+                <a:spcPct val="90000"/>
+              </a:lnSpc>
+              <a:spcBef>
+                <a:spcPts val="281"/>
+              </a:spcBef>
+              <a:buFont typeface="Arial"/>
+              <a:buChar char="•"/>
+              <a:defRPr sz="1000">
+                <a:latin typeface="Arial" pitchFamily="34" charset="0"/>
+                <a:cs typeface="Arial" pitchFamily="34" charset="0"/>
+              </a:defRPr>
+            </a:lvl4pPr>
+            <a:lvl5pPr marL="1157288" indent="-128588" defTabSz="514350">
+              <a:lnSpc>
+                <a:spcPct val="90000"/>
+              </a:lnSpc>
+              <a:spcBef>
+                <a:spcPts val="281"/>
+              </a:spcBef>
+              <a:buFont typeface="Arial"/>
+              <a:buChar char="•"/>
+              <a:defRPr sz="1000">
+                <a:latin typeface="Arial" pitchFamily="34" charset="0"/>
+                <a:cs typeface="Arial" pitchFamily="34" charset="0"/>
+              </a:defRPr>
+            </a:lvl5pPr>
+            <a:lvl6pPr marL="1414463" indent="-128588" defTabSz="514350">
+              <a:lnSpc>
+                <a:spcPct val="90000"/>
+              </a:lnSpc>
+              <a:spcBef>
+                <a:spcPts val="281"/>
+              </a:spcBef>
+              <a:buFont typeface="Arial"/>
+              <a:buChar char="•"/>
+              <a:defRPr sz="1013"/>
+            </a:lvl6pPr>
+            <a:lvl7pPr marL="1671638" indent="-128588" defTabSz="514350">
+              <a:lnSpc>
+                <a:spcPct val="90000"/>
+              </a:lnSpc>
+              <a:spcBef>
+                <a:spcPts val="281"/>
+              </a:spcBef>
+              <a:buFont typeface="Arial"/>
+              <a:buChar char="•"/>
+              <a:defRPr sz="1013"/>
+            </a:lvl7pPr>
+            <a:lvl8pPr marL="1928813" indent="-128588" defTabSz="514350">
+              <a:lnSpc>
+                <a:spcPct val="90000"/>
+              </a:lnSpc>
+              <a:spcBef>
+                <a:spcPts val="281"/>
+              </a:spcBef>
+              <a:buFont typeface="Arial"/>
+              <a:buChar char="•"/>
+              <a:defRPr sz="1013"/>
+            </a:lvl8pPr>
+            <a:lvl9pPr marL="2185988" indent="-128588" defTabSz="514350">
+              <a:lnSpc>
+                <a:spcPct val="90000"/>
+              </a:lnSpc>
+              <a:spcBef>
+                <a:spcPts val="281"/>
+              </a:spcBef>
+              <a:buFont typeface="Arial"/>
+              <a:buChar char="•"/>
+              <a:defRPr sz="1013"/>
+            </a:lvl9pPr>
+          </a:lstStyle>
+          <a:p>
+            <a:r>
+              <a:rPr lang="fr-FR" dirty="0">
+                <a:latin typeface="Segoe UI"/>
+                <a:cs typeface="Segoe UI"/>
+              </a:rPr>
+              <a:t>Créer un programme de reporting automatisé de l’occupation et de la saturation</a:t>
+            </a:r>
+          </a:p>
+          <a:p>
+            <a:r>
+              <a:rPr lang="fr-FR" dirty="0">
+                <a:latin typeface="Segoe UI"/>
+                <a:cs typeface="Segoe UI"/>
+              </a:rPr>
+              <a:t>-des parcs relais TBM</a:t>
+            </a:r>
+          </a:p>
+          <a:p>
+            <a:r>
+              <a:rPr lang="fr-FR" dirty="0">
+                <a:latin typeface="Segoe UI"/>
+                <a:cs typeface="Segoe UI"/>
+              </a:rPr>
+              <a:t>-parkings horaires de BM, par secteurs : hypercentre, centre et périphérie</a:t>
+            </a:r>
+          </a:p>
+          <a:p>
+            <a:r>
+              <a:rPr lang="fr-FR" dirty="0">
+                <a:latin typeface="Segoe UI"/>
+                <a:cs typeface="Segoe UI"/>
+              </a:rPr>
+              <a:t>Ces </a:t>
+            </a:r>
+            <a:r>
+              <a:rPr lang="fr-FR" dirty="0" err="1">
+                <a:latin typeface="Segoe UI"/>
+                <a:cs typeface="Segoe UI"/>
+              </a:rPr>
+              <a:t>reportings</a:t>
+            </a:r>
+            <a:r>
+              <a:rPr lang="fr-FR" dirty="0">
+                <a:latin typeface="Segoe UI"/>
+                <a:cs typeface="Segoe UI"/>
+              </a:rPr>
+              <a:t> permettront de visualiser selon les besoins du moment:</a:t>
+            </a:r>
+          </a:p>
+          <a:p>
+            <a:r>
+              <a:rPr lang="fr-FR" dirty="0">
+                <a:latin typeface="Segoe UI"/>
+                <a:cs typeface="Segoe UI"/>
+              </a:rPr>
+              <a:t>-une courbe d’occupation faisant la moyenne du secteur, </a:t>
+            </a:r>
+          </a:p>
+          <a:p>
+            <a:r>
+              <a:rPr lang="fr-FR" dirty="0">
+                <a:latin typeface="Segoe UI"/>
+                <a:cs typeface="Segoe UI"/>
+              </a:rPr>
+              <a:t>-les courbes d’occupation de chaque site, </a:t>
+            </a:r>
+          </a:p>
+          <a:p>
+            <a:r>
+              <a:rPr lang="fr-FR" dirty="0">
+                <a:latin typeface="Segoe UI"/>
+                <a:cs typeface="Segoe UI"/>
+              </a:rPr>
+              <a:t>-les sites présentant un niveau de saturation supérieur à 90% plus de 3 heures par jour au moins 2 jours par semaine, et les horaires concernés</a:t>
+            </a:r>
+          </a:p>
+          <a:p>
+            <a:r>
+              <a:rPr lang="fr-FR" dirty="0">
+                <a:latin typeface="Segoe UI"/>
+                <a:cs typeface="Segoe UI"/>
+              </a:rPr>
+              <a:t>En donnant aux destinataires la possibilité de cocher la temporalité du reporting: à la semaine, au mois, trimestre, année</a:t>
+            </a:r>
+          </a:p>
+          <a:p>
+            <a:r>
+              <a:rPr lang="fr-FR" dirty="0">
+                <a:latin typeface="Segoe UI"/>
+                <a:cs typeface="Segoe UI"/>
+              </a:rPr>
+              <a:t>Et en faisant apparaître pour chaque site la courbe de la période équivalente de l’année précédente</a:t>
+            </a:r>
+          </a:p>
+        </p:txBody>
+      </p:sp>
+    </p:spTree>
+    <p:extLst>
+      <p:ext uri="{BB962C8B-B14F-4D97-AF65-F5344CB8AC3E}">
+        <p14:creationId xmlns:p14="http://schemas.microsoft.com/office/powerpoint/2010/main" val="3894708903"/>
+      </p:ext>
+    </p:extLst>
+  </p:cSld>
+  <p:clrMapOvr>
+    <a:masterClrMapping/>
+  </p:clrMapOvr>
+</p:sld>
+</file>
+
+<file path=ppt/slides/slide3.xml><?xml version="1.0" encoding="utf-8"?>
+<p:sld xmlns:a="http://schemas.openxmlformats.org/drawingml/2006/main" xmlns:r="http://schemas.openxmlformats.org/officeDocument/2006/relationships" xmlns:p="http://schemas.openxmlformats.org/presentationml/2006/main">
+  <p:cSld>
+    <p:spTree>
+      <p:nvGrpSpPr>
+        <p:cNvPr id="1" name=""/>
+        <p:cNvGrpSpPr/>
+        <p:nvPr/>
+      </p:nvGrpSpPr>
+      <p:grpSpPr>
+        <a:xfrm>
+          <a:off x="0" y="0"/>
+          <a:ext cx="0" cy="0"/>
+          <a:chOff x="0" y="0"/>
+          <a:chExt cx="0" cy="0"/>
+        </a:xfrm>
+      </p:grpSpPr>
+      <p:sp>
+        <p:nvSpPr>
+          <p:cNvPr id="2" name="Titre 1">
             <a:extLst>
               <a:ext uri="{FF2B5EF4-FFF2-40B4-BE49-F238E27FC236}">
-                <a16:creationId xmlns:a16="http://schemas.microsoft.com/office/drawing/2014/main" id="{EB6D4DAD-FE39-40C8-8D32-32C5FFB7EC0A}"/>
+                <a16:creationId xmlns:a16="http://schemas.microsoft.com/office/drawing/2014/main" id="{E198F6F6-22DD-4303-8356-E982F76B7BE5}"/>
               </a:ext>
             </a:extLst>
           </p:cNvPr>
@@ -3359,7 +8923,7 @@
             <a:spLocks noGrp="1"/>
           </p:cNvSpPr>
           <p:nvPr>
-            <p:ph type="subTitle" idx="1"/>
+            <p:ph type="title"/>
           </p:nvPr>
         </p:nvSpPr>
         <p:spPr/>
@@ -3367,14 +8931,544 @@
           <a:bodyPr/>
           <a:lstStyle/>
           <a:p>
-            <a:endParaRPr lang="fr-FR"/>
+            <a:r>
+              <a:rPr lang="fr-FR" dirty="0"/>
+              <a:t>Principe </a:t>
+            </a:r>
+          </a:p>
+        </p:txBody>
+      </p:sp>
+      <p:sp>
+        <p:nvSpPr>
+          <p:cNvPr id="3" name="Espace réservé du contenu 2">
+            <a:extLst>
+              <a:ext uri="{FF2B5EF4-FFF2-40B4-BE49-F238E27FC236}">
+                <a16:creationId xmlns:a16="http://schemas.microsoft.com/office/drawing/2014/main" id="{49B10B6B-F356-43FA-80DA-DBCE62130FDF}"/>
+              </a:ext>
+            </a:extLst>
+          </p:cNvPr>
+          <p:cNvSpPr>
+            <a:spLocks noGrp="1"/>
+          </p:cNvSpPr>
+          <p:nvPr>
+            <p:ph idx="1"/>
+          </p:nvPr>
+        </p:nvSpPr>
+        <p:spPr/>
+        <p:txBody>
+          <a:bodyPr/>
+          <a:lstStyle/>
+          <a:p>
+            <a:r>
+              <a:rPr lang="fr-FR" dirty="0"/>
+              <a:t>2 grands types d’indicateurs : occupation / saturation : futurs onglets principaux de l’appli</a:t>
+            </a:r>
+          </a:p>
+          <a:p>
+            <a:endParaRPr lang="fr-FR" dirty="0"/>
+          </a:p>
+          <a:p>
+            <a:r>
+              <a:rPr lang="fr-FR" dirty="0"/>
+              <a:t>Parc relais vs 3 grands secteurs</a:t>
+            </a:r>
+          </a:p>
+          <a:p>
+            <a:endParaRPr lang="fr-FR" dirty="0"/>
+          </a:p>
+          <a:p>
+            <a:pPr marL="0" indent="0">
+              <a:buNone/>
+            </a:pPr>
+            <a:endParaRPr lang="fr-FR" dirty="0"/>
           </a:p>
         </p:txBody>
       </p:sp>
     </p:spTree>
     <p:extLst>
       <p:ext uri="{BB962C8B-B14F-4D97-AF65-F5344CB8AC3E}">
-        <p14:creationId xmlns:p14="http://schemas.microsoft.com/office/powerpoint/2010/main" val="613575460"/>
+        <p14:creationId xmlns:p14="http://schemas.microsoft.com/office/powerpoint/2010/main" val="262886415"/>
+      </p:ext>
+    </p:extLst>
+  </p:cSld>
+  <p:clrMapOvr>
+    <a:masterClrMapping/>
+  </p:clrMapOvr>
+</p:sld>
+</file>
+
+<file path=ppt/slides/slide4.xml><?xml version="1.0" encoding="utf-8"?>
+<p:sld xmlns:a="http://schemas.openxmlformats.org/drawingml/2006/main" xmlns:r="http://schemas.openxmlformats.org/officeDocument/2006/relationships" xmlns:p="http://schemas.openxmlformats.org/presentationml/2006/main">
+  <p:cSld>
+    <p:spTree>
+      <p:nvGrpSpPr>
+        <p:cNvPr id="1" name=""/>
+        <p:cNvGrpSpPr/>
+        <p:nvPr/>
+      </p:nvGrpSpPr>
+      <p:grpSpPr>
+        <a:xfrm>
+          <a:off x="0" y="0"/>
+          <a:ext cx="0" cy="0"/>
+          <a:chOff x="0" y="0"/>
+          <a:chExt cx="0" cy="0"/>
+        </a:xfrm>
+      </p:grpSpPr>
+      <p:sp>
+        <p:nvSpPr>
+          <p:cNvPr id="2" name="Titre 1">
+            <a:extLst>
+              <a:ext uri="{FF2B5EF4-FFF2-40B4-BE49-F238E27FC236}">
+                <a16:creationId xmlns:a16="http://schemas.microsoft.com/office/drawing/2014/main" id="{E198F6F6-22DD-4303-8356-E982F76B7BE5}"/>
+              </a:ext>
+            </a:extLst>
+          </p:cNvPr>
+          <p:cNvSpPr>
+            <a:spLocks noGrp="1"/>
+          </p:cNvSpPr>
+          <p:nvPr>
+            <p:ph type="title"/>
+          </p:nvPr>
+        </p:nvSpPr>
+        <p:spPr/>
+        <p:txBody>
+          <a:bodyPr/>
+          <a:lstStyle/>
+          <a:p>
+            <a:r>
+              <a:rPr lang="fr-FR" dirty="0"/>
+              <a:t>Occupation</a:t>
+            </a:r>
+          </a:p>
+        </p:txBody>
+      </p:sp>
+      <p:sp>
+        <p:nvSpPr>
+          <p:cNvPr id="3" name="Espace réservé du contenu 2">
+            <a:extLst>
+              <a:ext uri="{FF2B5EF4-FFF2-40B4-BE49-F238E27FC236}">
+                <a16:creationId xmlns:a16="http://schemas.microsoft.com/office/drawing/2014/main" id="{49B10B6B-F356-43FA-80DA-DBCE62130FDF}"/>
+              </a:ext>
+            </a:extLst>
+          </p:cNvPr>
+          <p:cNvSpPr>
+            <a:spLocks noGrp="1"/>
+          </p:cNvSpPr>
+          <p:nvPr>
+            <p:ph idx="1"/>
+          </p:nvPr>
+        </p:nvSpPr>
+        <p:spPr/>
+        <p:txBody>
+          <a:bodyPr>
+            <a:normAutofit fontScale="70000" lnSpcReduction="20000"/>
+          </a:bodyPr>
+          <a:lstStyle/>
+          <a:p>
+            <a:r>
+              <a:rPr lang="fr-FR" dirty="0"/>
+              <a:t>Occupation : 1 courbe moyenne du secteur</a:t>
+            </a:r>
+          </a:p>
+          <a:p>
+            <a:pPr marL="0" indent="0">
+              <a:buNone/>
+            </a:pPr>
+            <a:r>
+              <a:rPr lang="fr-FR" dirty="0"/>
+              <a:t>1 courbe moyenne par parking (encadré par min max)</a:t>
+            </a:r>
+          </a:p>
+          <a:p>
+            <a:pPr marL="0" indent="0">
+              <a:buNone/>
+            </a:pPr>
+            <a:endParaRPr lang="fr-FR" dirty="0"/>
+          </a:p>
+          <a:p>
+            <a:pPr marL="0" indent="0">
+              <a:buNone/>
+            </a:pPr>
+            <a:r>
+              <a:rPr lang="fr-FR" dirty="0"/>
+              <a:t>Graphe simple line, dépend du niveau d’agrégation choisi</a:t>
+            </a:r>
+          </a:p>
+          <a:p>
+            <a:pPr marL="0" indent="0">
+              <a:buNone/>
+            </a:pPr>
+            <a:r>
+              <a:rPr lang="fr-FR" dirty="0"/>
+              <a:t>Agrégation jour : axe des x : date</a:t>
+            </a:r>
+          </a:p>
+          <a:p>
+            <a:pPr marL="0" indent="0">
+              <a:buNone/>
+            </a:pPr>
+            <a:r>
+              <a:rPr lang="fr-FR" dirty="0"/>
+              <a:t>Agrégation semaine : axe des x : semaine</a:t>
+            </a:r>
+          </a:p>
+          <a:p>
+            <a:pPr marL="0" indent="0">
+              <a:buNone/>
+            </a:pPr>
+            <a:r>
+              <a:rPr lang="fr-FR" dirty="0"/>
+              <a:t>Agrégation mois, trimestre, année</a:t>
+            </a:r>
+          </a:p>
+          <a:p>
+            <a:pPr marL="0" indent="0">
+              <a:buNone/>
+            </a:pPr>
+            <a:endParaRPr lang="fr-FR" dirty="0"/>
+          </a:p>
+          <a:p>
+            <a:pPr marL="0" indent="0">
+              <a:buNone/>
+            </a:pPr>
+            <a:r>
+              <a:rPr lang="fr-FR" dirty="0"/>
+              <a:t>-&gt; considérer si dispo la superposition des courbes de l’année précédente sur la période identique</a:t>
+            </a:r>
+          </a:p>
+          <a:p>
+            <a:pPr marL="0" indent="0">
+              <a:buNone/>
+            </a:pPr>
+            <a:r>
+              <a:rPr lang="fr-FR" dirty="0"/>
+              <a:t>Rajouter affinage plage horaire</a:t>
+            </a:r>
+          </a:p>
+          <a:p>
+            <a:pPr marL="0" indent="0">
+              <a:buNone/>
+            </a:pPr>
+            <a:endParaRPr lang="fr-FR" dirty="0"/>
+          </a:p>
+          <a:p>
+            <a:pPr marL="0" indent="0">
+              <a:buNone/>
+            </a:pPr>
+            <a:r>
+              <a:rPr lang="fr-FR" dirty="0"/>
+              <a:t>A priori pas de dataviz des données à la maille horaire</a:t>
+            </a:r>
+          </a:p>
+          <a:p>
+            <a:pPr marL="0" indent="0">
+              <a:buNone/>
+            </a:pPr>
+            <a:endParaRPr lang="fr-FR" dirty="0"/>
+          </a:p>
+          <a:p>
+            <a:pPr marL="0" indent="0">
+              <a:buNone/>
+            </a:pPr>
+            <a:endParaRPr lang="fr-FR" dirty="0"/>
+          </a:p>
+          <a:p>
+            <a:pPr marL="0" indent="0">
+              <a:buNone/>
+            </a:pPr>
+            <a:endParaRPr lang="fr-FR" dirty="0"/>
+          </a:p>
+        </p:txBody>
+      </p:sp>
+    </p:spTree>
+    <p:extLst>
+      <p:ext uri="{BB962C8B-B14F-4D97-AF65-F5344CB8AC3E}">
+        <p14:creationId xmlns:p14="http://schemas.microsoft.com/office/powerpoint/2010/main" val="3142694071"/>
+      </p:ext>
+    </p:extLst>
+  </p:cSld>
+  <p:clrMapOvr>
+    <a:masterClrMapping/>
+  </p:clrMapOvr>
+</p:sld>
+</file>
+
+<file path=ppt/slides/slide5.xml><?xml version="1.0" encoding="utf-8"?>
+<p:sld xmlns:a="http://schemas.openxmlformats.org/drawingml/2006/main" xmlns:r="http://schemas.openxmlformats.org/officeDocument/2006/relationships" xmlns:p="http://schemas.openxmlformats.org/presentationml/2006/main">
+  <p:cSld>
+    <p:spTree>
+      <p:nvGrpSpPr>
+        <p:cNvPr id="1" name=""/>
+        <p:cNvGrpSpPr/>
+        <p:nvPr/>
+      </p:nvGrpSpPr>
+      <p:grpSpPr>
+        <a:xfrm>
+          <a:off x="0" y="0"/>
+          <a:ext cx="0" cy="0"/>
+          <a:chOff x="0" y="0"/>
+          <a:chExt cx="0" cy="0"/>
+        </a:xfrm>
+      </p:grpSpPr>
+      <p:sp>
+        <p:nvSpPr>
+          <p:cNvPr id="2" name="Titre 1">
+            <a:extLst>
+              <a:ext uri="{FF2B5EF4-FFF2-40B4-BE49-F238E27FC236}">
+                <a16:creationId xmlns:a16="http://schemas.microsoft.com/office/drawing/2014/main" id="{E198F6F6-22DD-4303-8356-E982F76B7BE5}"/>
+              </a:ext>
+            </a:extLst>
+          </p:cNvPr>
+          <p:cNvSpPr>
+            <a:spLocks noGrp="1"/>
+          </p:cNvSpPr>
+          <p:nvPr>
+            <p:ph type="title"/>
+          </p:nvPr>
+        </p:nvSpPr>
+        <p:spPr/>
+        <p:txBody>
+          <a:bodyPr/>
+          <a:lstStyle/>
+          <a:p>
+            <a:r>
+              <a:rPr lang="fr-FR" dirty="0"/>
+              <a:t>Saturation</a:t>
+            </a:r>
+          </a:p>
+        </p:txBody>
+      </p:sp>
+      <p:sp>
+        <p:nvSpPr>
+          <p:cNvPr id="3" name="Espace réservé du contenu 2">
+            <a:extLst>
+              <a:ext uri="{FF2B5EF4-FFF2-40B4-BE49-F238E27FC236}">
+                <a16:creationId xmlns:a16="http://schemas.microsoft.com/office/drawing/2014/main" id="{49B10B6B-F356-43FA-80DA-DBCE62130FDF}"/>
+              </a:ext>
+            </a:extLst>
+          </p:cNvPr>
+          <p:cNvSpPr>
+            <a:spLocks noGrp="1"/>
+          </p:cNvSpPr>
+          <p:nvPr>
+            <p:ph idx="1"/>
+          </p:nvPr>
+        </p:nvSpPr>
+        <p:spPr/>
+        <p:txBody>
+          <a:bodyPr>
+            <a:normAutofit fontScale="85000" lnSpcReduction="20000"/>
+          </a:bodyPr>
+          <a:lstStyle/>
+          <a:p>
+            <a:r>
+              <a:rPr lang="fr-FR" dirty="0">
+                <a:latin typeface="Segoe UI"/>
+                <a:cs typeface="Segoe UI"/>
+              </a:rPr>
+              <a:t>les sites présentant un niveau de saturation supérieur à 90% plus de 3 heures par jour au moins 2 jours par semaine, et les horaires concernés</a:t>
+            </a:r>
+          </a:p>
+          <a:p>
+            <a:pPr marL="0" indent="0">
+              <a:buNone/>
+            </a:pPr>
+            <a:endParaRPr lang="fr-FR" dirty="0"/>
+          </a:p>
+          <a:p>
+            <a:pPr marL="0" indent="0">
+              <a:buNone/>
+            </a:pPr>
+            <a:r>
+              <a:rPr lang="fr-FR" dirty="0"/>
+              <a:t>Si plusieurs semaines sélectionnées -&gt; liste le nombre de semaines</a:t>
+            </a:r>
+          </a:p>
+          <a:p>
+            <a:pPr marL="0" indent="0">
+              <a:buNone/>
+            </a:pPr>
+            <a:r>
+              <a:rPr lang="fr-FR" dirty="0"/>
+              <a:t>Que faire quand plus d’une semaine est sélectionnée -&gt; à clarifier</a:t>
+            </a:r>
+          </a:p>
+          <a:p>
+            <a:pPr marL="0" indent="0">
+              <a:buNone/>
+            </a:pPr>
+            <a:endParaRPr lang="fr-FR" dirty="0"/>
+          </a:p>
+          <a:p>
+            <a:pPr marL="0" indent="0">
+              <a:buNone/>
+            </a:pPr>
+            <a:r>
+              <a:rPr lang="fr-FR" dirty="0"/>
+              <a:t>Limites de l’agrégation au niveau horaire sur une période trop importante</a:t>
+            </a:r>
+          </a:p>
+          <a:p>
+            <a:pPr marL="0" indent="0">
+              <a:buNone/>
+            </a:pPr>
+            <a:endParaRPr lang="fr-FR" dirty="0"/>
+          </a:p>
+          <a:p>
+            <a:pPr marL="0" indent="0">
+              <a:buNone/>
+            </a:pPr>
+            <a:r>
+              <a:rPr lang="fr-FR" dirty="0"/>
+              <a:t>Pistes dataviz : </a:t>
+            </a:r>
+          </a:p>
+          <a:p>
+            <a:pPr marL="0" indent="0">
+              <a:buNone/>
+            </a:pPr>
+            <a:r>
+              <a:rPr lang="fr-FR" dirty="0">
+                <a:hlinkClick r:id="rId2"/>
+              </a:rPr>
+              <a:t>https://towardsdatascience.com/time-series-calendar-heatmaps-9f576578fcfe</a:t>
+            </a:r>
+            <a:endParaRPr lang="fr-FR" dirty="0"/>
+          </a:p>
+          <a:p>
+            <a:pPr marL="0" indent="0">
+              <a:buNone/>
+            </a:pPr>
+            <a:r>
+              <a:rPr lang="fr-FR" dirty="0"/>
+              <a:t>https://vietle.info/post/calendarheatmap/</a:t>
+            </a:r>
+          </a:p>
+          <a:p>
+            <a:pPr marL="0" indent="0">
+              <a:buNone/>
+            </a:pPr>
+            <a:endParaRPr lang="fr-FR" dirty="0"/>
+          </a:p>
+          <a:p>
+            <a:pPr marL="0" indent="0">
+              <a:buNone/>
+            </a:pPr>
+            <a:endParaRPr lang="fr-FR" dirty="0"/>
+          </a:p>
+          <a:p>
+            <a:pPr marL="0" indent="0">
+              <a:buNone/>
+            </a:pPr>
+            <a:endParaRPr lang="fr-FR" dirty="0"/>
+          </a:p>
+        </p:txBody>
+      </p:sp>
+    </p:spTree>
+    <p:extLst>
+      <p:ext uri="{BB962C8B-B14F-4D97-AF65-F5344CB8AC3E}">
+        <p14:creationId xmlns:p14="http://schemas.microsoft.com/office/powerpoint/2010/main" val="528808713"/>
+      </p:ext>
+    </p:extLst>
+  </p:cSld>
+  <p:clrMapOvr>
+    <a:masterClrMapping/>
+  </p:clrMapOvr>
+</p:sld>
+</file>
+
+<file path=ppt/slides/slide6.xml><?xml version="1.0" encoding="utf-8"?>
+<p:sld xmlns:a="http://schemas.openxmlformats.org/drawingml/2006/main" xmlns:r="http://schemas.openxmlformats.org/officeDocument/2006/relationships" xmlns:p="http://schemas.openxmlformats.org/presentationml/2006/main">
+  <p:cSld>
+    <p:spTree>
+      <p:nvGrpSpPr>
+        <p:cNvPr id="1" name=""/>
+        <p:cNvGrpSpPr/>
+        <p:nvPr/>
+      </p:nvGrpSpPr>
+      <p:grpSpPr>
+        <a:xfrm>
+          <a:off x="0" y="0"/>
+          <a:ext cx="0" cy="0"/>
+          <a:chOff x="0" y="0"/>
+          <a:chExt cx="0" cy="0"/>
+        </a:xfrm>
+      </p:grpSpPr>
+      <p:sp>
+        <p:nvSpPr>
+          <p:cNvPr id="2" name="Titre 1">
+            <a:extLst>
+              <a:ext uri="{FF2B5EF4-FFF2-40B4-BE49-F238E27FC236}">
+                <a16:creationId xmlns:a16="http://schemas.microsoft.com/office/drawing/2014/main" id="{999A275E-D383-42C6-8D51-D378C1B13346}"/>
+              </a:ext>
+            </a:extLst>
+          </p:cNvPr>
+          <p:cNvSpPr>
+            <a:spLocks noGrp="1"/>
+          </p:cNvSpPr>
+          <p:nvPr>
+            <p:ph type="title"/>
+          </p:nvPr>
+        </p:nvSpPr>
+        <p:spPr/>
+        <p:txBody>
+          <a:bodyPr/>
+          <a:lstStyle/>
+          <a:p>
+            <a:r>
+              <a:rPr lang="fr-FR" dirty="0"/>
+              <a:t>V0</a:t>
+            </a:r>
+          </a:p>
+        </p:txBody>
+      </p:sp>
+      <p:sp>
+        <p:nvSpPr>
+          <p:cNvPr id="3" name="Espace réservé du contenu 2">
+            <a:extLst>
+              <a:ext uri="{FF2B5EF4-FFF2-40B4-BE49-F238E27FC236}">
+                <a16:creationId xmlns:a16="http://schemas.microsoft.com/office/drawing/2014/main" id="{6BD37898-AF33-4BA5-B194-AF20797CF64B}"/>
+              </a:ext>
+            </a:extLst>
+          </p:cNvPr>
+          <p:cNvSpPr>
+            <a:spLocks noGrp="1"/>
+          </p:cNvSpPr>
+          <p:nvPr>
+            <p:ph idx="1"/>
+          </p:nvPr>
+        </p:nvSpPr>
+        <p:spPr/>
+        <p:txBody>
+          <a:bodyPr/>
+          <a:lstStyle/>
+          <a:p>
+            <a:r>
+              <a:rPr lang="fr-FR" dirty="0"/>
+              <a:t>Juste une présentation des graphes potentiels, sur une période de temps très limitées</a:t>
+            </a:r>
+          </a:p>
+          <a:p>
+            <a:endParaRPr lang="fr-FR" dirty="0"/>
+          </a:p>
+          <a:p>
+            <a:r>
+              <a:rPr lang="fr-FR" dirty="0"/>
+              <a:t>¨Pas de JS, pas de peaufinage pour le moment</a:t>
+            </a:r>
+          </a:p>
+          <a:p>
+            <a:endParaRPr lang="fr-FR"/>
+          </a:p>
+          <a:p>
+            <a:endParaRPr lang="fr-FR"/>
+          </a:p>
+        </p:txBody>
+      </p:sp>
+    </p:spTree>
+    <p:extLst>
+      <p:ext uri="{BB962C8B-B14F-4D97-AF65-F5344CB8AC3E}">
+        <p14:creationId xmlns:p14="http://schemas.microsoft.com/office/powerpoint/2010/main" val="2922700120"/>
       </p:ext>
     </p:extLst>
   </p:cSld>

--- a/docs_projet/Maquette app.pptx
+++ b/docs_projet/Maquette app.pptx
@@ -9,8 +9,9 @@
     <p:sldId id="274" r:id="rId3"/>
     <p:sldId id="257" r:id="rId4"/>
     <p:sldId id="275" r:id="rId5"/>
-    <p:sldId id="277" r:id="rId6"/>
-    <p:sldId id="276" r:id="rId7"/>
+    <p:sldId id="278" r:id="rId6"/>
+    <p:sldId id="277" r:id="rId7"/>
+    <p:sldId id="276" r:id="rId8"/>
   </p:sldIdLst>
   <p:sldSz cx="12192000" cy="6858000"/>
   <p:notesSz cx="6858000" cy="9144000"/>
@@ -264,7 +265,7 @@
           <a:p>
             <a:fld id="{7452FE57-4E4A-4E61-9D46-EB0E0F15F3FA}" type="datetimeFigureOut">
               <a:rPr lang="fr-FR" smtClean="0"/>
-              <a:t>25/05/2021</a:t>
+              <a:t>27/05/2021</a:t>
             </a:fld>
             <a:endParaRPr lang="fr-FR"/>
           </a:p>
@@ -462,7 +463,7 @@
           <a:p>
             <a:fld id="{7452FE57-4E4A-4E61-9D46-EB0E0F15F3FA}" type="datetimeFigureOut">
               <a:rPr lang="fr-FR" smtClean="0"/>
-              <a:t>25/05/2021</a:t>
+              <a:t>27/05/2021</a:t>
             </a:fld>
             <a:endParaRPr lang="fr-FR"/>
           </a:p>
@@ -670,7 +671,7 @@
           <a:p>
             <a:fld id="{7452FE57-4E4A-4E61-9D46-EB0E0F15F3FA}" type="datetimeFigureOut">
               <a:rPr lang="fr-FR" smtClean="0"/>
-              <a:t>25/05/2021</a:t>
+              <a:t>27/05/2021</a:t>
             </a:fld>
             <a:endParaRPr lang="fr-FR"/>
           </a:p>
@@ -997,7 +998,7 @@
           <a:p>
             <a:fld id="{7452FE57-4E4A-4E61-9D46-EB0E0F15F3FA}" type="datetimeFigureOut">
               <a:rPr lang="fr-FR" smtClean="0"/>
-              <a:t>25/05/2021</a:t>
+              <a:t>27/05/2021</a:t>
             </a:fld>
             <a:endParaRPr lang="fr-FR"/>
           </a:p>
@@ -1272,7 +1273,7 @@
           <a:p>
             <a:fld id="{7452FE57-4E4A-4E61-9D46-EB0E0F15F3FA}" type="datetimeFigureOut">
               <a:rPr lang="fr-FR" smtClean="0"/>
-              <a:t>25/05/2021</a:t>
+              <a:t>27/05/2021</a:t>
             </a:fld>
             <a:endParaRPr lang="fr-FR"/>
           </a:p>
@@ -1537,7 +1538,7 @@
           <a:p>
             <a:fld id="{7452FE57-4E4A-4E61-9D46-EB0E0F15F3FA}" type="datetimeFigureOut">
               <a:rPr lang="fr-FR" smtClean="0"/>
-              <a:t>25/05/2021</a:t>
+              <a:t>27/05/2021</a:t>
             </a:fld>
             <a:endParaRPr lang="fr-FR"/>
           </a:p>
@@ -1949,7 +1950,7 @@
           <a:p>
             <a:fld id="{7452FE57-4E4A-4E61-9D46-EB0E0F15F3FA}" type="datetimeFigureOut">
               <a:rPr lang="fr-FR" smtClean="0"/>
-              <a:t>25/05/2021</a:t>
+              <a:t>27/05/2021</a:t>
             </a:fld>
             <a:endParaRPr lang="fr-FR"/>
           </a:p>
@@ -2090,7 +2091,7 @@
           <a:p>
             <a:fld id="{7452FE57-4E4A-4E61-9D46-EB0E0F15F3FA}" type="datetimeFigureOut">
               <a:rPr lang="fr-FR" smtClean="0"/>
-              <a:t>25/05/2021</a:t>
+              <a:t>27/05/2021</a:t>
             </a:fld>
             <a:endParaRPr lang="fr-FR"/>
           </a:p>
@@ -2203,7 +2204,7 @@
           <a:p>
             <a:fld id="{7452FE57-4E4A-4E61-9D46-EB0E0F15F3FA}" type="datetimeFigureOut">
               <a:rPr lang="fr-FR" smtClean="0"/>
-              <a:t>25/05/2021</a:t>
+              <a:t>27/05/2021</a:t>
             </a:fld>
             <a:endParaRPr lang="fr-FR"/>
           </a:p>
@@ -2514,7 +2515,7 @@
           <a:p>
             <a:fld id="{7452FE57-4E4A-4E61-9D46-EB0E0F15F3FA}" type="datetimeFigureOut">
               <a:rPr lang="fr-FR" smtClean="0"/>
-              <a:t>25/05/2021</a:t>
+              <a:t>27/05/2021</a:t>
             </a:fld>
             <a:endParaRPr lang="fr-FR"/>
           </a:p>
@@ -2802,7 +2803,7 @@
           <a:p>
             <a:fld id="{7452FE57-4E4A-4E61-9D46-EB0E0F15F3FA}" type="datetimeFigureOut">
               <a:rPr lang="fr-FR" smtClean="0"/>
-              <a:t>25/05/2021</a:t>
+              <a:t>27/05/2021</a:t>
             </a:fld>
             <a:endParaRPr lang="fr-FR"/>
           </a:p>
@@ -3043,7 +3044,7 @@
           <a:p>
             <a:fld id="{7452FE57-4E4A-4E61-9D46-EB0E0F15F3FA}" type="datetimeFigureOut">
               <a:rPr lang="fr-FR" smtClean="0"/>
-              <a:t>25/05/2021</a:t>
+              <a:t>27/05/2021</a:t>
             </a:fld>
             <a:endParaRPr lang="fr-FR"/>
           </a:p>
@@ -9212,6 +9213,806 @@
       </p:grpSpPr>
       <p:sp>
         <p:nvSpPr>
+          <p:cNvPr id="8" name="Rectangle 7">
+            <a:extLst>
+              <a:ext uri="{FF2B5EF4-FFF2-40B4-BE49-F238E27FC236}">
+                <a16:creationId xmlns:a16="http://schemas.microsoft.com/office/drawing/2014/main" id="{DFC72B91-3AB8-4FD2-9D58-12DB5272AFCB}"/>
+              </a:ext>
+            </a:extLst>
+          </p:cNvPr>
+          <p:cNvSpPr/>
+          <p:nvPr/>
+        </p:nvSpPr>
+        <p:spPr>
+          <a:xfrm>
+            <a:off x="192947" y="520117"/>
+            <a:ext cx="1015068" cy="243281"/>
+          </a:xfrm>
+          <a:prstGeom prst="rect">
+            <a:avLst/>
+          </a:prstGeom>
+        </p:spPr>
+        <p:style>
+          <a:lnRef idx="2">
+            <a:schemeClr val="accent1">
+              <a:shade val="50000"/>
+            </a:schemeClr>
+          </a:lnRef>
+          <a:fillRef idx="1">
+            <a:schemeClr val="accent1"/>
+          </a:fillRef>
+          <a:effectRef idx="0">
+            <a:schemeClr val="accent1"/>
+          </a:effectRef>
+          <a:fontRef idx="minor">
+            <a:schemeClr val="lt1"/>
+          </a:fontRef>
+        </p:style>
+        <p:txBody>
+          <a:bodyPr rtlCol="0" anchor="ctr"/>
+          <a:lstStyle/>
+          <a:p>
+            <a:pPr algn="ctr"/>
+            <a:r>
+              <a:rPr lang="fr-FR" sz="1400" dirty="0" err="1"/>
+              <a:t>Debut</a:t>
+            </a:r>
+            <a:endParaRPr lang="fr-FR" sz="1400" dirty="0"/>
+          </a:p>
+        </p:txBody>
+      </p:sp>
+      <p:sp>
+        <p:nvSpPr>
+          <p:cNvPr id="9" name="Rectangle 8">
+            <a:extLst>
+              <a:ext uri="{FF2B5EF4-FFF2-40B4-BE49-F238E27FC236}">
+                <a16:creationId xmlns:a16="http://schemas.microsoft.com/office/drawing/2014/main" id="{1A3F461A-B1ED-4847-B346-8E1DF2AB7261}"/>
+              </a:ext>
+            </a:extLst>
+          </p:cNvPr>
+          <p:cNvSpPr/>
+          <p:nvPr/>
+        </p:nvSpPr>
+        <p:spPr>
+          <a:xfrm>
+            <a:off x="192947" y="946557"/>
+            <a:ext cx="1015068" cy="243281"/>
+          </a:xfrm>
+          <a:prstGeom prst="rect">
+            <a:avLst/>
+          </a:prstGeom>
+        </p:spPr>
+        <p:style>
+          <a:lnRef idx="2">
+            <a:schemeClr val="accent1">
+              <a:shade val="50000"/>
+            </a:schemeClr>
+          </a:lnRef>
+          <a:fillRef idx="1">
+            <a:schemeClr val="accent1"/>
+          </a:fillRef>
+          <a:effectRef idx="0">
+            <a:schemeClr val="accent1"/>
+          </a:effectRef>
+          <a:fontRef idx="minor">
+            <a:schemeClr val="lt1"/>
+          </a:fontRef>
+        </p:style>
+        <p:txBody>
+          <a:bodyPr rtlCol="0" anchor="ctr"/>
+          <a:lstStyle/>
+          <a:p>
+            <a:pPr algn="ctr"/>
+            <a:r>
+              <a:rPr lang="fr-FR" sz="1400" dirty="0"/>
+              <a:t>Fin</a:t>
+            </a:r>
+          </a:p>
+        </p:txBody>
+      </p:sp>
+      <p:sp>
+        <p:nvSpPr>
+          <p:cNvPr id="10" name="Rectangle 9">
+            <a:extLst>
+              <a:ext uri="{FF2B5EF4-FFF2-40B4-BE49-F238E27FC236}">
+                <a16:creationId xmlns:a16="http://schemas.microsoft.com/office/drawing/2014/main" id="{6A152263-FB8D-4900-B8DE-E0220F413374}"/>
+              </a:ext>
+            </a:extLst>
+          </p:cNvPr>
+          <p:cNvSpPr/>
+          <p:nvPr/>
+        </p:nvSpPr>
+        <p:spPr>
+          <a:xfrm>
+            <a:off x="192947" y="1448498"/>
+            <a:ext cx="1015068" cy="243281"/>
+          </a:xfrm>
+          <a:prstGeom prst="rect">
+            <a:avLst/>
+          </a:prstGeom>
+        </p:spPr>
+        <p:style>
+          <a:lnRef idx="2">
+            <a:schemeClr val="accent1">
+              <a:shade val="50000"/>
+            </a:schemeClr>
+          </a:lnRef>
+          <a:fillRef idx="1">
+            <a:schemeClr val="accent1"/>
+          </a:fillRef>
+          <a:effectRef idx="0">
+            <a:schemeClr val="accent1"/>
+          </a:effectRef>
+          <a:fontRef idx="minor">
+            <a:schemeClr val="lt1"/>
+          </a:fontRef>
+        </p:style>
+        <p:txBody>
+          <a:bodyPr rtlCol="0" anchor="ctr"/>
+          <a:lstStyle/>
+          <a:p>
+            <a:pPr algn="ctr"/>
+            <a:r>
+              <a:rPr lang="fr-FR" sz="1400" dirty="0" err="1"/>
+              <a:t>RangeStep</a:t>
+            </a:r>
+            <a:endParaRPr lang="fr-FR" sz="1400" dirty="0"/>
+          </a:p>
+        </p:txBody>
+      </p:sp>
+      <p:sp>
+        <p:nvSpPr>
+          <p:cNvPr id="11" name="Rectangle 10">
+            <a:extLst>
+              <a:ext uri="{FF2B5EF4-FFF2-40B4-BE49-F238E27FC236}">
+                <a16:creationId xmlns:a16="http://schemas.microsoft.com/office/drawing/2014/main" id="{1E60D06C-7706-4EB7-9DEE-611A3F60F174}"/>
+              </a:ext>
+            </a:extLst>
+          </p:cNvPr>
+          <p:cNvSpPr/>
+          <p:nvPr/>
+        </p:nvSpPr>
+        <p:spPr>
+          <a:xfrm>
+            <a:off x="192947" y="1950439"/>
+            <a:ext cx="1015068" cy="243281"/>
+          </a:xfrm>
+          <a:prstGeom prst="rect">
+            <a:avLst/>
+          </a:prstGeom>
+        </p:spPr>
+        <p:style>
+          <a:lnRef idx="2">
+            <a:schemeClr val="accent1">
+              <a:shade val="50000"/>
+            </a:schemeClr>
+          </a:lnRef>
+          <a:fillRef idx="1">
+            <a:schemeClr val="accent1"/>
+          </a:fillRef>
+          <a:effectRef idx="0">
+            <a:schemeClr val="accent1"/>
+          </a:effectRef>
+          <a:fontRef idx="minor">
+            <a:schemeClr val="lt1"/>
+          </a:fontRef>
+        </p:style>
+        <p:txBody>
+          <a:bodyPr rtlCol="0" anchor="ctr"/>
+          <a:lstStyle/>
+          <a:p>
+            <a:pPr algn="ctr"/>
+            <a:r>
+              <a:rPr lang="fr-FR" sz="1400" dirty="0"/>
+              <a:t>Run MAJ</a:t>
+            </a:r>
+          </a:p>
+        </p:txBody>
+      </p:sp>
+      <p:sp>
+        <p:nvSpPr>
+          <p:cNvPr id="12" name="ZoneTexte 11">
+            <a:extLst>
+              <a:ext uri="{FF2B5EF4-FFF2-40B4-BE49-F238E27FC236}">
+                <a16:creationId xmlns:a16="http://schemas.microsoft.com/office/drawing/2014/main" id="{F110BFA3-3603-4DE7-98AC-BAEC8CE681CF}"/>
+              </a:ext>
+            </a:extLst>
+          </p:cNvPr>
+          <p:cNvSpPr txBox="1"/>
+          <p:nvPr/>
+        </p:nvSpPr>
+        <p:spPr>
+          <a:xfrm>
+            <a:off x="2533475" y="402672"/>
+            <a:ext cx="1812022" cy="369332"/>
+          </a:xfrm>
+          <a:prstGeom prst="rect">
+            <a:avLst/>
+          </a:prstGeom>
+          <a:noFill/>
+        </p:spPr>
+        <p:txBody>
+          <a:bodyPr wrap="square" rtlCol="0">
+            <a:spAutoFit/>
+          </a:bodyPr>
+          <a:lstStyle/>
+          <a:p>
+            <a:r>
+              <a:rPr lang="fr-FR" dirty="0"/>
+              <a:t>Relais</a:t>
+            </a:r>
+          </a:p>
+        </p:txBody>
+      </p:sp>
+      <p:sp>
+        <p:nvSpPr>
+          <p:cNvPr id="13" name="ZoneTexte 12">
+            <a:extLst>
+              <a:ext uri="{FF2B5EF4-FFF2-40B4-BE49-F238E27FC236}">
+                <a16:creationId xmlns:a16="http://schemas.microsoft.com/office/drawing/2014/main" id="{851B03D4-1300-4D6A-B5F0-BC833D215789}"/>
+              </a:ext>
+            </a:extLst>
+          </p:cNvPr>
+          <p:cNvSpPr txBox="1"/>
+          <p:nvPr/>
+        </p:nvSpPr>
+        <p:spPr>
+          <a:xfrm>
+            <a:off x="2533475" y="2568430"/>
+            <a:ext cx="1812022" cy="369332"/>
+          </a:xfrm>
+          <a:prstGeom prst="rect">
+            <a:avLst/>
+          </a:prstGeom>
+          <a:noFill/>
+        </p:spPr>
+        <p:txBody>
+          <a:bodyPr wrap="square" rtlCol="0">
+            <a:spAutoFit/>
+          </a:bodyPr>
+          <a:lstStyle/>
+          <a:p>
+            <a:r>
+              <a:rPr lang="fr-FR" dirty="0"/>
+              <a:t>Autres</a:t>
+            </a:r>
+          </a:p>
+        </p:txBody>
+      </p:sp>
+      <p:sp>
+        <p:nvSpPr>
+          <p:cNvPr id="14" name="ZoneTexte 13">
+            <a:extLst>
+              <a:ext uri="{FF2B5EF4-FFF2-40B4-BE49-F238E27FC236}">
+                <a16:creationId xmlns:a16="http://schemas.microsoft.com/office/drawing/2014/main" id="{CEB6564B-DC3B-4D34-905C-76B5955DF5B8}"/>
+              </a:ext>
+            </a:extLst>
+          </p:cNvPr>
+          <p:cNvSpPr txBox="1"/>
+          <p:nvPr/>
+        </p:nvSpPr>
+        <p:spPr>
+          <a:xfrm>
+            <a:off x="2533475" y="2937762"/>
+            <a:ext cx="1812022" cy="369332"/>
+          </a:xfrm>
+          <a:prstGeom prst="rect">
+            <a:avLst/>
+          </a:prstGeom>
+          <a:noFill/>
+        </p:spPr>
+        <p:txBody>
+          <a:bodyPr wrap="square" rtlCol="0">
+            <a:spAutoFit/>
+          </a:bodyPr>
+          <a:lstStyle/>
+          <a:p>
+            <a:r>
+              <a:rPr lang="fr-FR" dirty="0"/>
+              <a:t>Secteur 1 </a:t>
+            </a:r>
+          </a:p>
+        </p:txBody>
+      </p:sp>
+      <p:sp>
+        <p:nvSpPr>
+          <p:cNvPr id="15" name="ZoneTexte 14">
+            <a:extLst>
+              <a:ext uri="{FF2B5EF4-FFF2-40B4-BE49-F238E27FC236}">
+                <a16:creationId xmlns:a16="http://schemas.microsoft.com/office/drawing/2014/main" id="{D7D106BF-AFEC-4FBC-B99F-A276A3988956}"/>
+              </a:ext>
+            </a:extLst>
+          </p:cNvPr>
+          <p:cNvSpPr txBox="1"/>
+          <p:nvPr/>
+        </p:nvSpPr>
+        <p:spPr>
+          <a:xfrm>
+            <a:off x="2533475" y="3996173"/>
+            <a:ext cx="1812022" cy="369332"/>
+          </a:xfrm>
+          <a:prstGeom prst="rect">
+            <a:avLst/>
+          </a:prstGeom>
+          <a:noFill/>
+        </p:spPr>
+        <p:txBody>
+          <a:bodyPr wrap="square" rtlCol="0">
+            <a:spAutoFit/>
+          </a:bodyPr>
+          <a:lstStyle/>
+          <a:p>
+            <a:r>
+              <a:rPr lang="fr-FR" dirty="0"/>
+              <a:t>Secteur 2</a:t>
+            </a:r>
+          </a:p>
+        </p:txBody>
+      </p:sp>
+      <p:sp>
+        <p:nvSpPr>
+          <p:cNvPr id="16" name="ZoneTexte 15">
+            <a:extLst>
+              <a:ext uri="{FF2B5EF4-FFF2-40B4-BE49-F238E27FC236}">
+                <a16:creationId xmlns:a16="http://schemas.microsoft.com/office/drawing/2014/main" id="{88FB246C-B178-42BC-9D1B-8C2AB4A12461}"/>
+              </a:ext>
+            </a:extLst>
+          </p:cNvPr>
+          <p:cNvSpPr txBox="1"/>
+          <p:nvPr/>
+        </p:nvSpPr>
+        <p:spPr>
+          <a:xfrm>
+            <a:off x="2533475" y="4928749"/>
+            <a:ext cx="1812022" cy="369332"/>
+          </a:xfrm>
+          <a:prstGeom prst="rect">
+            <a:avLst/>
+          </a:prstGeom>
+          <a:noFill/>
+        </p:spPr>
+        <p:txBody>
+          <a:bodyPr wrap="square" rtlCol="0">
+            <a:spAutoFit/>
+          </a:bodyPr>
+          <a:lstStyle/>
+          <a:p>
+            <a:r>
+              <a:rPr lang="fr-FR" dirty="0"/>
+              <a:t>Secteur 3</a:t>
+            </a:r>
+          </a:p>
+        </p:txBody>
+      </p:sp>
+      <p:pic>
+        <p:nvPicPr>
+          <p:cNvPr id="1026" name="Picture 2" descr="Creating plots in R using ggplot2 - part 1: line plots">
+            <a:extLst>
+              <a:ext uri="{FF2B5EF4-FFF2-40B4-BE49-F238E27FC236}">
+                <a16:creationId xmlns:a16="http://schemas.microsoft.com/office/drawing/2014/main" id="{831C3A07-5CD2-4504-866F-3812E4C6DBA0}"/>
+              </a:ext>
+            </a:extLst>
+          </p:cNvPr>
+          <p:cNvPicPr>
+            <a:picLocks noChangeAspect="1" noChangeArrowheads="1"/>
+          </p:cNvPicPr>
+          <p:nvPr/>
+        </p:nvPicPr>
+        <p:blipFill>
+          <a:blip r:embed="rId2">
+            <a:extLst>
+              <a:ext uri="{28A0092B-C50C-407E-A947-70E740481C1C}">
+                <a14:useLocalDpi xmlns:a14="http://schemas.microsoft.com/office/drawing/2010/main" val="0"/>
+              </a:ext>
+            </a:extLst>
+          </a:blip>
+          <a:srcRect/>
+          <a:stretch>
+            <a:fillRect/>
+          </a:stretch>
+        </p:blipFill>
+        <p:spPr bwMode="auto">
+          <a:xfrm>
+            <a:off x="2533475" y="848301"/>
+            <a:ext cx="1470677" cy="1225564"/>
+          </a:xfrm>
+          <a:prstGeom prst="rect">
+            <a:avLst/>
+          </a:prstGeom>
+          <a:noFill/>
+          <a:extLst>
+            <a:ext uri="{909E8E84-426E-40DD-AFC4-6F175D3DCCD1}">
+              <a14:hiddenFill xmlns:a14="http://schemas.microsoft.com/office/drawing/2010/main">
+                <a:solidFill>
+                  <a:srgbClr val="FFFFFF"/>
+                </a:solidFill>
+              </a14:hiddenFill>
+            </a:ext>
+          </a:extLst>
+        </p:spPr>
+      </p:pic>
+      <p:pic>
+        <p:nvPicPr>
+          <p:cNvPr id="18" name="Picture 2" descr="Creating plots in R using ggplot2 - part 1: line plots">
+            <a:extLst>
+              <a:ext uri="{FF2B5EF4-FFF2-40B4-BE49-F238E27FC236}">
+                <a16:creationId xmlns:a16="http://schemas.microsoft.com/office/drawing/2014/main" id="{9869AC1E-E488-46F8-A745-94271DBDCA2A}"/>
+              </a:ext>
+            </a:extLst>
+          </p:cNvPr>
+          <p:cNvPicPr>
+            <a:picLocks noChangeAspect="1" noChangeArrowheads="1"/>
+          </p:cNvPicPr>
+          <p:nvPr/>
+        </p:nvPicPr>
+        <p:blipFill>
+          <a:blip r:embed="rId2">
+            <a:extLst>
+              <a:ext uri="{28A0092B-C50C-407E-A947-70E740481C1C}">
+                <a14:useLocalDpi xmlns:a14="http://schemas.microsoft.com/office/drawing/2010/main" val="0"/>
+              </a:ext>
+            </a:extLst>
+          </a:blip>
+          <a:srcRect/>
+          <a:stretch>
+            <a:fillRect/>
+          </a:stretch>
+        </p:blipFill>
+        <p:spPr bwMode="auto">
+          <a:xfrm>
+            <a:off x="2648280" y="3293911"/>
+            <a:ext cx="799031" cy="665859"/>
+          </a:xfrm>
+          <a:prstGeom prst="rect">
+            <a:avLst/>
+          </a:prstGeom>
+          <a:noFill/>
+          <a:extLst>
+            <a:ext uri="{909E8E84-426E-40DD-AFC4-6F175D3DCCD1}">
+              <a14:hiddenFill xmlns:a14="http://schemas.microsoft.com/office/drawing/2010/main">
+                <a:solidFill>
+                  <a:srgbClr val="FFFFFF"/>
+                </a:solidFill>
+              </a14:hiddenFill>
+            </a:ext>
+          </a:extLst>
+        </p:spPr>
+      </p:pic>
+      <p:pic>
+        <p:nvPicPr>
+          <p:cNvPr id="19" name="Picture 2" descr="Creating plots in R using ggplot2 - part 1: line plots">
+            <a:extLst>
+              <a:ext uri="{FF2B5EF4-FFF2-40B4-BE49-F238E27FC236}">
+                <a16:creationId xmlns:a16="http://schemas.microsoft.com/office/drawing/2014/main" id="{EA302B31-C991-4C05-B999-32C2A2A50BEF}"/>
+              </a:ext>
+            </a:extLst>
+          </p:cNvPr>
+          <p:cNvPicPr>
+            <a:picLocks noChangeAspect="1" noChangeArrowheads="1"/>
+          </p:cNvPicPr>
+          <p:nvPr/>
+        </p:nvPicPr>
+        <p:blipFill>
+          <a:blip r:embed="rId2">
+            <a:extLst>
+              <a:ext uri="{28A0092B-C50C-407E-A947-70E740481C1C}">
+                <a14:useLocalDpi xmlns:a14="http://schemas.microsoft.com/office/drawing/2010/main" val="0"/>
+              </a:ext>
+            </a:extLst>
+          </a:blip>
+          <a:srcRect/>
+          <a:stretch>
+            <a:fillRect/>
+          </a:stretch>
+        </p:blipFill>
+        <p:spPr bwMode="auto">
+          <a:xfrm>
+            <a:off x="2634657" y="4358464"/>
+            <a:ext cx="799031" cy="665859"/>
+          </a:xfrm>
+          <a:prstGeom prst="rect">
+            <a:avLst/>
+          </a:prstGeom>
+          <a:noFill/>
+          <a:extLst>
+            <a:ext uri="{909E8E84-426E-40DD-AFC4-6F175D3DCCD1}">
+              <a14:hiddenFill xmlns:a14="http://schemas.microsoft.com/office/drawing/2010/main">
+                <a:solidFill>
+                  <a:srgbClr val="FFFFFF"/>
+                </a:solidFill>
+              </a14:hiddenFill>
+            </a:ext>
+          </a:extLst>
+        </p:spPr>
+      </p:pic>
+      <p:pic>
+        <p:nvPicPr>
+          <p:cNvPr id="20" name="Picture 2" descr="Creating plots in R using ggplot2 - part 1: line plots">
+            <a:extLst>
+              <a:ext uri="{FF2B5EF4-FFF2-40B4-BE49-F238E27FC236}">
+                <a16:creationId xmlns:a16="http://schemas.microsoft.com/office/drawing/2014/main" id="{618C73DD-3CBE-462E-9A37-78903ACC5D65}"/>
+              </a:ext>
+            </a:extLst>
+          </p:cNvPr>
+          <p:cNvPicPr>
+            <a:picLocks noChangeAspect="1" noChangeArrowheads="1"/>
+          </p:cNvPicPr>
+          <p:nvPr/>
+        </p:nvPicPr>
+        <p:blipFill>
+          <a:blip r:embed="rId2">
+            <a:extLst>
+              <a:ext uri="{28A0092B-C50C-407E-A947-70E740481C1C}">
+                <a14:useLocalDpi xmlns:a14="http://schemas.microsoft.com/office/drawing/2010/main" val="0"/>
+              </a:ext>
+            </a:extLst>
+          </a:blip>
+          <a:srcRect/>
+          <a:stretch>
+            <a:fillRect/>
+          </a:stretch>
+        </p:blipFill>
+        <p:spPr bwMode="auto">
+          <a:xfrm>
+            <a:off x="2634656" y="5343840"/>
+            <a:ext cx="799031" cy="665859"/>
+          </a:xfrm>
+          <a:prstGeom prst="rect">
+            <a:avLst/>
+          </a:prstGeom>
+          <a:noFill/>
+          <a:extLst>
+            <a:ext uri="{909E8E84-426E-40DD-AFC4-6F175D3DCCD1}">
+              <a14:hiddenFill xmlns:a14="http://schemas.microsoft.com/office/drawing/2010/main">
+                <a:solidFill>
+                  <a:srgbClr val="FFFFFF"/>
+                </a:solidFill>
+              </a14:hiddenFill>
+            </a:ext>
+          </a:extLst>
+        </p:spPr>
+      </p:pic>
+      <p:sp>
+        <p:nvSpPr>
+          <p:cNvPr id="17" name="ZoneTexte 16">
+            <a:extLst>
+              <a:ext uri="{FF2B5EF4-FFF2-40B4-BE49-F238E27FC236}">
+                <a16:creationId xmlns:a16="http://schemas.microsoft.com/office/drawing/2014/main" id="{BF3B6929-4896-4379-8AA7-C44B5D011EE8}"/>
+              </a:ext>
+            </a:extLst>
+          </p:cNvPr>
+          <p:cNvSpPr txBox="1"/>
+          <p:nvPr/>
+        </p:nvSpPr>
+        <p:spPr>
+          <a:xfrm>
+            <a:off x="4999839" y="326375"/>
+            <a:ext cx="3196205" cy="1477328"/>
+          </a:xfrm>
+          <a:prstGeom prst="rect">
+            <a:avLst/>
+          </a:prstGeom>
+          <a:noFill/>
+        </p:spPr>
+        <p:txBody>
+          <a:bodyPr wrap="square" rtlCol="0">
+            <a:spAutoFit/>
+          </a:bodyPr>
+          <a:lstStyle/>
+          <a:p>
+            <a:r>
+              <a:rPr lang="fr-FR" dirty="0"/>
+              <a:t>Options communes :</a:t>
+            </a:r>
+          </a:p>
+          <a:p>
+            <a:r>
+              <a:rPr lang="fr-FR" dirty="0"/>
+              <a:t>-&gt; afficher la moyenne</a:t>
+            </a:r>
+          </a:p>
+          <a:p>
+            <a:r>
+              <a:rPr lang="fr-FR" dirty="0"/>
+              <a:t>-&gt; afficher valeurs </a:t>
+            </a:r>
+            <a:r>
+              <a:rPr lang="fr-FR" dirty="0" err="1"/>
+              <a:t>indiv</a:t>
+            </a:r>
+            <a:endParaRPr lang="fr-FR" dirty="0"/>
+          </a:p>
+          <a:p>
+            <a:r>
+              <a:rPr lang="fr-FR" dirty="0">
+                <a:sym typeface="Wingdings" panose="05000000000000000000" pitchFamily="2" charset="2"/>
+              </a:rPr>
+              <a:t>-&gt; télécharger graphe / télécharger data</a:t>
+            </a:r>
+            <a:endParaRPr lang="fr-FR" dirty="0"/>
+          </a:p>
+        </p:txBody>
+      </p:sp>
+      <p:sp>
+        <p:nvSpPr>
+          <p:cNvPr id="22" name="ZoneTexte 21">
+            <a:extLst>
+              <a:ext uri="{FF2B5EF4-FFF2-40B4-BE49-F238E27FC236}">
+                <a16:creationId xmlns:a16="http://schemas.microsoft.com/office/drawing/2014/main" id="{E5482766-0288-4C6D-B4D7-159458C3BE2B}"/>
+              </a:ext>
+            </a:extLst>
+          </p:cNvPr>
+          <p:cNvSpPr txBox="1"/>
+          <p:nvPr/>
+        </p:nvSpPr>
+        <p:spPr>
+          <a:xfrm>
+            <a:off x="4999838" y="2568430"/>
+            <a:ext cx="3196205" cy="2585323"/>
+          </a:xfrm>
+          <a:prstGeom prst="rect">
+            <a:avLst/>
+          </a:prstGeom>
+          <a:noFill/>
+        </p:spPr>
+        <p:txBody>
+          <a:bodyPr wrap="square" rtlCol="0">
+            <a:spAutoFit/>
+          </a:bodyPr>
+          <a:lstStyle/>
+          <a:p>
+            <a:r>
+              <a:rPr lang="fr-FR" dirty="0"/>
+              <a:t>Classe R6 « occupation »</a:t>
+            </a:r>
+          </a:p>
+          <a:p>
+            <a:endParaRPr lang="fr-FR" dirty="0"/>
+          </a:p>
+          <a:p>
+            <a:r>
+              <a:rPr lang="fr-FR" dirty="0" err="1"/>
+              <a:t>Methode</a:t>
+            </a:r>
+            <a:r>
+              <a:rPr lang="fr-FR" dirty="0"/>
+              <a:t> récup de données</a:t>
+            </a:r>
+          </a:p>
+          <a:p>
+            <a:pPr marL="285750" indent="-285750">
+              <a:buFontTx/>
+              <a:buChar char="-"/>
+            </a:pPr>
+            <a:r>
+              <a:rPr lang="fr-FR" dirty="0"/>
+              <a:t>Input : début, fin, </a:t>
+            </a:r>
+            <a:r>
+              <a:rPr lang="fr-FR" dirty="0" err="1"/>
+              <a:t>step</a:t>
+            </a:r>
+            <a:endParaRPr lang="fr-FR" dirty="0"/>
+          </a:p>
+          <a:p>
+            <a:endParaRPr lang="fr-FR" dirty="0"/>
+          </a:p>
+          <a:p>
+            <a:r>
+              <a:rPr lang="fr-FR" dirty="0"/>
+              <a:t>Méthode plot</a:t>
+            </a:r>
+          </a:p>
+          <a:p>
+            <a:endParaRPr lang="fr-FR" dirty="0"/>
+          </a:p>
+          <a:p>
+            <a:r>
+              <a:rPr lang="fr-FR" dirty="0"/>
+              <a:t>Méthode tableau</a:t>
+            </a:r>
+          </a:p>
+          <a:p>
+            <a:endParaRPr lang="fr-FR" dirty="0"/>
+          </a:p>
+        </p:txBody>
+      </p:sp>
+      <p:sp>
+        <p:nvSpPr>
+          <p:cNvPr id="24" name="ZoneTexte 23">
+            <a:extLst>
+              <a:ext uri="{FF2B5EF4-FFF2-40B4-BE49-F238E27FC236}">
+                <a16:creationId xmlns:a16="http://schemas.microsoft.com/office/drawing/2014/main" id="{398CA8A9-6FAC-46DF-BB5B-72C8F69694E5}"/>
+              </a:ext>
+            </a:extLst>
+          </p:cNvPr>
+          <p:cNvSpPr txBox="1"/>
+          <p:nvPr/>
+        </p:nvSpPr>
+        <p:spPr>
+          <a:xfrm>
+            <a:off x="8516224" y="2528092"/>
+            <a:ext cx="3196205" cy="2585323"/>
+          </a:xfrm>
+          <a:prstGeom prst="rect">
+            <a:avLst/>
+          </a:prstGeom>
+          <a:noFill/>
+        </p:spPr>
+        <p:txBody>
+          <a:bodyPr wrap="square" rtlCol="0">
+            <a:spAutoFit/>
+          </a:bodyPr>
+          <a:lstStyle/>
+          <a:p>
+            <a:r>
+              <a:rPr lang="fr-FR" dirty="0"/>
+              <a:t>Dans un module « occupation » on va créer 4 instances de classes R6 (R6 relais, R6 secteur 1 ….)</a:t>
+            </a:r>
+          </a:p>
+          <a:p>
+            <a:r>
+              <a:rPr lang="fr-FR" dirty="0"/>
+              <a:t>Et appeler ensuite </a:t>
+            </a:r>
+            <a:r>
+              <a:rPr lang="fr-FR" dirty="0" err="1"/>
+              <a:t>module_recup_donnees</a:t>
+            </a:r>
+            <a:r>
+              <a:rPr lang="fr-FR" dirty="0"/>
+              <a:t>(r6relais) </a:t>
+            </a:r>
+          </a:p>
+          <a:p>
+            <a:r>
+              <a:rPr lang="fr-FR" dirty="0" err="1"/>
+              <a:t>module_recup_donnees</a:t>
+            </a:r>
+            <a:r>
+              <a:rPr lang="fr-FR" dirty="0"/>
+              <a:t>(secteur1</a:t>
+            </a:r>
+            <a:r>
+              <a:rPr lang="fr-FR"/>
+              <a:t>…) </a:t>
+            </a:r>
+            <a:endParaRPr lang="fr-FR" dirty="0"/>
+          </a:p>
+        </p:txBody>
+      </p:sp>
+    </p:spTree>
+    <p:extLst>
+      <p:ext uri="{BB962C8B-B14F-4D97-AF65-F5344CB8AC3E}">
+        <p14:creationId xmlns:p14="http://schemas.microsoft.com/office/powerpoint/2010/main" val="1745086387"/>
+      </p:ext>
+    </p:extLst>
+  </p:cSld>
+  <p:clrMapOvr>
+    <a:masterClrMapping/>
+  </p:clrMapOvr>
+</p:sld>
+</file>
+
+<file path=ppt/slides/slide6.xml><?xml version="1.0" encoding="utf-8"?>
+<p:sld xmlns:a="http://schemas.openxmlformats.org/drawingml/2006/main" xmlns:r="http://schemas.openxmlformats.org/officeDocument/2006/relationships" xmlns:p="http://schemas.openxmlformats.org/presentationml/2006/main">
+  <p:cSld>
+    <p:spTree>
+      <p:nvGrpSpPr>
+        <p:cNvPr id="1" name=""/>
+        <p:cNvGrpSpPr/>
+        <p:nvPr/>
+      </p:nvGrpSpPr>
+      <p:grpSpPr>
+        <a:xfrm>
+          <a:off x="0" y="0"/>
+          <a:ext cx="0" cy="0"/>
+          <a:chOff x="0" y="0"/>
+          <a:chExt cx="0" cy="0"/>
+        </a:xfrm>
+      </p:grpSpPr>
+      <p:sp>
+        <p:nvSpPr>
           <p:cNvPr id="2" name="Titre 1">
             <a:extLst>
               <a:ext uri="{FF2B5EF4-FFF2-40B4-BE49-F238E27FC236}">
@@ -9377,7 +10178,7 @@
 </p:sld>
 </file>
 
-<file path=ppt/slides/slide6.xml><?xml version="1.0" encoding="utf-8"?>
+<file path=ppt/slides/slide7.xml><?xml version="1.0" encoding="utf-8"?>
 <p:sld xmlns:a="http://schemas.openxmlformats.org/drawingml/2006/main" xmlns:r="http://schemas.openxmlformats.org/officeDocument/2006/relationships" xmlns:p="http://schemas.openxmlformats.org/presentationml/2006/main">
   <p:cSld>
     <p:spTree>
